--- a/Documentos/Presentaciones/Anteproyecto 18.pptx
+++ b/Documentos/Presentaciones/Anteproyecto 18.pptx
@@ -125,6 +125,3469 @@
 </p:presentation>
 </file>
 
+<file path=ppt/diagrams/colors1.xml><?xml version="1.0" encoding="utf-8"?>
+<dgm:colorsDef xmlns:dgm="http://schemas.openxmlformats.org/drawingml/2006/diagram" xmlns:a="http://schemas.openxmlformats.org/drawingml/2006/main" uniqueId="urn:microsoft.com/office/officeart/2005/8/colors/accent1_2">
+  <dgm:title val=""/>
+  <dgm:desc val=""/>
+  <dgm:catLst>
+    <dgm:cat type="accent1" pri="11200"/>
+  </dgm:catLst>
+  <dgm:styleLbl name="node0">
+    <dgm:fillClrLst meth="repeat">
+      <a:schemeClr val="accent1"/>
+    </dgm:fillClrLst>
+    <dgm:linClrLst meth="repeat">
+      <a:schemeClr val="lt1"/>
+    </dgm:linClrLst>
+    <dgm:effectClrLst/>
+    <dgm:txLinClrLst/>
+    <dgm:txFillClrLst/>
+    <dgm:txEffectClrLst/>
+  </dgm:styleLbl>
+  <dgm:styleLbl name="alignNode1">
+    <dgm:fillClrLst meth="repeat">
+      <a:schemeClr val="accent1"/>
+    </dgm:fillClrLst>
+    <dgm:linClrLst meth="repeat">
+      <a:schemeClr val="accent1"/>
+    </dgm:linClrLst>
+    <dgm:effectClrLst/>
+    <dgm:txLinClrLst/>
+    <dgm:txFillClrLst/>
+    <dgm:txEffectClrLst/>
+  </dgm:styleLbl>
+  <dgm:styleLbl name="node1">
+    <dgm:fillClrLst meth="repeat">
+      <a:schemeClr val="accent1"/>
+    </dgm:fillClrLst>
+    <dgm:linClrLst meth="repeat">
+      <a:schemeClr val="lt1"/>
+    </dgm:linClrLst>
+    <dgm:effectClrLst/>
+    <dgm:txLinClrLst/>
+    <dgm:txFillClrLst/>
+    <dgm:txEffectClrLst/>
+  </dgm:styleLbl>
+  <dgm:styleLbl name="lnNode1">
+    <dgm:fillClrLst meth="repeat">
+      <a:schemeClr val="accent1"/>
+    </dgm:fillClrLst>
+    <dgm:linClrLst meth="repeat">
+      <a:schemeClr val="lt1"/>
+    </dgm:linClrLst>
+    <dgm:effectClrLst/>
+    <dgm:txLinClrLst/>
+    <dgm:txFillClrLst/>
+    <dgm:txEffectClrLst/>
+  </dgm:styleLbl>
+  <dgm:styleLbl name="vennNode1">
+    <dgm:fillClrLst meth="repeat">
+      <a:schemeClr val="accent1">
+        <a:alpha val="50000"/>
+      </a:schemeClr>
+    </dgm:fillClrLst>
+    <dgm:linClrLst meth="repeat">
+      <a:schemeClr val="lt1"/>
+    </dgm:linClrLst>
+    <dgm:effectClrLst/>
+    <dgm:txLinClrLst/>
+    <dgm:txFillClrLst/>
+    <dgm:txEffectClrLst/>
+  </dgm:styleLbl>
+  <dgm:styleLbl name="node2">
+    <dgm:fillClrLst meth="repeat">
+      <a:schemeClr val="accent1"/>
+    </dgm:fillClrLst>
+    <dgm:linClrLst meth="repeat">
+      <a:schemeClr val="lt1"/>
+    </dgm:linClrLst>
+    <dgm:effectClrLst/>
+    <dgm:txLinClrLst/>
+    <dgm:txFillClrLst/>
+    <dgm:txEffectClrLst/>
+  </dgm:styleLbl>
+  <dgm:styleLbl name="node3">
+    <dgm:fillClrLst meth="repeat">
+      <a:schemeClr val="accent1"/>
+    </dgm:fillClrLst>
+    <dgm:linClrLst meth="repeat">
+      <a:schemeClr val="lt1"/>
+    </dgm:linClrLst>
+    <dgm:effectClrLst/>
+    <dgm:txLinClrLst/>
+    <dgm:txFillClrLst/>
+    <dgm:txEffectClrLst/>
+  </dgm:styleLbl>
+  <dgm:styleLbl name="node4">
+    <dgm:fillClrLst meth="repeat">
+      <a:schemeClr val="accent1"/>
+    </dgm:fillClrLst>
+    <dgm:linClrLst meth="repeat">
+      <a:schemeClr val="lt1"/>
+    </dgm:linClrLst>
+    <dgm:effectClrLst/>
+    <dgm:txLinClrLst/>
+    <dgm:txFillClrLst/>
+    <dgm:txEffectClrLst/>
+  </dgm:styleLbl>
+  <dgm:styleLbl name="fgImgPlace1">
+    <dgm:fillClrLst meth="repeat">
+      <a:schemeClr val="accent1">
+        <a:tint val="50000"/>
+      </a:schemeClr>
+    </dgm:fillClrLst>
+    <dgm:linClrLst meth="repeat">
+      <a:schemeClr val="lt1"/>
+    </dgm:linClrLst>
+    <dgm:effectClrLst/>
+    <dgm:txLinClrLst/>
+    <dgm:txFillClrLst meth="repeat">
+      <a:schemeClr val="lt1"/>
+    </dgm:txFillClrLst>
+    <dgm:txEffectClrLst/>
+  </dgm:styleLbl>
+  <dgm:styleLbl name="alignImgPlace1">
+    <dgm:fillClrLst meth="repeat">
+      <a:schemeClr val="accent1">
+        <a:tint val="50000"/>
+      </a:schemeClr>
+    </dgm:fillClrLst>
+    <dgm:linClrLst meth="repeat">
+      <a:schemeClr val="lt1"/>
+    </dgm:linClrLst>
+    <dgm:effectClrLst/>
+    <dgm:txLinClrLst/>
+    <dgm:txFillClrLst meth="repeat">
+      <a:schemeClr val="lt1"/>
+    </dgm:txFillClrLst>
+    <dgm:txEffectClrLst/>
+  </dgm:styleLbl>
+  <dgm:styleLbl name="bgImgPlace1">
+    <dgm:fillClrLst meth="repeat">
+      <a:schemeClr val="accent1">
+        <a:tint val="50000"/>
+      </a:schemeClr>
+    </dgm:fillClrLst>
+    <dgm:linClrLst meth="repeat">
+      <a:schemeClr val="lt1"/>
+    </dgm:linClrLst>
+    <dgm:effectClrLst/>
+    <dgm:txLinClrLst/>
+    <dgm:txFillClrLst meth="repeat">
+      <a:schemeClr val="lt1"/>
+    </dgm:txFillClrLst>
+    <dgm:txEffectClrLst/>
+  </dgm:styleLbl>
+  <dgm:styleLbl name="sibTrans2D1">
+    <dgm:fillClrLst meth="repeat">
+      <a:schemeClr val="accent1">
+        <a:tint val="60000"/>
+      </a:schemeClr>
+    </dgm:fillClrLst>
+    <dgm:linClrLst meth="repeat">
+      <a:schemeClr val="accent1">
+        <a:tint val="60000"/>
+      </a:schemeClr>
+    </dgm:linClrLst>
+    <dgm:effectClrLst/>
+    <dgm:txLinClrLst/>
+    <dgm:txFillClrLst/>
+    <dgm:txEffectClrLst/>
+  </dgm:styleLbl>
+  <dgm:styleLbl name="fgSibTrans2D1">
+    <dgm:fillClrLst meth="repeat">
+      <a:schemeClr val="accent1">
+        <a:tint val="60000"/>
+      </a:schemeClr>
+    </dgm:fillClrLst>
+    <dgm:linClrLst meth="repeat">
+      <a:schemeClr val="accent1">
+        <a:tint val="60000"/>
+      </a:schemeClr>
+    </dgm:linClrLst>
+    <dgm:effectClrLst/>
+    <dgm:txLinClrLst/>
+    <dgm:txFillClrLst/>
+    <dgm:txEffectClrLst/>
+  </dgm:styleLbl>
+  <dgm:styleLbl name="bgSibTrans2D1">
+    <dgm:fillClrLst meth="repeat">
+      <a:schemeClr val="accent1">
+        <a:tint val="60000"/>
+      </a:schemeClr>
+    </dgm:fillClrLst>
+    <dgm:linClrLst meth="repeat">
+      <a:schemeClr val="accent1">
+        <a:tint val="60000"/>
+      </a:schemeClr>
+    </dgm:linClrLst>
+    <dgm:effectClrLst/>
+    <dgm:txLinClrLst/>
+    <dgm:txFillClrLst/>
+    <dgm:txEffectClrLst/>
+  </dgm:styleLbl>
+  <dgm:styleLbl name="sibTrans1D1">
+    <dgm:fillClrLst meth="repeat">
+      <a:schemeClr val="accent1"/>
+    </dgm:fillClrLst>
+    <dgm:linClrLst meth="repeat">
+      <a:schemeClr val="accent1"/>
+    </dgm:linClrLst>
+    <dgm:effectClrLst/>
+    <dgm:txLinClrLst/>
+    <dgm:txFillClrLst meth="repeat">
+      <a:schemeClr val="tx1"/>
+    </dgm:txFillClrLst>
+    <dgm:txEffectClrLst/>
+  </dgm:styleLbl>
+  <dgm:styleLbl name="callout">
+    <dgm:fillClrLst meth="repeat">
+      <a:schemeClr val="accent1"/>
+    </dgm:fillClrLst>
+    <dgm:linClrLst meth="repeat">
+      <a:schemeClr val="accent1">
+        <a:tint val="50000"/>
+      </a:schemeClr>
+    </dgm:linClrLst>
+    <dgm:effectClrLst/>
+    <dgm:txLinClrLst/>
+    <dgm:txFillClrLst meth="repeat">
+      <a:schemeClr val="tx1"/>
+    </dgm:txFillClrLst>
+    <dgm:txEffectClrLst/>
+  </dgm:styleLbl>
+  <dgm:styleLbl name="asst0">
+    <dgm:fillClrLst meth="repeat">
+      <a:schemeClr val="accent1"/>
+    </dgm:fillClrLst>
+    <dgm:linClrLst meth="repeat">
+      <a:schemeClr val="lt1"/>
+    </dgm:linClrLst>
+    <dgm:effectClrLst/>
+    <dgm:txLinClrLst/>
+    <dgm:txFillClrLst/>
+    <dgm:txEffectClrLst/>
+  </dgm:styleLbl>
+  <dgm:styleLbl name="asst1">
+    <dgm:fillClrLst meth="repeat">
+      <a:schemeClr val="accent1"/>
+    </dgm:fillClrLst>
+    <dgm:linClrLst meth="repeat">
+      <a:schemeClr val="lt1"/>
+    </dgm:linClrLst>
+    <dgm:effectClrLst/>
+    <dgm:txLinClrLst/>
+    <dgm:txFillClrLst/>
+    <dgm:txEffectClrLst/>
+  </dgm:styleLbl>
+  <dgm:styleLbl name="asst2">
+    <dgm:fillClrLst meth="repeat">
+      <a:schemeClr val="accent1"/>
+    </dgm:fillClrLst>
+    <dgm:linClrLst meth="repeat">
+      <a:schemeClr val="lt1"/>
+    </dgm:linClrLst>
+    <dgm:effectClrLst/>
+    <dgm:txLinClrLst/>
+    <dgm:txFillClrLst/>
+    <dgm:txEffectClrLst/>
+  </dgm:styleLbl>
+  <dgm:styleLbl name="asst3">
+    <dgm:fillClrLst meth="repeat">
+      <a:schemeClr val="accent1"/>
+    </dgm:fillClrLst>
+    <dgm:linClrLst meth="repeat">
+      <a:schemeClr val="lt1"/>
+    </dgm:linClrLst>
+    <dgm:effectClrLst/>
+    <dgm:txLinClrLst/>
+    <dgm:txFillClrLst/>
+    <dgm:txEffectClrLst/>
+  </dgm:styleLbl>
+  <dgm:styleLbl name="asst4">
+    <dgm:fillClrLst meth="repeat">
+      <a:schemeClr val="accent1"/>
+    </dgm:fillClrLst>
+    <dgm:linClrLst meth="repeat">
+      <a:schemeClr val="lt1"/>
+    </dgm:linClrLst>
+    <dgm:effectClrLst/>
+    <dgm:txLinClrLst/>
+    <dgm:txFillClrLst/>
+    <dgm:txEffectClrLst/>
+  </dgm:styleLbl>
+  <dgm:styleLbl name="parChTrans2D1">
+    <dgm:fillClrLst meth="repeat">
+      <a:schemeClr val="accent1">
+        <a:tint val="60000"/>
+      </a:schemeClr>
+    </dgm:fillClrLst>
+    <dgm:linClrLst meth="repeat">
+      <a:schemeClr val="accent1">
+        <a:tint val="60000"/>
+      </a:schemeClr>
+    </dgm:linClrLst>
+    <dgm:effectClrLst/>
+    <dgm:txLinClrLst/>
+    <dgm:txFillClrLst meth="repeat">
+      <a:schemeClr val="lt1"/>
+    </dgm:txFillClrLst>
+    <dgm:txEffectClrLst/>
+  </dgm:styleLbl>
+  <dgm:styleLbl name="parChTrans2D2">
+    <dgm:fillClrLst meth="repeat">
+      <a:schemeClr val="accent1"/>
+    </dgm:fillClrLst>
+    <dgm:linClrLst meth="repeat">
+      <a:schemeClr val="accent1"/>
+    </dgm:linClrLst>
+    <dgm:effectClrLst/>
+    <dgm:txLinClrLst/>
+    <dgm:txFillClrLst meth="repeat">
+      <a:schemeClr val="lt1"/>
+    </dgm:txFillClrLst>
+    <dgm:txEffectClrLst/>
+  </dgm:styleLbl>
+  <dgm:styleLbl name="parChTrans2D3">
+    <dgm:fillClrLst meth="repeat">
+      <a:schemeClr val="accent1"/>
+    </dgm:fillClrLst>
+    <dgm:linClrLst meth="repeat">
+      <a:schemeClr val="accent1"/>
+    </dgm:linClrLst>
+    <dgm:effectClrLst/>
+    <dgm:txLinClrLst/>
+    <dgm:txFillClrLst meth="repeat">
+      <a:schemeClr val="lt1"/>
+    </dgm:txFillClrLst>
+    <dgm:txEffectClrLst/>
+  </dgm:styleLbl>
+  <dgm:styleLbl name="parChTrans2D4">
+    <dgm:fillClrLst meth="repeat">
+      <a:schemeClr val="accent1"/>
+    </dgm:fillClrLst>
+    <dgm:linClrLst meth="repeat">
+      <a:schemeClr val="accent1"/>
+    </dgm:linClrLst>
+    <dgm:effectClrLst/>
+    <dgm:txLinClrLst/>
+    <dgm:txFillClrLst meth="repeat">
+      <a:schemeClr val="lt1"/>
+    </dgm:txFillClrLst>
+    <dgm:txEffectClrLst/>
+  </dgm:styleLbl>
+  <dgm:styleLbl name="parChTrans1D1">
+    <dgm:fillClrLst meth="repeat">
+      <a:schemeClr val="accent1"/>
+    </dgm:fillClrLst>
+    <dgm:linClrLst meth="repeat">
+      <a:schemeClr val="accent1">
+        <a:shade val="60000"/>
+      </a:schemeClr>
+    </dgm:linClrLst>
+    <dgm:effectClrLst/>
+    <dgm:txLinClrLst/>
+    <dgm:txFillClrLst meth="repeat">
+      <a:schemeClr val="tx1"/>
+    </dgm:txFillClrLst>
+    <dgm:txEffectClrLst/>
+  </dgm:styleLbl>
+  <dgm:styleLbl name="parChTrans1D2">
+    <dgm:fillClrLst meth="repeat">
+      <a:schemeClr val="accent1"/>
+    </dgm:fillClrLst>
+    <dgm:linClrLst meth="repeat">
+      <a:schemeClr val="accent1">
+        <a:shade val="60000"/>
+      </a:schemeClr>
+    </dgm:linClrLst>
+    <dgm:effectClrLst/>
+    <dgm:txLinClrLst/>
+    <dgm:txFillClrLst meth="repeat">
+      <a:schemeClr val="tx1"/>
+    </dgm:txFillClrLst>
+    <dgm:txEffectClrLst/>
+  </dgm:styleLbl>
+  <dgm:styleLbl name="parChTrans1D3">
+    <dgm:fillClrLst meth="repeat">
+      <a:schemeClr val="accent1"/>
+    </dgm:fillClrLst>
+    <dgm:linClrLst meth="repeat">
+      <a:schemeClr val="accent1">
+        <a:shade val="80000"/>
+      </a:schemeClr>
+    </dgm:linClrLst>
+    <dgm:effectClrLst/>
+    <dgm:txLinClrLst/>
+    <dgm:txFillClrLst meth="repeat">
+      <a:schemeClr val="tx1"/>
+    </dgm:txFillClrLst>
+    <dgm:txEffectClrLst/>
+  </dgm:styleLbl>
+  <dgm:styleLbl name="parChTrans1D4">
+    <dgm:fillClrLst meth="repeat">
+      <a:schemeClr val="accent1"/>
+    </dgm:fillClrLst>
+    <dgm:linClrLst meth="repeat">
+      <a:schemeClr val="accent1">
+        <a:shade val="80000"/>
+      </a:schemeClr>
+    </dgm:linClrLst>
+    <dgm:effectClrLst/>
+    <dgm:txLinClrLst/>
+    <dgm:txFillClrLst meth="repeat">
+      <a:schemeClr val="tx1"/>
+    </dgm:txFillClrLst>
+    <dgm:txEffectClrLst/>
+  </dgm:styleLbl>
+  <dgm:styleLbl name="fgAcc1">
+    <dgm:fillClrLst meth="repeat">
+      <a:schemeClr val="lt1">
+        <a:alpha val="90000"/>
+      </a:schemeClr>
+    </dgm:fillClrLst>
+    <dgm:linClrLst meth="repeat">
+      <a:schemeClr val="accent1"/>
+    </dgm:linClrLst>
+    <dgm:effectClrLst/>
+    <dgm:txLinClrLst/>
+    <dgm:txFillClrLst meth="repeat">
+      <a:schemeClr val="dk1"/>
+    </dgm:txFillClrLst>
+    <dgm:txEffectClrLst/>
+  </dgm:styleLbl>
+  <dgm:styleLbl name="conFgAcc1">
+    <dgm:fillClrLst meth="repeat">
+      <a:schemeClr val="lt1">
+        <a:alpha val="90000"/>
+      </a:schemeClr>
+    </dgm:fillClrLst>
+    <dgm:linClrLst meth="repeat">
+      <a:schemeClr val="accent1"/>
+    </dgm:linClrLst>
+    <dgm:effectClrLst/>
+    <dgm:txLinClrLst/>
+    <dgm:txFillClrLst meth="repeat">
+      <a:schemeClr val="dk1"/>
+    </dgm:txFillClrLst>
+    <dgm:txEffectClrLst/>
+  </dgm:styleLbl>
+  <dgm:styleLbl name="alignAcc1">
+    <dgm:fillClrLst meth="repeat">
+      <a:schemeClr val="lt1">
+        <a:alpha val="90000"/>
+      </a:schemeClr>
+    </dgm:fillClrLst>
+    <dgm:linClrLst meth="repeat">
+      <a:schemeClr val="accent1"/>
+    </dgm:linClrLst>
+    <dgm:effectClrLst/>
+    <dgm:txLinClrLst/>
+    <dgm:txFillClrLst meth="repeat">
+      <a:schemeClr val="dk1"/>
+    </dgm:txFillClrLst>
+    <dgm:txEffectClrLst/>
+  </dgm:styleLbl>
+  <dgm:styleLbl name="trAlignAcc1">
+    <dgm:fillClrLst meth="repeat">
+      <a:schemeClr val="lt1">
+        <a:alpha val="40000"/>
+      </a:schemeClr>
+    </dgm:fillClrLst>
+    <dgm:linClrLst meth="repeat">
+      <a:schemeClr val="accent1"/>
+    </dgm:linClrLst>
+    <dgm:effectClrLst/>
+    <dgm:txLinClrLst/>
+    <dgm:txFillClrLst meth="repeat">
+      <a:schemeClr val="dk1"/>
+    </dgm:txFillClrLst>
+    <dgm:txEffectClrLst/>
+  </dgm:styleLbl>
+  <dgm:styleLbl name="bgAcc1">
+    <dgm:fillClrLst meth="repeat">
+      <a:schemeClr val="lt1">
+        <a:alpha val="90000"/>
+      </a:schemeClr>
+    </dgm:fillClrLst>
+    <dgm:linClrLst meth="repeat">
+      <a:schemeClr val="accent1"/>
+    </dgm:linClrLst>
+    <dgm:effectClrLst/>
+    <dgm:txLinClrLst/>
+    <dgm:txFillClrLst meth="repeat">
+      <a:schemeClr val="dk1"/>
+    </dgm:txFillClrLst>
+    <dgm:txEffectClrLst/>
+  </dgm:styleLbl>
+  <dgm:styleLbl name="solidFgAcc1">
+    <dgm:fillClrLst meth="repeat">
+      <a:schemeClr val="lt1"/>
+    </dgm:fillClrLst>
+    <dgm:linClrLst meth="repeat">
+      <a:schemeClr val="accent1"/>
+    </dgm:linClrLst>
+    <dgm:effectClrLst/>
+    <dgm:txLinClrLst/>
+    <dgm:txFillClrLst meth="repeat">
+      <a:schemeClr val="dk1"/>
+    </dgm:txFillClrLst>
+    <dgm:txEffectClrLst/>
+  </dgm:styleLbl>
+  <dgm:styleLbl name="solidAlignAcc1">
+    <dgm:fillClrLst meth="repeat">
+      <a:schemeClr val="lt1"/>
+    </dgm:fillClrLst>
+    <dgm:linClrLst meth="repeat">
+      <a:schemeClr val="accent1"/>
+    </dgm:linClrLst>
+    <dgm:effectClrLst/>
+    <dgm:txLinClrLst/>
+    <dgm:txFillClrLst meth="repeat">
+      <a:schemeClr val="dk1"/>
+    </dgm:txFillClrLst>
+    <dgm:txEffectClrLst/>
+  </dgm:styleLbl>
+  <dgm:styleLbl name="solidBgAcc1">
+    <dgm:fillClrLst meth="repeat">
+      <a:schemeClr val="lt1"/>
+    </dgm:fillClrLst>
+    <dgm:linClrLst meth="repeat">
+      <a:schemeClr val="accent1"/>
+    </dgm:linClrLst>
+    <dgm:effectClrLst/>
+    <dgm:txLinClrLst/>
+    <dgm:txFillClrLst meth="repeat">
+      <a:schemeClr val="dk1"/>
+    </dgm:txFillClrLst>
+    <dgm:txEffectClrLst/>
+  </dgm:styleLbl>
+  <dgm:styleLbl name="fgAccFollowNode1">
+    <dgm:fillClrLst meth="repeat">
+      <a:schemeClr val="accent1">
+        <a:alpha val="90000"/>
+        <a:tint val="40000"/>
+      </a:schemeClr>
+    </dgm:fillClrLst>
+    <dgm:linClrLst meth="repeat">
+      <a:schemeClr val="accent1">
+        <a:alpha val="90000"/>
+        <a:tint val="40000"/>
+      </a:schemeClr>
+    </dgm:linClrLst>
+    <dgm:effectClrLst/>
+    <dgm:txLinClrLst/>
+    <dgm:txFillClrLst meth="repeat">
+      <a:schemeClr val="dk1"/>
+    </dgm:txFillClrLst>
+    <dgm:txEffectClrLst/>
+  </dgm:styleLbl>
+  <dgm:styleLbl name="alignAccFollowNode1">
+    <dgm:fillClrLst meth="repeat">
+      <a:schemeClr val="accent1">
+        <a:alpha val="90000"/>
+        <a:tint val="40000"/>
+      </a:schemeClr>
+    </dgm:fillClrLst>
+    <dgm:linClrLst meth="repeat">
+      <a:schemeClr val="accent1">
+        <a:alpha val="90000"/>
+        <a:tint val="40000"/>
+      </a:schemeClr>
+    </dgm:linClrLst>
+    <dgm:effectClrLst/>
+    <dgm:txLinClrLst/>
+    <dgm:txFillClrLst meth="repeat">
+      <a:schemeClr val="dk1"/>
+    </dgm:txFillClrLst>
+    <dgm:txEffectClrLst/>
+  </dgm:styleLbl>
+  <dgm:styleLbl name="bgAccFollowNode1">
+    <dgm:fillClrLst meth="repeat">
+      <a:schemeClr val="accent1">
+        <a:alpha val="90000"/>
+        <a:tint val="40000"/>
+      </a:schemeClr>
+    </dgm:fillClrLst>
+    <dgm:linClrLst meth="repeat">
+      <a:schemeClr val="accent1">
+        <a:alpha val="90000"/>
+        <a:tint val="40000"/>
+      </a:schemeClr>
+    </dgm:linClrLst>
+    <dgm:effectClrLst/>
+    <dgm:txLinClrLst/>
+    <dgm:txFillClrLst meth="repeat">
+      <a:schemeClr val="dk1"/>
+    </dgm:txFillClrLst>
+    <dgm:txEffectClrLst/>
+  </dgm:styleLbl>
+  <dgm:styleLbl name="fgAcc0">
+    <dgm:fillClrLst meth="repeat">
+      <a:schemeClr val="lt1">
+        <a:alpha val="90000"/>
+      </a:schemeClr>
+    </dgm:fillClrLst>
+    <dgm:linClrLst meth="repeat">
+      <a:schemeClr val="accent1"/>
+    </dgm:linClrLst>
+    <dgm:effectClrLst/>
+    <dgm:txLinClrLst/>
+    <dgm:txFillClrLst meth="repeat">
+      <a:schemeClr val="dk1"/>
+    </dgm:txFillClrLst>
+    <dgm:txEffectClrLst/>
+  </dgm:styleLbl>
+  <dgm:styleLbl name="fgAcc2">
+    <dgm:fillClrLst meth="repeat">
+      <a:schemeClr val="lt1">
+        <a:alpha val="90000"/>
+      </a:schemeClr>
+    </dgm:fillClrLst>
+    <dgm:linClrLst meth="repeat">
+      <a:schemeClr val="accent1"/>
+    </dgm:linClrLst>
+    <dgm:effectClrLst/>
+    <dgm:txLinClrLst/>
+    <dgm:txFillClrLst meth="repeat">
+      <a:schemeClr val="dk1"/>
+    </dgm:txFillClrLst>
+    <dgm:txEffectClrLst/>
+  </dgm:styleLbl>
+  <dgm:styleLbl name="fgAcc3">
+    <dgm:fillClrLst meth="repeat">
+      <a:schemeClr val="lt1">
+        <a:alpha val="90000"/>
+      </a:schemeClr>
+    </dgm:fillClrLst>
+    <dgm:linClrLst meth="repeat">
+      <a:schemeClr val="accent1"/>
+    </dgm:linClrLst>
+    <dgm:effectClrLst/>
+    <dgm:txLinClrLst/>
+    <dgm:txFillClrLst meth="repeat">
+      <a:schemeClr val="dk1"/>
+    </dgm:txFillClrLst>
+    <dgm:txEffectClrLst/>
+  </dgm:styleLbl>
+  <dgm:styleLbl name="fgAcc4">
+    <dgm:fillClrLst meth="repeat">
+      <a:schemeClr val="lt1">
+        <a:alpha val="90000"/>
+      </a:schemeClr>
+    </dgm:fillClrLst>
+    <dgm:linClrLst meth="repeat">
+      <a:schemeClr val="accent1"/>
+    </dgm:linClrLst>
+    <dgm:effectClrLst/>
+    <dgm:txLinClrLst/>
+    <dgm:txFillClrLst meth="repeat">
+      <a:schemeClr val="dk1"/>
+    </dgm:txFillClrLst>
+    <dgm:txEffectClrLst/>
+  </dgm:styleLbl>
+  <dgm:styleLbl name="bgShp">
+    <dgm:fillClrLst meth="repeat">
+      <a:schemeClr val="accent1">
+        <a:tint val="40000"/>
+      </a:schemeClr>
+    </dgm:fillClrLst>
+    <dgm:linClrLst meth="repeat">
+      <a:schemeClr val="accent1"/>
+    </dgm:linClrLst>
+    <dgm:effectClrLst/>
+    <dgm:txLinClrLst/>
+    <dgm:txFillClrLst meth="repeat">
+      <a:schemeClr val="dk1"/>
+    </dgm:txFillClrLst>
+    <dgm:txEffectClrLst/>
+  </dgm:styleLbl>
+  <dgm:styleLbl name="dkBgShp">
+    <dgm:fillClrLst meth="repeat">
+      <a:schemeClr val="accent1">
+        <a:shade val="80000"/>
+      </a:schemeClr>
+    </dgm:fillClrLst>
+    <dgm:linClrLst meth="repeat">
+      <a:schemeClr val="accent1"/>
+    </dgm:linClrLst>
+    <dgm:effectClrLst/>
+    <dgm:txLinClrLst/>
+    <dgm:txFillClrLst meth="repeat">
+      <a:schemeClr val="lt1"/>
+    </dgm:txFillClrLst>
+    <dgm:txEffectClrLst/>
+  </dgm:styleLbl>
+  <dgm:styleLbl name="trBgShp">
+    <dgm:fillClrLst meth="repeat">
+      <a:schemeClr val="accent1">
+        <a:tint val="50000"/>
+        <a:alpha val="40000"/>
+      </a:schemeClr>
+    </dgm:fillClrLst>
+    <dgm:linClrLst meth="repeat">
+      <a:schemeClr val="accent1"/>
+    </dgm:linClrLst>
+    <dgm:effectClrLst/>
+    <dgm:txLinClrLst/>
+    <dgm:txFillClrLst meth="repeat">
+      <a:schemeClr val="lt1"/>
+    </dgm:txFillClrLst>
+    <dgm:txEffectClrLst/>
+  </dgm:styleLbl>
+  <dgm:styleLbl name="fgShp">
+    <dgm:fillClrLst meth="repeat">
+      <a:schemeClr val="accent1">
+        <a:tint val="60000"/>
+      </a:schemeClr>
+    </dgm:fillClrLst>
+    <dgm:linClrLst meth="repeat">
+      <a:schemeClr val="lt1"/>
+    </dgm:linClrLst>
+    <dgm:effectClrLst/>
+    <dgm:txLinClrLst/>
+    <dgm:txFillClrLst meth="repeat">
+      <a:schemeClr val="dk1"/>
+    </dgm:txFillClrLst>
+    <dgm:txEffectClrLst/>
+  </dgm:styleLbl>
+  <dgm:styleLbl name="revTx">
+    <dgm:fillClrLst meth="repeat">
+      <a:schemeClr val="lt1">
+        <a:alpha val="0"/>
+      </a:schemeClr>
+    </dgm:fillClrLst>
+    <dgm:linClrLst meth="repeat">
+      <a:schemeClr val="dk1">
+        <a:alpha val="0"/>
+      </a:schemeClr>
+    </dgm:linClrLst>
+    <dgm:effectClrLst/>
+    <dgm:txLinClrLst/>
+    <dgm:txFillClrLst meth="repeat">
+      <a:schemeClr val="tx1"/>
+    </dgm:txFillClrLst>
+    <dgm:txEffectClrLst/>
+  </dgm:styleLbl>
+</dgm:colorsDef>
+</file>
+
+<file path=ppt/diagrams/data1.xml><?xml version="1.0" encoding="utf-8"?>
+<dgm:dataModel xmlns:dgm="http://schemas.openxmlformats.org/drawingml/2006/diagram" xmlns:a="http://schemas.openxmlformats.org/drawingml/2006/main">
+  <dgm:ptLst>
+    <dgm:pt modelId="{A482EFC8-6CAD-4D15-A66E-4659C71089B7}" type="doc">
+      <dgm:prSet loTypeId="urn:microsoft.com/office/officeart/2008/layout/CircularPictureCallout" loCatId="picture" qsTypeId="urn:microsoft.com/office/officeart/2005/8/quickstyle/simple1" qsCatId="simple" csTypeId="urn:microsoft.com/office/officeart/2005/8/colors/accent1_2" csCatId="accent1" phldr="1"/>
+      <dgm:spPr/>
+    </dgm:pt>
+    <dgm:pt modelId="{5B97A30F-B7B6-487D-B88C-49C661669F41}">
+      <dgm:prSet phldrT="[Texto]"/>
+      <dgm:spPr/>
+      <dgm:t>
+        <a:bodyPr/>
+        <a:lstStyle/>
+        <a:p>
+          <a:endParaRPr lang="es-MX" dirty="0"/>
+        </a:p>
+        <a:p>
+          <a:endParaRPr lang="es-MX" dirty="0"/>
+        </a:p>
+      </dgm:t>
+    </dgm:pt>
+    <dgm:pt modelId="{8EB53633-DEB8-432B-B455-B0B357D5DEC9}" type="sibTrans" cxnId="{FF10C31F-773A-4FD8-898C-D885215B73F6}">
+      <dgm:prSet/>
+      <dgm:spPr>
+        <a:blipFill rotWithShape="1">
+          <a:blip xmlns:r="http://schemas.openxmlformats.org/officeDocument/2006/relationships" r:embed="rId1">
+            <a:extLst>
+              <a:ext uri="{28A0092B-C50C-407E-A947-70E740481C1C}">
+                <a14:useLocalDpi xmlns:a14="http://schemas.microsoft.com/office/drawing/2010/main" val="0"/>
+              </a:ext>
+            </a:extLst>
+          </a:blip>
+          <a:srcRect/>
+          <a:stretch>
+            <a:fillRect l="-39000" r="-39000"/>
+          </a:stretch>
+        </a:blipFill>
+        <a:effectLst>
+          <a:outerShdw blurRad="50800" dist="38100" dir="5400000" algn="t" rotWithShape="0">
+            <a:prstClr val="black">
+              <a:alpha val="40000"/>
+            </a:prstClr>
+          </a:outerShdw>
+        </a:effectLst>
+      </dgm:spPr>
+      <dgm:t>
+        <a:bodyPr/>
+        <a:lstStyle/>
+        <a:p>
+          <a:endParaRPr lang="es-MX"/>
+        </a:p>
+      </dgm:t>
+      <dgm:extLst>
+        <a:ext uri="{E40237B7-FDA0-4F09-8148-C483321AD2D9}">
+          <dgm14:cNvPr xmlns:dgm14="http://schemas.microsoft.com/office/drawing/2010/diagram" id="0" name="" descr="Amazon Web Services presenta un nuevo programa de canal | Cloud ...">
+            <a:extLst>
+              <a:ext uri="{FF2B5EF4-FFF2-40B4-BE49-F238E27FC236}">
+                <a16:creationId xmlns:a16="http://schemas.microsoft.com/office/drawing/2014/main" id="{EBBD454F-3105-43E9-91DE-0EBEF1A9FEE5}"/>
+              </a:ext>
+            </a:extLst>
+          </dgm14:cNvPr>
+        </a:ext>
+      </dgm:extLst>
+    </dgm:pt>
+    <dgm:pt modelId="{E8A9DBF6-9915-4274-979C-276A45240B0A}" type="parTrans" cxnId="{FF10C31F-773A-4FD8-898C-D885215B73F6}">
+      <dgm:prSet/>
+      <dgm:spPr/>
+      <dgm:t>
+        <a:bodyPr/>
+        <a:lstStyle/>
+        <a:p>
+          <a:endParaRPr lang="es-MX"/>
+        </a:p>
+      </dgm:t>
+    </dgm:pt>
+    <dgm:pt modelId="{676D9D90-EAD5-4E13-B93D-A5E97BB69165}" type="pres">
+      <dgm:prSet presAssocID="{A482EFC8-6CAD-4D15-A66E-4659C71089B7}" presName="Name0" presStyleCnt="0">
+        <dgm:presLayoutVars>
+          <dgm:chMax val="7"/>
+          <dgm:chPref val="7"/>
+          <dgm:dir/>
+        </dgm:presLayoutVars>
+      </dgm:prSet>
+      <dgm:spPr/>
+    </dgm:pt>
+    <dgm:pt modelId="{3F8D0E0B-9372-441D-9411-0D76E7B43CDC}" type="pres">
+      <dgm:prSet presAssocID="{A482EFC8-6CAD-4D15-A66E-4659C71089B7}" presName="Name1" presStyleCnt="0"/>
+      <dgm:spPr/>
+    </dgm:pt>
+    <dgm:pt modelId="{D79DB301-B570-4A11-A10C-A59C60F5C8F8}" type="pres">
+      <dgm:prSet presAssocID="{8EB53633-DEB8-432B-B455-B0B357D5DEC9}" presName="picture_1" presStyleCnt="0"/>
+      <dgm:spPr/>
+    </dgm:pt>
+    <dgm:pt modelId="{9456CF55-7020-46D2-86A8-6B532C001B74}" type="pres">
+      <dgm:prSet presAssocID="{8EB53633-DEB8-432B-B455-B0B357D5DEC9}" presName="pictureRepeatNode" presStyleLbl="alignImgPlace1" presStyleIdx="0" presStyleCnt="1" custScaleX="104445" custScaleY="106575" custLinFactNeighborX="-818" custLinFactNeighborY="4524"/>
+      <dgm:spPr/>
+    </dgm:pt>
+    <dgm:pt modelId="{6EEF4B0E-7253-49AB-84B2-740AC1765410}" type="pres">
+      <dgm:prSet presAssocID="{5B97A30F-B7B6-487D-B88C-49C661669F41}" presName="text_1" presStyleLbl="node1" presStyleIdx="0" presStyleCnt="0">
+        <dgm:presLayoutVars>
+          <dgm:bulletEnabled val="1"/>
+        </dgm:presLayoutVars>
+      </dgm:prSet>
+      <dgm:spPr/>
+    </dgm:pt>
+  </dgm:ptLst>
+  <dgm:cxnLst>
+    <dgm:cxn modelId="{FF10C31F-773A-4FD8-898C-D885215B73F6}" srcId="{A482EFC8-6CAD-4D15-A66E-4659C71089B7}" destId="{5B97A30F-B7B6-487D-B88C-49C661669F41}" srcOrd="0" destOrd="0" parTransId="{E8A9DBF6-9915-4274-979C-276A45240B0A}" sibTransId="{8EB53633-DEB8-432B-B455-B0B357D5DEC9}"/>
+    <dgm:cxn modelId="{6E50A838-518F-4105-AE47-FA98942FCE46}" type="presOf" srcId="{8EB53633-DEB8-432B-B455-B0B357D5DEC9}" destId="{9456CF55-7020-46D2-86A8-6B532C001B74}" srcOrd="0" destOrd="0" presId="urn:microsoft.com/office/officeart/2008/layout/CircularPictureCallout"/>
+    <dgm:cxn modelId="{36AD366E-23A1-4988-833F-9932ED17FCC9}" type="presOf" srcId="{A482EFC8-6CAD-4D15-A66E-4659C71089B7}" destId="{676D9D90-EAD5-4E13-B93D-A5E97BB69165}" srcOrd="0" destOrd="0" presId="urn:microsoft.com/office/officeart/2008/layout/CircularPictureCallout"/>
+    <dgm:cxn modelId="{D88E5B75-F707-457B-B2FB-234FEA67838C}" type="presOf" srcId="{5B97A30F-B7B6-487D-B88C-49C661669F41}" destId="{6EEF4B0E-7253-49AB-84B2-740AC1765410}" srcOrd="0" destOrd="0" presId="urn:microsoft.com/office/officeart/2008/layout/CircularPictureCallout"/>
+    <dgm:cxn modelId="{E3304A03-1322-414C-A685-822DE31B7D13}" type="presParOf" srcId="{676D9D90-EAD5-4E13-B93D-A5E97BB69165}" destId="{3F8D0E0B-9372-441D-9411-0D76E7B43CDC}" srcOrd="0" destOrd="0" presId="urn:microsoft.com/office/officeart/2008/layout/CircularPictureCallout"/>
+    <dgm:cxn modelId="{A8A89564-F281-4FB0-85B8-9EACE2DBFD24}" type="presParOf" srcId="{3F8D0E0B-9372-441D-9411-0D76E7B43CDC}" destId="{D79DB301-B570-4A11-A10C-A59C60F5C8F8}" srcOrd="0" destOrd="0" presId="urn:microsoft.com/office/officeart/2008/layout/CircularPictureCallout"/>
+    <dgm:cxn modelId="{B6699659-56F6-47E7-A83E-675336C2FA8C}" type="presParOf" srcId="{D79DB301-B570-4A11-A10C-A59C60F5C8F8}" destId="{9456CF55-7020-46D2-86A8-6B532C001B74}" srcOrd="0" destOrd="0" presId="urn:microsoft.com/office/officeart/2008/layout/CircularPictureCallout"/>
+    <dgm:cxn modelId="{601E3AC2-390A-4378-AFA9-74553A108423}" type="presParOf" srcId="{3F8D0E0B-9372-441D-9411-0D76E7B43CDC}" destId="{6EEF4B0E-7253-49AB-84B2-740AC1765410}" srcOrd="1" destOrd="0" presId="urn:microsoft.com/office/officeart/2008/layout/CircularPictureCallout"/>
+  </dgm:cxnLst>
+  <dgm:bg/>
+  <dgm:whole/>
+  <dgm:extLst>
+    <a:ext uri="http://schemas.microsoft.com/office/drawing/2008/diagram">
+      <dsp:dataModelExt xmlns:dsp="http://schemas.microsoft.com/office/drawing/2008/diagram" relId="rId16" minVer="http://schemas.openxmlformats.org/drawingml/2006/diagram"/>
+    </a:ext>
+  </dgm:extLst>
+</dgm:dataModel>
+</file>
+
+<file path=ppt/diagrams/drawing1.xml><?xml version="1.0" encoding="utf-8"?>
+<dsp:drawing xmlns:dgm="http://schemas.openxmlformats.org/drawingml/2006/diagram" xmlns:dsp="http://schemas.microsoft.com/office/drawing/2008/diagram" xmlns:a="http://schemas.openxmlformats.org/drawingml/2006/main">
+  <dsp:spTree>
+    <dsp:nvGrpSpPr>
+      <dsp:cNvPr id="0" name=""/>
+      <dsp:cNvGrpSpPr/>
+    </dsp:nvGrpSpPr>
+    <dsp:grpSpPr/>
+    <dsp:sp modelId="{9456CF55-7020-46D2-86A8-6B532C001B74}">
+      <dsp:nvSpPr>
+        <dsp:cNvPr id="0" name=""/>
+        <dsp:cNvSpPr/>
+      </dsp:nvSpPr>
+      <dsp:spPr>
+        <a:xfrm>
+          <a:off x="637235" y="162456"/>
+          <a:ext cx="1417306" cy="1446210"/>
+        </a:xfrm>
+        <a:prstGeom prst="ellipse">
+          <a:avLst/>
+        </a:prstGeom>
+        <a:blipFill rotWithShape="1">
+          <a:blip xmlns:r="http://schemas.openxmlformats.org/officeDocument/2006/relationships" r:embed="rId1">
+            <a:extLst>
+              <a:ext uri="{28A0092B-C50C-407E-A947-70E740481C1C}">
+                <a14:useLocalDpi xmlns:a14="http://schemas.microsoft.com/office/drawing/2010/main" val="0"/>
+              </a:ext>
+            </a:extLst>
+          </a:blip>
+          <a:srcRect/>
+          <a:stretch>
+            <a:fillRect l="-39000" r="-39000"/>
+          </a:stretch>
+        </a:blipFill>
+        <a:ln w="12700" cap="flat" cmpd="sng" algn="ctr">
+          <a:solidFill>
+            <a:schemeClr val="lt1">
+              <a:hueOff val="0"/>
+              <a:satOff val="0"/>
+              <a:lumOff val="0"/>
+              <a:alphaOff val="0"/>
+            </a:schemeClr>
+          </a:solidFill>
+          <a:prstDash val="solid"/>
+          <a:miter lim="800000"/>
+        </a:ln>
+        <a:effectLst>
+          <a:outerShdw blurRad="50800" dist="38100" dir="5400000" algn="t" rotWithShape="0">
+            <a:prstClr val="black">
+              <a:alpha val="40000"/>
+            </a:prstClr>
+          </a:outerShdw>
+        </a:effectLst>
+      </dsp:spPr>
+      <dsp:style>
+        <a:lnRef idx="2">
+          <a:scrgbClr r="0" g="0" b="0"/>
+        </a:lnRef>
+        <a:fillRef idx="1">
+          <a:scrgbClr r="0" g="0" b="0"/>
+        </a:fillRef>
+        <a:effectRef idx="0">
+          <a:scrgbClr r="0" g="0" b="0"/>
+        </a:effectRef>
+        <a:fontRef idx="minor"/>
+      </dsp:style>
+    </dsp:sp>
+    <dsp:sp modelId="{6EEF4B0E-7253-49AB-84B2-740AC1765410}">
+      <dsp:nvSpPr>
+        <dsp:cNvPr id="0" name=""/>
+        <dsp:cNvSpPr/>
+      </dsp:nvSpPr>
+      <dsp:spPr>
+        <a:xfrm>
+          <a:off x="922752" y="866238"/>
+          <a:ext cx="868472" cy="447806"/>
+        </a:xfrm>
+        <a:prstGeom prst="rect">
+          <a:avLst/>
+        </a:prstGeom>
+        <a:noFill/>
+        <a:ln w="12700" cap="flat" cmpd="sng" algn="ctr">
+          <a:noFill/>
+          <a:prstDash val="solid"/>
+          <a:miter lim="800000"/>
+        </a:ln>
+        <a:effectLst/>
+        <a:sp3d/>
+      </dsp:spPr>
+      <dsp:style>
+        <a:lnRef idx="2">
+          <a:scrgbClr r="0" g="0" b="0"/>
+        </a:lnRef>
+        <a:fillRef idx="1">
+          <a:scrgbClr r="0" g="0" b="0"/>
+        </a:fillRef>
+        <a:effectRef idx="0">
+          <a:scrgbClr r="0" g="0" b="0"/>
+        </a:effectRef>
+        <a:fontRef idx="minor">
+          <a:schemeClr val="lt1"/>
+        </a:fontRef>
+      </dsp:style>
+      <dsp:txBody>
+        <a:bodyPr spcFirstLastPara="0" vert="horz" wrap="square" lIns="0" tIns="0" rIns="0" bIns="0" numCol="1" spcCol="1270" anchor="b" anchorCtr="0">
+          <a:noAutofit/>
+        </a:bodyPr>
+        <a:lstStyle/>
+        <a:p>
+          <a:pPr marL="0" lvl="0" indent="0" algn="ctr" defTabSz="577850">
+            <a:lnSpc>
+              <a:spcPct val="90000"/>
+            </a:lnSpc>
+            <a:spcBef>
+              <a:spcPct val="0"/>
+            </a:spcBef>
+            <a:spcAft>
+              <a:spcPct val="35000"/>
+            </a:spcAft>
+            <a:buNone/>
+          </a:pPr>
+          <a:endParaRPr lang="es-MX" sz="1300" kern="1200" dirty="0"/>
+        </a:p>
+        <a:p>
+          <a:pPr marL="0" lvl="0" indent="0" algn="ctr" defTabSz="577850">
+            <a:lnSpc>
+              <a:spcPct val="90000"/>
+            </a:lnSpc>
+            <a:spcBef>
+              <a:spcPct val="0"/>
+            </a:spcBef>
+            <a:spcAft>
+              <a:spcPct val="35000"/>
+            </a:spcAft>
+            <a:buNone/>
+          </a:pPr>
+          <a:endParaRPr lang="es-MX" sz="1300" kern="1200" dirty="0"/>
+        </a:p>
+      </dsp:txBody>
+      <dsp:txXfrm>
+        <a:off x="922752" y="866238"/>
+        <a:ext cx="868472" cy="447806"/>
+      </dsp:txXfrm>
+    </dsp:sp>
+  </dsp:spTree>
+</dsp:drawing>
+</file>
+
+<file path=ppt/diagrams/layout1.xml><?xml version="1.0" encoding="utf-8"?>
+<dgm:layoutDef xmlns:dgm="http://schemas.openxmlformats.org/drawingml/2006/diagram" xmlns:a="http://schemas.openxmlformats.org/drawingml/2006/main" uniqueId="urn:microsoft.com/office/officeart/2008/layout/CircularPictureCallout">
+  <dgm:title val=""/>
+  <dgm:desc val=""/>
+  <dgm:catLst>
+    <dgm:cat type="picture" pri="2000"/>
+    <dgm:cat type="pictureconvert" pri="2000"/>
+  </dgm:catLst>
+  <dgm:sampData>
+    <dgm:dataModel>
+      <dgm:ptLst>
+        <dgm:pt modelId="0" type="doc"/>
+        <dgm:pt modelId="1"/>
+        <dgm:pt modelId="2">
+          <dgm:prSet phldr="1"/>
+        </dgm:pt>
+        <dgm:pt modelId="3">
+          <dgm:prSet phldr="1"/>
+        </dgm:pt>
+        <dgm:pt modelId="4">
+          <dgm:prSet phldr="1"/>
+        </dgm:pt>
+      </dgm:ptLst>
+      <dgm:cxnLst>
+        <dgm:cxn modelId="5" srcId="0" destId="1" srcOrd="0" destOrd="0"/>
+        <dgm:cxn modelId="6" srcId="0" destId="2" srcOrd="1" destOrd="0"/>
+        <dgm:cxn modelId="7" srcId="0" destId="3" srcOrd="2" destOrd="0"/>
+        <dgm:cxn modelId="8" srcId="0" destId="4" srcOrd="3" destOrd="0"/>
+      </dgm:cxnLst>
+      <dgm:bg/>
+      <dgm:whole/>
+    </dgm:dataModel>
+  </dgm:sampData>
+  <dgm:styleData>
+    <dgm:dataModel>
+      <dgm:ptLst>
+        <dgm:pt modelId="0" type="doc"/>
+        <dgm:pt modelId="1">
+          <dgm:prSet phldr="1"/>
+        </dgm:pt>
+        <dgm:pt modelId="2">
+          <dgm:prSet phldr="1"/>
+        </dgm:pt>
+        <dgm:pt modelId="3">
+          <dgm:prSet phldr="1"/>
+        </dgm:pt>
+        <dgm:pt modelId="4">
+          <dgm:prSet phldr="1"/>
+        </dgm:pt>
+      </dgm:ptLst>
+      <dgm:cxnLst>
+        <dgm:cxn modelId="5" srcId="0" destId="1" srcOrd="0" destOrd="0"/>
+        <dgm:cxn modelId="6" srcId="0" destId="2" srcOrd="1" destOrd="0"/>
+        <dgm:cxn modelId="7" srcId="0" destId="3" srcOrd="2" destOrd="0"/>
+        <dgm:cxn modelId="8" srcId="0" destId="4" srcOrd="3" destOrd="0"/>
+      </dgm:cxnLst>
+      <dgm:bg/>
+      <dgm:whole/>
+    </dgm:dataModel>
+  </dgm:styleData>
+  <dgm:clrData>
+    <dgm:dataModel>
+      <dgm:ptLst>
+        <dgm:pt modelId="0" type="doc"/>
+        <dgm:pt modelId="1">
+          <dgm:prSet phldr="1"/>
+        </dgm:pt>
+        <dgm:pt modelId="2">
+          <dgm:prSet phldr="1"/>
+        </dgm:pt>
+        <dgm:pt modelId="3">
+          <dgm:prSet phldr="1"/>
+        </dgm:pt>
+        <dgm:pt modelId="4">
+          <dgm:prSet phldr="1"/>
+        </dgm:pt>
+      </dgm:ptLst>
+      <dgm:cxnLst>
+        <dgm:cxn modelId="5" srcId="0" destId="1" srcOrd="0" destOrd="0"/>
+        <dgm:cxn modelId="6" srcId="0" destId="2" srcOrd="1" destOrd="0"/>
+        <dgm:cxn modelId="7" srcId="0" destId="3" srcOrd="2" destOrd="0"/>
+        <dgm:cxn modelId="8" srcId="0" destId="4" srcOrd="3" destOrd="0"/>
+      </dgm:cxnLst>
+      <dgm:bg/>
+      <dgm:whole/>
+    </dgm:dataModel>
+  </dgm:clrData>
+  <dgm:layoutNode name="Name0">
+    <dgm:varLst>
+      <dgm:chMax val="7"/>
+      <dgm:chPref val="7"/>
+      <dgm:dir/>
+    </dgm:varLst>
+    <dgm:alg type="composite"/>
+    <dgm:shape xmlns:r="http://schemas.openxmlformats.org/officeDocument/2006/relationships" r:blip="">
+      <dgm:adjLst/>
+    </dgm:shape>
+    <dgm:constrLst>
+      <dgm:constr type="w" for="ch" refType="h" refFor="ch" op="gte" fact="2"/>
+    </dgm:constrLst>
+    <dgm:layoutNode name="Name1">
+      <dgm:alg type="composite"/>
+      <dgm:shape xmlns:r="http://schemas.openxmlformats.org/officeDocument/2006/relationships" r:blip="">
+        <dgm:adjLst/>
+      </dgm:shape>
+      <dgm:choose name="Name2">
+        <dgm:if name="Name3" axis="ch" ptType="node" func="cnt" op="lte" val="1">
+          <dgm:constrLst>
+            <dgm:constr type="h" for="ch" forName="picture_1" refType="h"/>
+            <dgm:constr type="w" for="ch" forName="picture_1" refType="h" refFor="ch" refForName="picture_1" op="equ"/>
+            <dgm:constr type="l" for="ch" forName="picture_1"/>
+            <dgm:constr type="t" for="ch" forName="picture_1"/>
+            <dgm:constr type="w" for="ch" forName="text_1" refType="w" refFor="ch" refForName="picture_1" fact="0.64"/>
+            <dgm:constr type="h" for="ch" forName="text_1" refType="h" refFor="ch" refForName="picture_1" fact="0.33"/>
+            <dgm:constr type="l" for="ch" forName="text_1" refType="w" refFor="ch" refForName="picture_1" fact="0.18"/>
+            <dgm:constr type="t" for="ch" forName="text_1" refType="h" refFor="ch" refForName="picture_1" fact="0.531"/>
+          </dgm:constrLst>
+        </dgm:if>
+        <dgm:if name="Name4" axis="ch" ptType="node" func="cnt" op="lte" val="2">
+          <dgm:choose name="Name5">
+            <dgm:if name="Name6" func="var" arg="dir" op="equ" val="norm">
+              <dgm:constrLst>
+                <dgm:constr type="h" for="ch" forName="picture_1" refType="h"/>
+                <dgm:constr type="w" for="ch" forName="picture_1" refType="h" refFor="ch" refForName="picture_1" op="equ"/>
+                <dgm:constr type="l" for="ch" forName="picture_1"/>
+                <dgm:constr type="t" for="ch" forName="picture_1"/>
+                <dgm:constr type="w" for="ch" forName="text_1" refType="w" refFor="ch" refForName="picture_1" fact="0.64"/>
+                <dgm:constr type="h" for="ch" forName="text_1" refType="h" refFor="ch" refForName="picture_1" fact="0.33"/>
+                <dgm:constr type="l" for="ch" forName="text_1" refType="l" refFor="ch" refForName="picture_1"/>
+                <dgm:constr type="lOff" for="ch" forName="text_1" refType="w" refFor="ch" refForName="picture_1" fact="0.18"/>
+                <dgm:constr type="t" for="ch" forName="text_1" refType="h" refFor="ch" refForName="picture_1" fact="0.531"/>
+                <dgm:constr type="w" for="ch" forName="picture_2" refType="w" refFor="ch" refForName="picture_1" fact="0.5"/>
+                <dgm:constr type="h" for="ch" forName="picture_2" refType="h" refFor="ch" refForName="picture_1" fact="0.5"/>
+                <dgm:constr type="l" for="ch" forName="picture_2" refType="w" refFor="ch" refForName="picture_1" fact="1.21"/>
+                <dgm:constr type="ctrY" for="ch" forName="picture_2" refType="h" refFor="ch" refForName="picture_1" fact="0.5"/>
+                <dgm:constr type="l" for="ch" forName="line_2" refType="ctrX" refFor="ch" refForName="picture_1"/>
+                <dgm:constr type="h" for="ch" forName="line_2"/>
+                <dgm:constr type="r" for="ch" forName="line_2" refType="ctrX" refFor="ch" refForName="picture_2"/>
+                <dgm:constr type="ctrY" for="ch" forName="line_2" refType="ctrY" refFor="ch" refForName="picture_2"/>
+                <dgm:constr type="r" for="ch" forName="textparent_2" refType="w"/>
+                <dgm:constr type="h" for="ch" forName="textparent_2" refType="h" refFor="ch" refForName="picture_2"/>
+                <dgm:constr type="l" for="ch" forName="textparent_2" refType="r" refFor="ch" refForName="picture_2"/>
+                <dgm:constr type="ctrY" for="ch" forName="textparent_2" refType="ctrY" refFor="ch" refForName="picture_2"/>
+                <dgm:constr type="primFontSz" for="des" forName="text_2" val="65"/>
+              </dgm:constrLst>
+            </dgm:if>
+            <dgm:else name="Name7">
+              <dgm:constrLst>
+                <dgm:constr type="h" for="ch" forName="picture_1" refType="h"/>
+                <dgm:constr type="w" for="ch" forName="picture_1" refType="h" refFor="ch" refForName="picture_1" op="equ"/>
+                <dgm:constr type="r" for="ch" forName="picture_1" refType="w"/>
+                <dgm:constr type="t" for="ch" forName="picture_1"/>
+                <dgm:constr type="w" for="ch" forName="text_1" refType="w" refFor="ch" refForName="picture_1" fact="0.64"/>
+                <dgm:constr type="h" for="ch" forName="text_1" refType="h" refFor="ch" refForName="picture_1" fact="0.33"/>
+                <dgm:constr type="l" for="ch" forName="text_1" refType="l" refFor="ch" refForName="picture_1"/>
+                <dgm:constr type="lOff" for="ch" forName="text_1" refType="w" refFor="ch" refForName="picture_1" fact="0.18"/>
+                <dgm:constr type="t" for="ch" forName="text_1" refType="h" refFor="ch" refForName="picture_1" fact="0.531"/>
+                <dgm:constr type="w" for="ch" forName="picture_2" refType="w" refFor="ch" refForName="picture_1" fact="0.5"/>
+                <dgm:constr type="h" for="ch" forName="picture_2" refType="h" refFor="ch" refForName="picture_1" fact="0.5"/>
+                <dgm:constr type="r" for="ch" forName="picture_2" refType="w"/>
+                <dgm:constr type="rOff" for="ch" forName="picture_2" refType="w" refFor="ch" refForName="picture_1" fact="-1.21"/>
+                <dgm:constr type="ctrY" for="ch" forName="picture_2" refType="h" refFor="ch" refForName="picture_1" fact="0.5"/>
+                <dgm:constr type="r" for="ch" forName="line_2" refType="ctrX" refFor="ch" refForName="picture_1"/>
+                <dgm:constr type="h" for="ch" forName="line_2"/>
+                <dgm:constr type="l" for="ch" forName="line_2" refType="ctrX" refFor="ch" refForName="picture_2"/>
+                <dgm:constr type="ctrY" for="ch" forName="line_2" refType="ctrY" refFor="ch" refForName="picture_2"/>
+                <dgm:constr type="l" for="ch" forName="textparent_2"/>
+                <dgm:constr type="h" for="ch" forName="textparent_2" refType="h" refFor="ch" refForName="picture_2"/>
+                <dgm:constr type="r" for="ch" forName="textparent_2" refType="l" refFor="ch" refForName="picture_2"/>
+                <dgm:constr type="ctrY" for="ch" forName="textparent_2" refType="ctrY" refFor="ch" refForName="picture_2"/>
+                <dgm:constr type="primFontSz" for="des" forName="text_2" val="65"/>
+              </dgm:constrLst>
+            </dgm:else>
+          </dgm:choose>
+        </dgm:if>
+        <dgm:if name="Name8" axis="ch" ptType="node" func="cnt" op="lte" val="3">
+          <dgm:choose name="Name9">
+            <dgm:if name="Name10" func="var" arg="dir" op="equ" val="norm">
+              <dgm:constrLst>
+                <dgm:constr type="h" for="ch" forName="picture_1" refType="h"/>
+                <dgm:constr type="w" for="ch" forName="picture_1" refType="h" refFor="ch" refForName="picture_1" op="equ"/>
+                <dgm:constr type="l" for="ch" forName="picture_1"/>
+                <dgm:constr type="t" for="ch" forName="picture_1"/>
+                <dgm:constr type="w" for="ch" forName="text_1" refType="w" refFor="ch" refForName="picture_1" fact="0.64"/>
+                <dgm:constr type="h" for="ch" forName="text_1" refType="h" refFor="ch" refForName="picture_1" fact="0.33"/>
+                <dgm:constr type="l" for="ch" forName="text_1" refType="l" refFor="ch" refForName="picture_1"/>
+                <dgm:constr type="lOff" for="ch" forName="text_1" refType="w" refFor="ch" refForName="picture_1" fact="0.18"/>
+                <dgm:constr type="t" for="ch" forName="text_1" refType="h" refFor="ch" refForName="picture_1" fact="0.531"/>
+                <dgm:constr type="w" for="ch" forName="picture_2" refType="w" refFor="ch" refForName="picture_1" fact="0.375"/>
+                <dgm:constr type="h" for="ch" forName="picture_2" refType="h" refFor="ch" refForName="picture_1" fact="0.375"/>
+                <dgm:constr type="l" for="ch" forName="picture_2" refType="w" refFor="ch" refForName="picture_1" fact="1.21"/>
+                <dgm:constr type="ctrY" for="ch" forName="picture_2" refType="h" refFor="ch" refForName="picture_1" fact="0.1875"/>
+                <dgm:constr type="l" for="ch" forName="line_2" refType="ctrX" refFor="ch" refForName="picture_1"/>
+                <dgm:constr type="h" for="ch" forName="line_2"/>
+                <dgm:constr type="r" for="ch" forName="line_2" refType="ctrX" refFor="ch" refForName="picture_2"/>
+                <dgm:constr type="ctrY" for="ch" forName="line_2" refType="ctrY" refFor="ch" refForName="picture_2"/>
+                <dgm:constr type="r" for="ch" forName="textparent_2" refType="w"/>
+                <dgm:constr type="h" for="ch" forName="textparent_2" refType="h" refFor="ch" refForName="picture_2"/>
+                <dgm:constr type="l" for="ch" forName="textparent_2" refType="r" refFor="ch" refForName="picture_2"/>
+                <dgm:constr type="ctrY" for="ch" forName="textparent_2" refType="ctrY" refFor="ch" refForName="picture_2"/>
+                <dgm:constr type="primFontSz" for="des" forName="text_2" val="65"/>
+                <dgm:constr type="w" for="ch" forName="picture_3" refType="w" refFor="ch" refForName="picture_1" fact="0.375"/>
+                <dgm:constr type="h" for="ch" forName="picture_3" refType="h" refFor="ch" refForName="picture_1" fact="0.375"/>
+                <dgm:constr type="l" for="ch" forName="picture_3" refType="w" refFor="ch" refForName="picture_1" fact="1.21"/>
+                <dgm:constr type="ctrY" for="ch" forName="picture_3" refType="h" refFor="ch" refForName="picture_1" fact="0.8125"/>
+                <dgm:constr type="l" for="ch" forName="line_3" refType="ctrX" refFor="ch" refForName="picture_1"/>
+                <dgm:constr type="h" for="ch" forName="line_3"/>
+                <dgm:constr type="r" for="ch" forName="line_3" refType="ctrX" refFor="ch" refForName="picture_3"/>
+                <dgm:constr type="ctrY" for="ch" forName="line_3" refType="ctrY" refFor="ch" refForName="picture_3"/>
+                <dgm:constr type="r" for="ch" forName="textparent_3" refType="w"/>
+                <dgm:constr type="h" for="ch" forName="textparent_3" refType="h" refFor="ch" refForName="picture_3"/>
+                <dgm:constr type="l" for="ch" forName="textparent_3" refType="r" refFor="ch" refForName="picture_3"/>
+                <dgm:constr type="ctrY" for="ch" forName="textparent_3" refType="ctrY" refFor="ch" refForName="picture_3"/>
+                <dgm:constr type="primFontSz" for="des" forName="text_3" refType="primFontSz" refFor="des" refForName="text_2" op="equ"/>
+              </dgm:constrLst>
+            </dgm:if>
+            <dgm:else name="Name11">
+              <dgm:constrLst>
+                <dgm:constr type="h" for="ch" forName="picture_1" refType="h"/>
+                <dgm:constr type="w" for="ch" forName="picture_1" refType="h" refFor="ch" refForName="picture_1" op="equ"/>
+                <dgm:constr type="r" for="ch" forName="picture_1" refType="w"/>
+                <dgm:constr type="t" for="ch" forName="picture_1"/>
+                <dgm:constr type="w" for="ch" forName="text_1" refType="w" refFor="ch" refForName="picture_1" fact="0.64"/>
+                <dgm:constr type="h" for="ch" forName="text_1" refType="h" refFor="ch" refForName="picture_1" fact="0.33"/>
+                <dgm:constr type="l" for="ch" forName="text_1" refType="l" refFor="ch" refForName="picture_1"/>
+                <dgm:constr type="lOff" for="ch" forName="text_1" refType="w" refFor="ch" refForName="picture_1" fact="0.18"/>
+                <dgm:constr type="t" for="ch" forName="text_1" refType="h" refFor="ch" refForName="picture_1" fact="0.531"/>
+                <dgm:constr type="w" for="ch" forName="picture_2" refType="w" refFor="ch" refForName="picture_1" fact="0.375"/>
+                <dgm:constr type="h" for="ch" forName="picture_2" refType="h" refFor="ch" refForName="picture_1" fact="0.375"/>
+                <dgm:constr type="r" for="ch" forName="picture_2" refType="w"/>
+                <dgm:constr type="rOff" for="ch" forName="picture_2" refType="w" refFor="ch" refForName="picture_1" fact="-1.21"/>
+                <dgm:constr type="ctrY" for="ch" forName="picture_2" refType="h" refFor="ch" refForName="picture_1" fact="0.1875"/>
+                <dgm:constr type="r" for="ch" forName="line_2" refType="ctrX" refFor="ch" refForName="picture_1"/>
+                <dgm:constr type="h" for="ch" forName="line_2"/>
+                <dgm:constr type="l" for="ch" forName="line_2" refType="ctrX" refFor="ch" refForName="picture_2"/>
+                <dgm:constr type="ctrY" for="ch" forName="line_2" refType="ctrY" refFor="ch" refForName="picture_2"/>
+                <dgm:constr type="l" for="ch" forName="textparent_2"/>
+                <dgm:constr type="h" for="ch" forName="textparent_2" refType="h" refFor="ch" refForName="picture_2"/>
+                <dgm:constr type="r" for="ch" forName="textparent_2" refType="l" refFor="ch" refForName="picture_2"/>
+                <dgm:constr type="ctrY" for="ch" forName="textparent_2" refType="ctrY" refFor="ch" refForName="picture_2"/>
+                <dgm:constr type="primFontSz" for="des" forName="text_2" val="65"/>
+                <dgm:constr type="w" for="ch" forName="picture_3" refType="w" refFor="ch" refForName="picture_1" fact="0.375"/>
+                <dgm:constr type="h" for="ch" forName="picture_3" refType="h" refFor="ch" refForName="picture_1" fact="0.375"/>
+                <dgm:constr type="r" for="ch" forName="picture_3" refType="w"/>
+                <dgm:constr type="rOff" for="ch" forName="picture_3" refType="w" refFor="ch" refForName="picture_1" fact="-1.21"/>
+                <dgm:constr type="ctrY" for="ch" forName="picture_3" refType="h" refFor="ch" refForName="picture_1" fact="0.8125"/>
+                <dgm:constr type="r" for="ch" forName="line_3" refType="ctrX" refFor="ch" refForName="picture_1"/>
+                <dgm:constr type="h" for="ch" forName="line_3"/>
+                <dgm:constr type="l" for="ch" forName="line_3" refType="ctrX" refFor="ch" refForName="picture_3"/>
+                <dgm:constr type="ctrY" for="ch" forName="line_3" refType="ctrY" refFor="ch" refForName="picture_3"/>
+                <dgm:constr type="l" for="ch" forName="textparent_3"/>
+                <dgm:constr type="h" for="ch" forName="textparent_3" refType="h" refFor="ch" refForName="picture_3"/>
+                <dgm:constr type="r" for="ch" forName="textparent_3" refType="l" refFor="ch" refForName="picture_3"/>
+                <dgm:constr type="ctrY" for="ch" forName="textparent_3" refType="ctrY" refFor="ch" refForName="picture_3"/>
+                <dgm:constr type="primFontSz" for="des" forName="text_3" refType="primFontSz" refFor="des" refForName="text_2" op="equ"/>
+              </dgm:constrLst>
+            </dgm:else>
+          </dgm:choose>
+        </dgm:if>
+        <dgm:if name="Name12" axis="ch" ptType="node" func="cnt" op="lte" val="4">
+          <dgm:choose name="Name13">
+            <dgm:if name="Name14" func="var" arg="dir" op="equ" val="norm">
+              <dgm:constrLst>
+                <dgm:constr type="h" for="ch" forName="picture_1" refType="h"/>
+                <dgm:constr type="w" for="ch" forName="picture_1" refType="h" refFor="ch" refForName="picture_1" op="equ"/>
+                <dgm:constr type="l" for="ch" forName="picture_1"/>
+                <dgm:constr type="t" for="ch" forName="picture_1"/>
+                <dgm:constr type="w" for="ch" forName="text_1" refType="w" refFor="ch" refForName="picture_1" fact="0.64"/>
+                <dgm:constr type="h" for="ch" forName="text_1" refType="h" refFor="ch" refForName="picture_1" fact="0.33"/>
+                <dgm:constr type="l" for="ch" forName="text_1" refType="l" refFor="ch" refForName="picture_1"/>
+                <dgm:constr type="lOff" for="ch" forName="text_1" refType="w" refFor="ch" refForName="picture_1" fact="0.18"/>
+                <dgm:constr type="t" for="ch" forName="text_1" refType="h" refFor="ch" refForName="picture_1" fact="0.531"/>
+                <dgm:constr type="w" for="ch" forName="picture_2" refType="w" refFor="ch" refForName="picture_1" fact="0.3"/>
+                <dgm:constr type="h" for="ch" forName="picture_2" refType="h" refFor="ch" refForName="picture_1" fact="0.3"/>
+                <dgm:constr type="l" for="ch" forName="picture_2" refType="w" refFor="ch" refForName="picture_1" fact="1.354"/>
+                <dgm:constr type="ctrY" for="ch" forName="picture_2" refType="h" refFor="ch" refForName="picture_1" fact="0.15"/>
+                <dgm:constr type="l" for="ch" forName="line_2" refType="ctrX" refFor="ch" refForName="picture_1"/>
+                <dgm:constr type="h" for="ch" forName="line_2"/>
+                <dgm:constr type="r" for="ch" forName="line_2" refType="ctrX" refFor="ch" refForName="picture_2"/>
+                <dgm:constr type="ctrY" for="ch" forName="line_2" refType="ctrY" refFor="ch" refForName="picture_2"/>
+                <dgm:constr type="r" for="ch" forName="textparent_2" refType="w"/>
+                <dgm:constr type="h" for="ch" forName="textparent_2" refType="h" refFor="ch" refForName="picture_2"/>
+                <dgm:constr type="l" for="ch" forName="textparent_2" refType="r" refFor="ch" refForName="picture_2"/>
+                <dgm:constr type="ctrY" for="ch" forName="textparent_2" refType="ctrY" refFor="ch" refForName="picture_2"/>
+                <dgm:constr type="primFontSz" for="des" forName="text_2" val="65"/>
+                <dgm:constr type="w" for="ch" forName="picture_3" refType="w" refFor="ch" refForName="picture_1" fact="0.3"/>
+                <dgm:constr type="h" for="ch" forName="picture_3" refType="h" refFor="ch" refForName="picture_1" fact="0.3"/>
+                <dgm:constr type="l" for="ch" forName="picture_3" refType="w" refFor="ch" refForName="picture_1" fact="1.21"/>
+                <dgm:constr type="ctrY" for="ch" forName="picture_3" refType="h" refFor="ch" refForName="picture_1" fact="0.5"/>
+                <dgm:constr type="l" for="ch" forName="line_3" refType="ctrX" refFor="ch" refForName="picture_1"/>
+                <dgm:constr type="h" for="ch" forName="line_3"/>
+                <dgm:constr type="r" for="ch" forName="line_3" refType="ctrX" refFor="ch" refForName="picture_3"/>
+                <dgm:constr type="ctrY" for="ch" forName="line_3" refType="ctrY" refFor="ch" refForName="picture_3"/>
+                <dgm:constr type="r" for="ch" forName="textparent_3" refType="w"/>
+                <dgm:constr type="h" for="ch" forName="textparent_3" refType="h" refFor="ch" refForName="picture_3"/>
+                <dgm:constr type="l" for="ch" forName="textparent_3" refType="r" refFor="ch" refForName="picture_3"/>
+                <dgm:constr type="ctrY" for="ch" forName="textparent_3" refType="ctrY" refFor="ch" refForName="picture_3"/>
+                <dgm:constr type="primFontSz" for="des" forName="text_3" refType="primFontSz" refFor="des" refForName="text_2" op="equ"/>
+                <dgm:constr type="w" for="ch" forName="picture_4" refType="w" refFor="ch" refForName="picture_1" fact="0.3"/>
+                <dgm:constr type="h" for="ch" forName="picture_4" refType="h" refFor="ch" refForName="picture_1" fact="0.3"/>
+                <dgm:constr type="l" for="ch" forName="picture_4" refType="w" refFor="ch" refForName="picture_1" fact="1.354"/>
+                <dgm:constr type="ctrY" for="ch" forName="picture_4" refType="h" refFor="ch" refForName="picture_1" fact="0.85"/>
+                <dgm:constr type="l" for="ch" forName="line_4" refType="ctrX" refFor="ch" refForName="picture_1"/>
+                <dgm:constr type="h" for="ch" forName="line_4"/>
+                <dgm:constr type="r" for="ch" forName="line_4" refType="ctrX" refFor="ch" refForName="picture_4"/>
+                <dgm:constr type="ctrY" for="ch" forName="line_4" refType="ctrY" refFor="ch" refForName="picture_4"/>
+                <dgm:constr type="r" for="ch" forName="textparent_4" refType="w"/>
+                <dgm:constr type="h" for="ch" forName="textparent_4" refType="h" refFor="ch" refForName="picture_4"/>
+                <dgm:constr type="l" for="ch" forName="textparent_4" refType="r" refFor="ch" refForName="picture_4"/>
+                <dgm:constr type="ctrY" for="ch" forName="textparent_4" refType="ctrY" refFor="ch" refForName="picture_4"/>
+                <dgm:constr type="primFontSz" for="des" forName="text_4" refType="primFontSz" refFor="des" refForName="text_2" op="equ"/>
+              </dgm:constrLst>
+            </dgm:if>
+            <dgm:else name="Name15">
+              <dgm:constrLst>
+                <dgm:constr type="h" for="ch" forName="picture_1" refType="h"/>
+                <dgm:constr type="w" for="ch" forName="picture_1" refType="h" refFor="ch" refForName="picture_1" op="equ"/>
+                <dgm:constr type="r" for="ch" forName="picture_1" refType="w"/>
+                <dgm:constr type="t" for="ch" forName="picture_1"/>
+                <dgm:constr type="w" for="ch" forName="text_1" refType="w" refFor="ch" refForName="picture_1" fact="0.64"/>
+                <dgm:constr type="h" for="ch" forName="text_1" refType="h" refFor="ch" refForName="picture_1" fact="0.33"/>
+                <dgm:constr type="l" for="ch" forName="text_1" refType="l" refFor="ch" refForName="picture_1"/>
+                <dgm:constr type="lOff" for="ch" forName="text_1" refType="w" refFor="ch" refForName="picture_1" fact="0.18"/>
+                <dgm:constr type="t" for="ch" forName="text_1" refType="h" refFor="ch" refForName="picture_1" fact="0.531"/>
+                <dgm:constr type="w" for="ch" forName="picture_2" refType="w" refFor="ch" refForName="picture_1" fact="0.3"/>
+                <dgm:constr type="h" for="ch" forName="picture_2" refType="h" refFor="ch" refForName="picture_1" fact="0.3"/>
+                <dgm:constr type="r" for="ch" forName="picture_2" refType="w"/>
+                <dgm:constr type="rOff" for="ch" forName="picture_2" refType="w" refFor="ch" refForName="picture_1" fact="-1.354"/>
+                <dgm:constr type="ctrY" for="ch" forName="picture_2" refType="h" refFor="ch" refForName="picture_1" fact="0.15"/>
+                <dgm:constr type="r" for="ch" forName="line_2" refType="ctrX" refFor="ch" refForName="picture_1"/>
+                <dgm:constr type="h" for="ch" forName="line_2"/>
+                <dgm:constr type="l" for="ch" forName="line_2" refType="ctrX" refFor="ch" refForName="picture_2"/>
+                <dgm:constr type="ctrY" for="ch" forName="line_2" refType="ctrY" refFor="ch" refForName="picture_2"/>
+                <dgm:constr type="l" for="ch" forName="textparent_2"/>
+                <dgm:constr type="h" for="ch" forName="textparent_2" refType="h" refFor="ch" refForName="picture_2"/>
+                <dgm:constr type="r" for="ch" forName="textparent_2" refType="l" refFor="ch" refForName="picture_2"/>
+                <dgm:constr type="ctrY" for="ch" forName="textparent_2" refType="ctrY" refFor="ch" refForName="picture_2"/>
+                <dgm:constr type="primFontSz" for="des" forName="text_2" val="65"/>
+                <dgm:constr type="w" for="ch" forName="picture_3" refType="w" refFor="ch" refForName="picture_1" fact="0.3"/>
+                <dgm:constr type="h" for="ch" forName="picture_3" refType="h" refFor="ch" refForName="picture_1" fact="0.3"/>
+                <dgm:constr type="r" for="ch" forName="picture_3" refType="w"/>
+                <dgm:constr type="rOff" for="ch" forName="picture_3" refType="w" refFor="ch" refForName="picture_1" fact="-1.21"/>
+                <dgm:constr type="ctrY" for="ch" forName="picture_3" refType="h" refFor="ch" refForName="picture_1" fact="0.5"/>
+                <dgm:constr type="r" for="ch" forName="line_3" refType="ctrX" refFor="ch" refForName="picture_1"/>
+                <dgm:constr type="h" for="ch" forName="line_3"/>
+                <dgm:constr type="l" for="ch" forName="line_3" refType="ctrX" refFor="ch" refForName="picture_3"/>
+                <dgm:constr type="ctrY" for="ch" forName="line_3" refType="ctrY" refFor="ch" refForName="picture_3"/>
+                <dgm:constr type="l" for="ch" forName="textparent_3"/>
+                <dgm:constr type="h" for="ch" forName="textparent_3" refType="h" refFor="ch" refForName="picture_3"/>
+                <dgm:constr type="r" for="ch" forName="textparent_3" refType="l" refFor="ch" refForName="picture_3"/>
+                <dgm:constr type="ctrY" for="ch" forName="textparent_3" refType="ctrY" refFor="ch" refForName="picture_3"/>
+                <dgm:constr type="primFontSz" for="des" forName="text_3" refType="primFontSz" refFor="des" refForName="text_2" op="equ"/>
+                <dgm:constr type="w" for="ch" forName="picture_4" refType="w" refFor="ch" refForName="picture_1" fact="0.3"/>
+                <dgm:constr type="h" for="ch" forName="picture_4" refType="h" refFor="ch" refForName="picture_1" fact="0.3"/>
+                <dgm:constr type="r" for="ch" forName="picture_4" refType="w"/>
+                <dgm:constr type="rOff" for="ch" forName="picture_4" refType="w" refFor="ch" refForName="picture_1" fact="-1.354"/>
+                <dgm:constr type="ctrY" for="ch" forName="picture_4" refType="h" refFor="ch" refForName="picture_1" fact="0.85"/>
+                <dgm:constr type="r" for="ch" forName="line_4" refType="ctrX" refFor="ch" refForName="picture_1"/>
+                <dgm:constr type="h" for="ch" forName="line_4"/>
+                <dgm:constr type="l" for="ch" forName="line_4" refType="ctrX" refFor="ch" refForName="picture_4"/>
+                <dgm:constr type="ctrY" for="ch" forName="line_4" refType="ctrY" refFor="ch" refForName="picture_4"/>
+                <dgm:constr type="l" for="ch" forName="textparent_4"/>
+                <dgm:constr type="h" for="ch" forName="textparent_4" refType="h" refFor="ch" refForName="picture_4"/>
+                <dgm:constr type="r" for="ch" forName="textparent_4" refType="l" refFor="ch" refForName="picture_4"/>
+                <dgm:constr type="ctrY" for="ch" forName="textparent_4" refType="ctrY" refFor="ch" refForName="picture_4"/>
+                <dgm:constr type="primFontSz" for="des" forName="text_4" refType="primFontSz" refFor="des" refForName="text_2" op="equ"/>
+              </dgm:constrLst>
+            </dgm:else>
+          </dgm:choose>
+        </dgm:if>
+        <dgm:if name="Name16" axis="ch" ptType="node" func="cnt" op="lte" val="5">
+          <dgm:choose name="Name17">
+            <dgm:if name="Name18" func="var" arg="dir" op="equ" val="norm">
+              <dgm:constrLst>
+                <dgm:constr type="h" for="ch" forName="picture_1" refType="h"/>
+                <dgm:constr type="w" for="ch" forName="picture_1" refType="h" refFor="ch" refForName="picture_1" op="equ"/>
+                <dgm:constr type="l" for="ch" forName="picture_1"/>
+                <dgm:constr type="t" for="ch" forName="picture_1"/>
+                <dgm:constr type="w" for="ch" forName="text_1" refType="w" refFor="ch" refForName="picture_1" fact="0.64"/>
+                <dgm:constr type="h" for="ch" forName="text_1" refType="h" refFor="ch" refForName="picture_1" fact="0.33"/>
+                <dgm:constr type="l" for="ch" forName="text_1" refType="l" refFor="ch" refForName="picture_1"/>
+                <dgm:constr type="lOff" for="ch" forName="text_1" refType="w" refFor="ch" refForName="picture_1" fact="0.18"/>
+                <dgm:constr type="t" for="ch" forName="text_1" refType="h" refFor="ch" refForName="picture_1" fact="0.531"/>
+                <dgm:constr type="w" for="ch" forName="picture_2" refType="w" refFor="ch" refForName="picture_1" fact="0.22"/>
+                <dgm:constr type="h" for="ch" forName="picture_2" refType="h" refFor="ch" refForName="picture_1" fact="0.22"/>
+                <dgm:constr type="l" for="ch" forName="picture_2" refType="w" refFor="ch" refForName="picture_1" fact="1.375"/>
+                <dgm:constr type="ctrY" for="ch" forName="picture_2" refType="h" refFor="ch" refForName="picture_1" fact="0.11"/>
+                <dgm:constr type="l" for="ch" forName="line_2" refType="ctrX" refFor="ch" refForName="picture_1"/>
+                <dgm:constr type="h" for="ch" forName="line_2"/>
+                <dgm:constr type="r" for="ch" forName="line_2" refType="ctrX" refFor="ch" refForName="picture_2"/>
+                <dgm:constr type="ctrY" for="ch" forName="line_2" refType="ctrY" refFor="ch" refForName="picture_2"/>
+                <dgm:constr type="r" for="ch" forName="textparent_2" refType="w"/>
+                <dgm:constr type="h" for="ch" forName="textparent_2" refType="h" refFor="ch" refForName="picture_2"/>
+                <dgm:constr type="l" for="ch" forName="textparent_2" refType="r" refFor="ch" refForName="picture_2"/>
+                <dgm:constr type="ctrY" for="ch" forName="textparent_2" refType="ctrY" refFor="ch" refForName="picture_2"/>
+                <dgm:constr type="primFontSz" for="des" forName="text_2" val="65"/>
+                <dgm:constr type="w" for="ch" forName="picture_3" refType="w" refFor="ch" refForName="picture_1" fact="0.22"/>
+                <dgm:constr type="h" for="ch" forName="picture_3" refType="h" refFor="ch" refForName="picture_1" fact="0.22"/>
+                <dgm:constr type="l" for="ch" forName="picture_3" refType="w" refFor="ch" refForName="picture_1" fact="1.21"/>
+                <dgm:constr type="ctrY" for="ch" forName="picture_3" refType="h" refFor="ch" refForName="picture_1" fact="0.353"/>
+                <dgm:constr type="l" for="ch" forName="line_3" refType="ctrX" refFor="ch" refForName="picture_1"/>
+                <dgm:constr type="h" for="ch" forName="line_3"/>
+                <dgm:constr type="r" for="ch" forName="line_3" refType="ctrX" refFor="ch" refForName="picture_3"/>
+                <dgm:constr type="ctrY" for="ch" forName="line_3" refType="ctrY" refFor="ch" refForName="picture_3"/>
+                <dgm:constr type="r" for="ch" forName="textparent_3" refType="w"/>
+                <dgm:constr type="h" for="ch" forName="textparent_3" refType="h" refFor="ch" refForName="picture_3"/>
+                <dgm:constr type="l" for="ch" forName="textparent_3" refType="r" refFor="ch" refForName="picture_3"/>
+                <dgm:constr type="ctrY" for="ch" forName="textparent_3" refType="ctrY" refFor="ch" refForName="picture_3"/>
+                <dgm:constr type="primFontSz" for="des" forName="text_3" refType="primFontSz" refFor="des" refForName="text_2" op="equ"/>
+                <dgm:constr type="w" for="ch" forName="picture_4" refType="w" refFor="ch" refForName="picture_1" fact="0.22"/>
+                <dgm:constr type="h" for="ch" forName="picture_4" refType="h" refFor="ch" refForName="picture_1" fact="0.22"/>
+                <dgm:constr type="l" for="ch" forName="picture_4" refType="w" refFor="ch" refForName="picture_1" fact="1.21"/>
+                <dgm:constr type="ctrY" for="ch" forName="picture_4" refType="h" refFor="ch" refForName="picture_1" fact="0.647"/>
+                <dgm:constr type="l" for="ch" forName="line_4" refType="ctrX" refFor="ch" refForName="picture_1"/>
+                <dgm:constr type="h" for="ch" forName="line_4"/>
+                <dgm:constr type="r" for="ch" forName="line_4" refType="ctrX" refFor="ch" refForName="picture_4"/>
+                <dgm:constr type="ctrY" for="ch" forName="line_4" refType="ctrY" refFor="ch" refForName="picture_4"/>
+                <dgm:constr type="r" for="ch" forName="textparent_4" refType="w"/>
+                <dgm:constr type="h" for="ch" forName="textparent_4" refType="h" refFor="ch" refForName="picture_4"/>
+                <dgm:constr type="l" for="ch" forName="textparent_4" refType="r" refFor="ch" refForName="picture_4"/>
+                <dgm:constr type="ctrY" for="ch" forName="textparent_4" refType="ctrY" refFor="ch" refForName="picture_4"/>
+                <dgm:constr type="primFontSz" for="des" forName="text_4" refType="primFontSz" refFor="des" refForName="text_2" op="equ"/>
+                <dgm:constr type="w" for="ch" forName="picture_5" refType="w" refFor="ch" refForName="picture_1" fact="0.22"/>
+                <dgm:constr type="h" for="ch" forName="picture_5" refType="h" refFor="ch" refForName="picture_1" fact="0.22"/>
+                <dgm:constr type="l" for="ch" forName="picture_5" refType="w" refFor="ch" refForName="picture_1" fact="1.375"/>
+                <dgm:constr type="ctrY" for="ch" forName="picture_5" refType="h" refFor="ch" refForName="picture_1" fact="0.89"/>
+                <dgm:constr type="l" for="ch" forName="line_5" refType="ctrX" refFor="ch" refForName="picture_1"/>
+                <dgm:constr type="h" for="ch" forName="line_5"/>
+                <dgm:constr type="r" for="ch" forName="line_5" refType="ctrX" refFor="ch" refForName="picture_5"/>
+                <dgm:constr type="ctrY" for="ch" forName="line_5" refType="ctrY" refFor="ch" refForName="picture_5"/>
+                <dgm:constr type="r" for="ch" forName="textparent_5" refType="w"/>
+                <dgm:constr type="h" for="ch" forName="textparent_5" refType="h" refFor="ch" refForName="picture_5"/>
+                <dgm:constr type="l" for="ch" forName="textparent_5" refType="r" refFor="ch" refForName="picture_5"/>
+                <dgm:constr type="ctrY" for="ch" forName="textparent_5" refType="ctrY" refFor="ch" refForName="picture_5"/>
+                <dgm:constr type="primFontSz" for="des" forName="text_5" refType="primFontSz" refFor="des" refForName="text_2" op="equ"/>
+              </dgm:constrLst>
+            </dgm:if>
+            <dgm:else name="Name19">
+              <dgm:constrLst>
+                <dgm:constr type="h" for="ch" forName="picture_1" refType="h"/>
+                <dgm:constr type="w" for="ch" forName="picture_1" refType="h" refFor="ch" refForName="picture_1" op="equ"/>
+                <dgm:constr type="r" for="ch" forName="picture_1" refType="w"/>
+                <dgm:constr type="t" for="ch" forName="picture_1"/>
+                <dgm:constr type="w" for="ch" forName="text_1" refType="w" refFor="ch" refForName="picture_1" fact="0.64"/>
+                <dgm:constr type="h" for="ch" forName="text_1" refType="h" refFor="ch" refForName="picture_1" fact="0.33"/>
+                <dgm:constr type="l" for="ch" forName="text_1" refType="l" refFor="ch" refForName="picture_1"/>
+                <dgm:constr type="lOff" for="ch" forName="text_1" refType="w" refFor="ch" refForName="picture_1" fact="0.18"/>
+                <dgm:constr type="t" for="ch" forName="text_1" refType="h" refFor="ch" refForName="picture_1" fact="0.531"/>
+                <dgm:constr type="w" for="ch" forName="picture_2" refType="w" refFor="ch" refForName="picture_1" fact="0.22"/>
+                <dgm:constr type="h" for="ch" forName="picture_2" refType="h" refFor="ch" refForName="picture_1" fact="0.22"/>
+                <dgm:constr type="r" for="ch" forName="picture_2" refType="w"/>
+                <dgm:constr type="rOff" for="ch" forName="picture_2" refType="w" refFor="ch" refForName="picture_1" fact="-1.375"/>
+                <dgm:constr type="ctrY" for="ch" forName="picture_2" refType="h" refFor="ch" refForName="picture_1" fact="0.11"/>
+                <dgm:constr type="r" for="ch" forName="line_2" refType="ctrX" refFor="ch" refForName="picture_1"/>
+                <dgm:constr type="h" for="ch" forName="line_2"/>
+                <dgm:constr type="l" for="ch" forName="line_2" refType="ctrX" refFor="ch" refForName="picture_2"/>
+                <dgm:constr type="ctrY" for="ch" forName="line_2" refType="ctrY" refFor="ch" refForName="picture_2"/>
+                <dgm:constr type="l" for="ch" forName="textparent_2"/>
+                <dgm:constr type="h" for="ch" forName="textparent_2" refType="h" refFor="ch" refForName="picture_2"/>
+                <dgm:constr type="r" for="ch" forName="textparent_2" refType="l" refFor="ch" refForName="picture_2"/>
+                <dgm:constr type="ctrY" for="ch" forName="textparent_2" refType="ctrY" refFor="ch" refForName="picture_2"/>
+                <dgm:constr type="primFontSz" for="des" forName="text_2" val="65"/>
+                <dgm:constr type="w" for="ch" forName="picture_3" refType="w" refFor="ch" refForName="picture_1" fact="0.22"/>
+                <dgm:constr type="h" for="ch" forName="picture_3" refType="h" refFor="ch" refForName="picture_1" fact="0.22"/>
+                <dgm:constr type="r" for="ch" forName="picture_3" refType="w"/>
+                <dgm:constr type="rOff" for="ch" forName="picture_3" refType="w" refFor="ch" refForName="picture_1" fact="-1.21"/>
+                <dgm:constr type="ctrY" for="ch" forName="picture_3" refType="h" refFor="ch" refForName="picture_1" fact="0.353"/>
+                <dgm:constr type="r" for="ch" forName="line_3" refType="ctrX" refFor="ch" refForName="picture_1"/>
+                <dgm:constr type="h" for="ch" forName="line_3"/>
+                <dgm:constr type="l" for="ch" forName="line_3" refType="ctrX" refFor="ch" refForName="picture_3"/>
+                <dgm:constr type="ctrY" for="ch" forName="line_3" refType="ctrY" refFor="ch" refForName="picture_3"/>
+                <dgm:constr type="l" for="ch" forName="textparent_3"/>
+                <dgm:constr type="h" for="ch" forName="textparent_3" refType="h" refFor="ch" refForName="picture_3"/>
+                <dgm:constr type="r" for="ch" forName="textparent_3" refType="l" refFor="ch" refForName="picture_3"/>
+                <dgm:constr type="ctrY" for="ch" forName="textparent_3" refType="ctrY" refFor="ch" refForName="picture_3"/>
+                <dgm:constr type="primFontSz" for="des" forName="text_3" refType="primFontSz" refFor="des" refForName="text_2" op="equ"/>
+                <dgm:constr type="w" for="ch" forName="picture_4" refType="w" refFor="ch" refForName="picture_1" fact="0.22"/>
+                <dgm:constr type="h" for="ch" forName="picture_4" refType="h" refFor="ch" refForName="picture_1" fact="0.22"/>
+                <dgm:constr type="r" for="ch" forName="picture_4" refType="w"/>
+                <dgm:constr type="rOff" for="ch" forName="picture_4" refType="w" refFor="ch" refForName="picture_1" fact="-1.21"/>
+                <dgm:constr type="ctrY" for="ch" forName="picture_4" refType="h" refFor="ch" refForName="picture_1" fact="0.647"/>
+                <dgm:constr type="r" for="ch" forName="line_4" refType="ctrX" refFor="ch" refForName="picture_1"/>
+                <dgm:constr type="h" for="ch" forName="line_4"/>
+                <dgm:constr type="l" for="ch" forName="line_4" refType="ctrX" refFor="ch" refForName="picture_4"/>
+                <dgm:constr type="ctrY" for="ch" forName="line_4" refType="ctrY" refFor="ch" refForName="picture_4"/>
+                <dgm:constr type="l" for="ch" forName="textparent_4"/>
+                <dgm:constr type="h" for="ch" forName="textparent_4" refType="h" refFor="ch" refForName="picture_4"/>
+                <dgm:constr type="r" for="ch" forName="textparent_4" refType="l" refFor="ch" refForName="picture_4"/>
+                <dgm:constr type="ctrY" for="ch" forName="textparent_4" refType="ctrY" refFor="ch" refForName="picture_4"/>
+                <dgm:constr type="primFontSz" for="des" forName="text_4" refType="primFontSz" refFor="des" refForName="text_2" op="equ"/>
+                <dgm:constr type="w" for="ch" forName="picture_5" refType="w" refFor="ch" refForName="picture_1" fact="0.22"/>
+                <dgm:constr type="h" for="ch" forName="picture_5" refType="h" refFor="ch" refForName="picture_1" fact="0.22"/>
+                <dgm:constr type="r" for="ch" forName="picture_5" refType="w"/>
+                <dgm:constr type="rOff" for="ch" forName="picture_5" refType="w" refFor="ch" refForName="picture_1" fact="-1.375"/>
+                <dgm:constr type="ctrY" for="ch" forName="picture_5" refType="h" refFor="ch" refForName="picture_1" fact="0.89"/>
+                <dgm:constr type="r" for="ch" forName="line_5" refType="ctrX" refFor="ch" refForName="picture_1"/>
+                <dgm:constr type="h" for="ch" forName="line_5"/>
+                <dgm:constr type="l" for="ch" forName="line_5" refType="ctrX" refFor="ch" refForName="picture_5"/>
+                <dgm:constr type="ctrY" for="ch" forName="line_5" refType="ctrY" refFor="ch" refForName="picture_5"/>
+                <dgm:constr type="l" for="ch" forName="textparent_5"/>
+                <dgm:constr type="h" for="ch" forName="textparent_5" refType="h" refFor="ch" refForName="picture_5"/>
+                <dgm:constr type="r" for="ch" forName="textparent_5" refType="l" refFor="ch" refForName="picture_5"/>
+                <dgm:constr type="ctrY" for="ch" forName="textparent_5" refType="ctrY" refFor="ch" refForName="picture_5"/>
+                <dgm:constr type="primFontSz" for="des" forName="text_5" refType="primFontSz" refFor="des" refForName="text_2" op="equ"/>
+              </dgm:constrLst>
+            </dgm:else>
+          </dgm:choose>
+        </dgm:if>
+        <dgm:if name="Name20" axis="ch" ptType="node" func="cnt" op="lte" val="6">
+          <dgm:choose name="Name21">
+            <dgm:if name="Name22" func="var" arg="dir" op="equ" val="norm">
+              <dgm:constrLst>
+                <dgm:constr type="h" for="ch" forName="picture_1" refType="h"/>
+                <dgm:constr type="w" for="ch" forName="picture_1" refType="h" refFor="ch" refForName="picture_1" op="equ"/>
+                <dgm:constr type="l" for="ch" forName="picture_1"/>
+                <dgm:constr type="t" for="ch" forName="picture_1"/>
+                <dgm:constr type="w" for="ch" forName="text_1" refType="w" refFor="ch" refForName="picture_1" fact="0.64"/>
+                <dgm:constr type="h" for="ch" forName="text_1" refType="h" refFor="ch" refForName="picture_1" fact="0.33"/>
+                <dgm:constr type="l" for="ch" forName="text_1" refType="l" refFor="ch" refForName="picture_1"/>
+                <dgm:constr type="lOff" for="ch" forName="text_1" refType="w" refFor="ch" refForName="picture_1" fact="0.18"/>
+                <dgm:constr type="t" for="ch" forName="text_1" refType="h" refFor="ch" refForName="picture_1" fact="0.531"/>
+                <dgm:constr type="w" for="ch" forName="picture_2" refType="w" refFor="ch" refForName="picture_1" fact="0.18"/>
+                <dgm:constr type="h" for="ch" forName="picture_2" refType="h" refFor="ch" refForName="picture_1" fact="0.18"/>
+                <dgm:constr type="l" for="ch" forName="picture_2" refType="w" refFor="ch" refForName="picture_1" fact="1.4238"/>
+                <dgm:constr type="ctrY" for="ch" forName="picture_2" refType="h" refFor="ch" refForName="picture_1" fact="0.09"/>
+                <dgm:constr type="l" for="ch" forName="line_2" refType="ctrX" refFor="ch" refForName="picture_1"/>
+                <dgm:constr type="h" for="ch" forName="line_2"/>
+                <dgm:constr type="r" for="ch" forName="line_2" refType="ctrX" refFor="ch" refForName="picture_2"/>
+                <dgm:constr type="ctrY" for="ch" forName="line_2" refType="ctrY" refFor="ch" refForName="picture_2"/>
+                <dgm:constr type="r" for="ch" forName="textparent_2" refType="w"/>
+                <dgm:constr type="h" for="ch" forName="textparent_2" refType="h" refFor="ch" refForName="picture_2"/>
+                <dgm:constr type="l" for="ch" forName="textparent_2" refType="r" refFor="ch" refForName="picture_2"/>
+                <dgm:constr type="ctrY" for="ch" forName="textparent_2" refType="ctrY" refFor="ch" refForName="picture_2"/>
+                <dgm:constr type="primFontSz" for="des" forName="text_2" val="65"/>
+                <dgm:constr type="w" for="ch" forName="picture_3" refType="w" refFor="ch" refForName="picture_1" fact="0.18"/>
+                <dgm:constr type="h" for="ch" forName="picture_3" refType="h" refFor="ch" refForName="picture_1" fact="0.18"/>
+                <dgm:constr type="l" for="ch" forName="picture_3" refType="w" refFor="ch" refForName="picture_1" fact="1.2667"/>
+                <dgm:constr type="ctrY" for="ch" forName="picture_3" refType="h" refFor="ch" refForName="picture_1" fact="0.261"/>
+                <dgm:constr type="l" for="ch" forName="line_3" refType="ctrX" refFor="ch" refForName="picture_1"/>
+                <dgm:constr type="h" for="ch" forName="line_3"/>
+                <dgm:constr type="r" for="ch" forName="line_3" refType="ctrX" refFor="ch" refForName="picture_3"/>
+                <dgm:constr type="ctrY" for="ch" forName="line_3" refType="ctrY" refFor="ch" refForName="picture_3"/>
+                <dgm:constr type="r" for="ch" forName="textparent_3" refType="w"/>
+                <dgm:constr type="h" for="ch" forName="textparent_3" refType="h" refFor="ch" refForName="picture_3"/>
+                <dgm:constr type="l" for="ch" forName="textparent_3" refType="r" refFor="ch" refForName="picture_3"/>
+                <dgm:constr type="ctrY" for="ch" forName="textparent_3" refType="ctrY" refFor="ch" refForName="picture_3"/>
+                <dgm:constr type="primFontSz" for="des" forName="text_3" refType="primFontSz" refFor="des" refForName="text_2" op="equ"/>
+                <dgm:constr type="w" for="ch" forName="picture_4" refType="w" refFor="ch" refForName="picture_1" fact="0.18"/>
+                <dgm:constr type="h" for="ch" forName="picture_4" refType="h" refFor="ch" refForName="picture_1" fact="0.18"/>
+                <dgm:constr type="l" for="ch" forName="picture_4" refType="w" refFor="ch" refForName="picture_1" fact="1.21"/>
+                <dgm:constr type="ctrY" for="ch" forName="picture_4" refType="h" refFor="ch" refForName="picture_1" fact="0.5"/>
+                <dgm:constr type="l" for="ch" forName="line_4" refType="ctrX" refFor="ch" refForName="picture_1"/>
+                <dgm:constr type="h" for="ch" forName="line_4"/>
+                <dgm:constr type="r" for="ch" forName="line_4" refType="ctrX" refFor="ch" refForName="picture_4"/>
+                <dgm:constr type="ctrY" for="ch" forName="line_4" refType="ctrY" refFor="ch" refForName="picture_4"/>
+                <dgm:constr type="r" for="ch" forName="textparent_4" refType="w"/>
+                <dgm:constr type="h" for="ch" forName="textparent_4" refType="h" refFor="ch" refForName="picture_4"/>
+                <dgm:constr type="l" for="ch" forName="textparent_4" refType="r" refFor="ch" refForName="picture_4"/>
+                <dgm:constr type="ctrY" for="ch" forName="textparent_4" refType="ctrY" refFor="ch" refForName="picture_4"/>
+                <dgm:constr type="primFontSz" for="des" forName="text_4" refType="primFontSz" refFor="des" refForName="text_2" op="equ"/>
+                <dgm:constr type="w" for="ch" forName="picture_5" refType="w" refFor="ch" refForName="picture_1" fact="0.18"/>
+                <dgm:constr type="h" for="ch" forName="picture_5" refType="h" refFor="ch" refForName="picture_1" fact="0.18"/>
+                <dgm:constr type="l" for="ch" forName="picture_5" refType="w" refFor="ch" refForName="picture_1" fact="1.2667"/>
+                <dgm:constr type="ctrY" for="ch" forName="picture_5" refType="h" refFor="ch" refForName="picture_1" fact="0.739"/>
+                <dgm:constr type="l" for="ch" forName="line_5" refType="ctrX" refFor="ch" refForName="picture_1"/>
+                <dgm:constr type="h" for="ch" forName="line_5"/>
+                <dgm:constr type="r" for="ch" forName="line_5" refType="ctrX" refFor="ch" refForName="picture_5"/>
+                <dgm:constr type="ctrY" for="ch" forName="line_5" refType="ctrY" refFor="ch" refForName="picture_5"/>
+                <dgm:constr type="r" for="ch" forName="textparent_5" refType="w"/>
+                <dgm:constr type="h" for="ch" forName="textparent_5" refType="h" refFor="ch" refForName="picture_5"/>
+                <dgm:constr type="l" for="ch" forName="textparent_5" refType="r" refFor="ch" refForName="picture_5"/>
+                <dgm:constr type="ctrY" for="ch" forName="textparent_5" refType="ctrY" refFor="ch" refForName="picture_5"/>
+                <dgm:constr type="primFontSz" for="des" forName="text_5" refType="primFontSz" refFor="des" refForName="text_2" op="equ"/>
+                <dgm:constr type="w" for="ch" forName="picture_6" refType="w" refFor="ch" refForName="picture_1" fact="0.18"/>
+                <dgm:constr type="h" for="ch" forName="picture_6" refType="h" refFor="ch" refForName="picture_1" fact="0.18"/>
+                <dgm:constr type="l" for="ch" forName="picture_6" refType="w" refFor="ch" refForName="picture_1" fact="1.4238"/>
+                <dgm:constr type="ctrY" for="ch" forName="picture_6" refType="h" refFor="ch" refForName="picture_1" fact="0.91"/>
+                <dgm:constr type="l" for="ch" forName="line_6" refType="ctrX" refFor="ch" refForName="picture_1"/>
+                <dgm:constr type="h" for="ch" forName="line_6"/>
+                <dgm:constr type="r" for="ch" forName="line_6" refType="ctrX" refFor="ch" refForName="picture_6"/>
+                <dgm:constr type="ctrY" for="ch" forName="line_6" refType="ctrY" refFor="ch" refForName="picture_6"/>
+                <dgm:constr type="r" for="ch" forName="textparent_6" refType="w"/>
+                <dgm:constr type="h" for="ch" forName="textparent_6" refType="h" refFor="ch" refForName="picture_6"/>
+                <dgm:constr type="l" for="ch" forName="textparent_6" refType="r" refFor="ch" refForName="picture_6"/>
+                <dgm:constr type="ctrY" for="ch" forName="textparent_6" refType="ctrY" refFor="ch" refForName="picture_6"/>
+                <dgm:constr type="primFontSz" for="des" forName="text_6" refType="primFontSz" refFor="des" refForName="text_2" op="equ"/>
+              </dgm:constrLst>
+            </dgm:if>
+            <dgm:else name="Name23">
+              <dgm:constrLst>
+                <dgm:constr type="h" for="ch" forName="picture_1" refType="h"/>
+                <dgm:constr type="w" for="ch" forName="picture_1" refType="h" refFor="ch" refForName="picture_1" op="equ"/>
+                <dgm:constr type="r" for="ch" forName="picture_1" refType="w"/>
+                <dgm:constr type="t" for="ch" forName="picture_1"/>
+                <dgm:constr type="w" for="ch" forName="text_1" refType="w" refFor="ch" refForName="picture_1" fact="0.64"/>
+                <dgm:constr type="h" for="ch" forName="text_1" refType="h" refFor="ch" refForName="picture_1" fact="0.33"/>
+                <dgm:constr type="l" for="ch" forName="text_1" refType="l" refFor="ch" refForName="picture_1"/>
+                <dgm:constr type="lOff" for="ch" forName="text_1" refType="w" refFor="ch" refForName="picture_1" fact="0.18"/>
+                <dgm:constr type="t" for="ch" forName="text_1" refType="h" refFor="ch" refForName="picture_1" fact="0.531"/>
+                <dgm:constr type="w" for="ch" forName="picture_2" refType="w" refFor="ch" refForName="picture_1" fact="0.18"/>
+                <dgm:constr type="h" for="ch" forName="picture_2" refType="h" refFor="ch" refForName="picture_1" fact="0.18"/>
+                <dgm:constr type="r" for="ch" forName="picture_2" refType="w"/>
+                <dgm:constr type="rOff" for="ch" forName="picture_2" refType="w" refFor="ch" refForName="picture_1" fact="-1.4238"/>
+                <dgm:constr type="ctrY" for="ch" forName="picture_2" refType="h" refFor="ch" refForName="picture_1" fact="0.09"/>
+                <dgm:constr type="r" for="ch" forName="line_2" refType="ctrX" refFor="ch" refForName="picture_1"/>
+                <dgm:constr type="h" for="ch" forName="line_2"/>
+                <dgm:constr type="l" for="ch" forName="line_2" refType="ctrX" refFor="ch" refForName="picture_2"/>
+                <dgm:constr type="ctrY" for="ch" forName="line_2" refType="ctrY" refFor="ch" refForName="picture_2"/>
+                <dgm:constr type="l" for="ch" forName="textparent_2"/>
+                <dgm:constr type="h" for="ch" forName="textparent_2" refType="h" refFor="ch" refForName="picture_2"/>
+                <dgm:constr type="r" for="ch" forName="textparent_2" refType="l" refFor="ch" refForName="picture_2"/>
+                <dgm:constr type="ctrY" for="ch" forName="textparent_2" refType="ctrY" refFor="ch" refForName="picture_2"/>
+                <dgm:constr type="primFontSz" for="des" forName="text_2" val="65"/>
+                <dgm:constr type="w" for="ch" forName="picture_3" refType="w" refFor="ch" refForName="picture_1" fact="0.18"/>
+                <dgm:constr type="h" for="ch" forName="picture_3" refType="h" refFor="ch" refForName="picture_1" fact="0.18"/>
+                <dgm:constr type="r" for="ch" forName="picture_3" refType="w"/>
+                <dgm:constr type="rOff" for="ch" forName="picture_3" refType="w" refFor="ch" refForName="picture_1" fact="-1.2667"/>
+                <dgm:constr type="ctrY" for="ch" forName="picture_3" refType="h" refFor="ch" refForName="picture_1" fact="0.261"/>
+                <dgm:constr type="r" for="ch" forName="line_3" refType="ctrX" refFor="ch" refForName="picture_1"/>
+                <dgm:constr type="h" for="ch" forName="line_3"/>
+                <dgm:constr type="l" for="ch" forName="line_3" refType="ctrX" refFor="ch" refForName="picture_3"/>
+                <dgm:constr type="ctrY" for="ch" forName="line_3" refType="ctrY" refFor="ch" refForName="picture_3"/>
+                <dgm:constr type="l" for="ch" forName="textparent_3"/>
+                <dgm:constr type="h" for="ch" forName="textparent_3" refType="h" refFor="ch" refForName="picture_3"/>
+                <dgm:constr type="r" for="ch" forName="textparent_3" refType="l" refFor="ch" refForName="picture_3"/>
+                <dgm:constr type="ctrY" for="ch" forName="textparent_3" refType="ctrY" refFor="ch" refForName="picture_3"/>
+                <dgm:constr type="primFontSz" for="des" forName="text_3" refType="primFontSz" refFor="des" refForName="text_2" op="equ"/>
+                <dgm:constr type="w" for="ch" forName="picture_4" refType="w" refFor="ch" refForName="picture_1" fact="0.18"/>
+                <dgm:constr type="h" for="ch" forName="picture_4" refType="h" refFor="ch" refForName="picture_1" fact="0.18"/>
+                <dgm:constr type="r" for="ch" forName="picture_4" refType="w"/>
+                <dgm:constr type="rOff" for="ch" forName="picture_4" refType="w" refFor="ch" refForName="picture_1" fact="-1.21"/>
+                <dgm:constr type="ctrY" for="ch" forName="picture_4" refType="h" refFor="ch" refForName="picture_1" fact="0.5"/>
+                <dgm:constr type="r" for="ch" forName="line_4" refType="ctrX" refFor="ch" refForName="picture_1"/>
+                <dgm:constr type="h" for="ch" forName="line_4"/>
+                <dgm:constr type="l" for="ch" forName="line_4" refType="ctrX" refFor="ch" refForName="picture_4"/>
+                <dgm:constr type="ctrY" for="ch" forName="line_4" refType="ctrY" refFor="ch" refForName="picture_4"/>
+                <dgm:constr type="l" for="ch" forName="textparent_4"/>
+                <dgm:constr type="h" for="ch" forName="textparent_4" refType="h" refFor="ch" refForName="picture_4"/>
+                <dgm:constr type="r" for="ch" forName="textparent_4" refType="l" refFor="ch" refForName="picture_4"/>
+                <dgm:constr type="ctrY" for="ch" forName="textparent_4" refType="ctrY" refFor="ch" refForName="picture_4"/>
+                <dgm:constr type="primFontSz" for="des" forName="text_4" refType="primFontSz" refFor="des" refForName="text_2" op="equ"/>
+                <dgm:constr type="w" for="ch" forName="picture_5" refType="w" refFor="ch" refForName="picture_1" fact="0.18"/>
+                <dgm:constr type="h" for="ch" forName="picture_5" refType="h" refFor="ch" refForName="picture_1" fact="0.18"/>
+                <dgm:constr type="r" for="ch" forName="picture_5" refType="w"/>
+                <dgm:constr type="rOff" for="ch" forName="picture_5" refType="w" refFor="ch" refForName="picture_1" fact="-1.2667"/>
+                <dgm:constr type="ctrY" for="ch" forName="picture_5" refType="h" refFor="ch" refForName="picture_1" fact="0.739"/>
+                <dgm:constr type="r" for="ch" forName="line_5" refType="ctrX" refFor="ch" refForName="picture_1"/>
+                <dgm:constr type="h" for="ch" forName="line_5"/>
+                <dgm:constr type="l" for="ch" forName="line_5" refType="ctrX" refFor="ch" refForName="picture_5"/>
+                <dgm:constr type="ctrY" for="ch" forName="line_5" refType="ctrY" refFor="ch" refForName="picture_5"/>
+                <dgm:constr type="l" for="ch" forName="textparent_5"/>
+                <dgm:constr type="h" for="ch" forName="textparent_5" refType="h" refFor="ch" refForName="picture_5"/>
+                <dgm:constr type="r" for="ch" forName="textparent_5" refType="l" refFor="ch" refForName="picture_5"/>
+                <dgm:constr type="ctrY" for="ch" forName="textparent_5" refType="ctrY" refFor="ch" refForName="picture_5"/>
+                <dgm:constr type="primFontSz" for="des" forName="text_5" refType="primFontSz" refFor="des" refForName="text_2" op="equ"/>
+                <dgm:constr type="w" for="ch" forName="picture_6" refType="w" refFor="ch" refForName="picture_1" fact="0.18"/>
+                <dgm:constr type="h" for="ch" forName="picture_6" refType="h" refFor="ch" refForName="picture_1" fact="0.18"/>
+                <dgm:constr type="r" for="ch" forName="picture_6" refType="w"/>
+                <dgm:constr type="rOff" for="ch" forName="picture_6" refType="w" refFor="ch" refForName="picture_1" fact="-1.4238"/>
+                <dgm:constr type="ctrY" for="ch" forName="picture_6" refType="h" refFor="ch" refForName="picture_1" fact="0.91"/>
+                <dgm:constr type="r" for="ch" forName="line_6" refType="ctrX" refFor="ch" refForName="picture_1"/>
+                <dgm:constr type="h" for="ch" forName="line_6"/>
+                <dgm:constr type="l" for="ch" forName="line_6" refType="ctrX" refFor="ch" refForName="picture_6"/>
+                <dgm:constr type="ctrY" for="ch" forName="line_6" refType="ctrY" refFor="ch" refForName="picture_6"/>
+                <dgm:constr type="l" for="ch" forName="textparent_6"/>
+                <dgm:constr type="h" for="ch" forName="textparent_6" refType="h" refFor="ch" refForName="picture_6"/>
+                <dgm:constr type="r" for="ch" forName="textparent_6" refType="l" refFor="ch" refForName="picture_6"/>
+                <dgm:constr type="ctrY" for="ch" forName="textparent_6" refType="ctrY" refFor="ch" refForName="picture_6"/>
+                <dgm:constr type="primFontSz" for="des" forName="text_6" refType="primFontSz" refFor="des" refForName="text_2" op="equ"/>
+              </dgm:constrLst>
+            </dgm:else>
+          </dgm:choose>
+        </dgm:if>
+        <dgm:else name="Name24">
+          <dgm:choose name="Name25">
+            <dgm:if name="Name26" func="var" arg="dir" op="equ" val="norm">
+              <dgm:constrLst>
+                <dgm:constr type="h" for="ch" forName="picture_1" refType="h"/>
+                <dgm:constr type="w" for="ch" forName="picture_1" refType="h" refFor="ch" refForName="picture_1" op="equ"/>
+                <dgm:constr type="l" for="ch" forName="picture_1"/>
+                <dgm:constr type="t" for="ch" forName="picture_1"/>
+                <dgm:constr type="w" for="ch" forName="text_1" refType="w" refFor="ch" refForName="picture_1" fact="0.64"/>
+                <dgm:constr type="h" for="ch" forName="text_1" refType="h" refFor="ch" refForName="picture_1" fact="0.33"/>
+                <dgm:constr type="l" for="ch" forName="text_1" refType="l" refFor="ch" refForName="picture_1"/>
+                <dgm:constr type="lOff" for="ch" forName="text_1" refType="w" refFor="ch" refForName="picture_1" fact="0.18"/>
+                <dgm:constr type="t" for="ch" forName="text_1" refType="h" refFor="ch" refForName="picture_1" fact="0.531"/>
+                <dgm:constr type="w" for="ch" forName="picture_2" refType="w" refFor="ch" refForName="picture_1" fact="0.15"/>
+                <dgm:constr type="h" for="ch" forName="picture_2" refType="h" refFor="ch" refForName="picture_1" fact="0.15"/>
+                <dgm:constr type="l" for="ch" forName="picture_2" refType="w" refFor="ch" refForName="picture_1" fact="1.4363"/>
+                <dgm:constr type="ctrY" for="ch" forName="picture_2" refType="h" refFor="ch" refForName="picture_1" fact="0.075"/>
+                <dgm:constr type="l" for="ch" forName="line_2" refType="ctrX" refFor="ch" refForName="picture_1"/>
+                <dgm:constr type="h" for="ch" forName="line_2"/>
+                <dgm:constr type="r" for="ch" forName="line_2" refType="ctrX" refFor="ch" refForName="picture_2"/>
+                <dgm:constr type="ctrY" for="ch" forName="line_2" refType="ctrY" refFor="ch" refForName="picture_2"/>
+                <dgm:constr type="r" for="ch" forName="textparent_2" refType="w"/>
+                <dgm:constr type="h" for="ch" forName="textparent_2" refType="h" refFor="ch" refForName="picture_2"/>
+                <dgm:constr type="l" for="ch" forName="textparent_2" refType="r" refFor="ch" refForName="picture_2"/>
+                <dgm:constr type="ctrY" for="ch" forName="textparent_2" refType="ctrY" refFor="ch" refForName="picture_2"/>
+                <dgm:constr type="primFontSz" for="des" forName="text_2" val="65"/>
+                <dgm:constr type="w" for="ch" forName="picture_3" refType="w" refFor="ch" refForName="picture_1" fact="0.15"/>
+                <dgm:constr type="h" for="ch" forName="picture_3" refType="h" refFor="ch" refForName="picture_1" fact="0.15"/>
+                <dgm:constr type="l" for="ch" forName="picture_3" refType="w" refFor="ch" refForName="picture_1" fact="1.2898"/>
+                <dgm:constr type="ctrY" for="ch" forName="picture_3" refType="h" refFor="ch" refForName="picture_1" fact="0.227"/>
+                <dgm:constr type="l" for="ch" forName="line_3" refType="ctrX" refFor="ch" refForName="picture_1"/>
+                <dgm:constr type="h" for="ch" forName="line_3"/>
+                <dgm:constr type="r" for="ch" forName="line_3" refType="ctrX" refFor="ch" refForName="picture_3"/>
+                <dgm:constr type="ctrY" for="ch" forName="line_3" refType="ctrY" refFor="ch" refForName="picture_3"/>
+                <dgm:constr type="r" for="ch" forName="textparent_3" refType="w"/>
+                <dgm:constr type="h" for="ch" forName="textparent_3" refType="h" refFor="ch" refForName="picture_3"/>
+                <dgm:constr type="l" for="ch" forName="textparent_3" refType="r" refFor="ch" refForName="picture_3"/>
+                <dgm:constr type="ctrY" for="ch" forName="textparent_3" refType="ctrY" refFor="ch" refForName="picture_3"/>
+                <dgm:constr type="primFontSz" for="des" forName="text_3" refType="primFontSz" refFor="des" refForName="text_2" op="equ"/>
+                <dgm:constr type="w" for="ch" forName="picture_4" refType="w" refFor="ch" refForName="picture_1" fact="0.15"/>
+                <dgm:constr type="h" for="ch" forName="picture_4" refType="h" refFor="ch" refForName="picture_1" fact="0.15"/>
+                <dgm:constr type="l" for="ch" forName="picture_4" refType="w" refFor="ch" refForName="picture_1" fact="1.21"/>
+                <dgm:constr type="ctrY" for="ch" forName="picture_4" refType="h" refFor="ch" refForName="picture_1" fact="0.405"/>
+                <dgm:constr type="l" for="ch" forName="line_4" refType="ctrX" refFor="ch" refForName="picture_1"/>
+                <dgm:constr type="h" for="ch" forName="line_4"/>
+                <dgm:constr type="r" for="ch" forName="line_4" refType="ctrX" refFor="ch" refForName="picture_4"/>
+                <dgm:constr type="ctrY" for="ch" forName="line_4" refType="ctrY" refFor="ch" refForName="picture_4"/>
+                <dgm:constr type="r" for="ch" forName="textparent_4" refType="w"/>
+                <dgm:constr type="h" for="ch" forName="textparent_4" refType="h" refFor="ch" refForName="picture_4"/>
+                <dgm:constr type="l" for="ch" forName="textparent_4" refType="r" refFor="ch" refForName="picture_4"/>
+                <dgm:constr type="ctrY" for="ch" forName="textparent_4" refType="ctrY" refFor="ch" refForName="picture_4"/>
+                <dgm:constr type="primFontSz" for="des" forName="text_4" refType="primFontSz" refFor="des" refForName="text_2" op="equ"/>
+                <dgm:constr type="w" for="ch" forName="picture_5" refType="w" refFor="ch" refForName="picture_1" fact="0.15"/>
+                <dgm:constr type="h" for="ch" forName="picture_5" refType="h" refFor="ch" refForName="picture_1" fact="0.15"/>
+                <dgm:constr type="l" for="ch" forName="picture_5" refType="w" refFor="ch" refForName="picture_1" fact="1.21"/>
+                <dgm:constr type="ctrY" for="ch" forName="picture_5" refType="h" refFor="ch" refForName="picture_1" fact="0.595"/>
+                <dgm:constr type="l" for="ch" forName="line_5" refType="ctrX" refFor="ch" refForName="picture_1"/>
+                <dgm:constr type="h" for="ch" forName="line_5"/>
+                <dgm:constr type="r" for="ch" forName="line_5" refType="ctrX" refFor="ch" refForName="picture_5"/>
+                <dgm:constr type="ctrY" for="ch" forName="line_5" refType="ctrY" refFor="ch" refForName="picture_5"/>
+                <dgm:constr type="r" for="ch" forName="textparent_5" refType="w"/>
+                <dgm:constr type="h" for="ch" forName="textparent_5" refType="h" refFor="ch" refForName="picture_5"/>
+                <dgm:constr type="l" for="ch" forName="textparent_5" refType="r" refFor="ch" refForName="picture_5"/>
+                <dgm:constr type="ctrY" for="ch" forName="textparent_5" refType="ctrY" refFor="ch" refForName="picture_5"/>
+                <dgm:constr type="primFontSz" for="des" forName="text_5" refType="primFontSz" refFor="des" refForName="text_2" op="equ"/>
+                <dgm:constr type="w" for="ch" forName="picture_6" refType="w" refFor="ch" refForName="picture_1" fact="0.15"/>
+                <dgm:constr type="h" for="ch" forName="picture_6" refType="h" refFor="ch" refForName="picture_1" fact="0.15"/>
+                <dgm:constr type="l" for="ch" forName="picture_6" refType="w" refFor="ch" refForName="picture_1" fact="1.2898"/>
+                <dgm:constr type="ctrY" for="ch" forName="picture_6" refType="h" refFor="ch" refForName="picture_1" fact="0.773"/>
+                <dgm:constr type="l" for="ch" forName="line_6" refType="ctrX" refFor="ch" refForName="picture_1"/>
+                <dgm:constr type="h" for="ch" forName="line_6"/>
+                <dgm:constr type="r" for="ch" forName="line_6" refType="ctrX" refFor="ch" refForName="picture_6"/>
+                <dgm:constr type="ctrY" for="ch" forName="line_6" refType="ctrY" refFor="ch" refForName="picture_6"/>
+                <dgm:constr type="r" for="ch" forName="textparent_6" refType="w"/>
+                <dgm:constr type="h" for="ch" forName="textparent_6" refType="h" refFor="ch" refForName="picture_6"/>
+                <dgm:constr type="l" for="ch" forName="textparent_6" refType="r" refFor="ch" refForName="picture_6"/>
+                <dgm:constr type="ctrY" for="ch" forName="textparent_6" refType="ctrY" refFor="ch" refForName="picture_6"/>
+                <dgm:constr type="primFontSz" for="des" forName="text_6" refType="primFontSz" refFor="des" refForName="text_2" op="equ"/>
+                <dgm:constr type="w" for="ch" forName="picture_7" refType="w" refFor="ch" refForName="picture_1" fact="0.15"/>
+                <dgm:constr type="h" for="ch" forName="picture_7" refType="h" refFor="ch" refForName="picture_1" fact="0.15"/>
+                <dgm:constr type="l" for="ch" forName="picture_7" refType="w" refFor="ch" refForName="picture_1" fact="1.4363"/>
+                <dgm:constr type="ctrY" for="ch" forName="picture_7" refType="h" refFor="ch" refForName="picture_1" fact="0.925"/>
+                <dgm:constr type="l" for="ch" forName="line_7" refType="ctrX" refFor="ch" refForName="picture_1"/>
+                <dgm:constr type="h" for="ch" forName="line_7"/>
+                <dgm:constr type="r" for="ch" forName="line_7" refType="ctrX" refFor="ch" refForName="picture_7"/>
+                <dgm:constr type="ctrY" for="ch" forName="line_7" refType="ctrY" refFor="ch" refForName="picture_7"/>
+                <dgm:constr type="r" for="ch" forName="textparent_7" refType="w"/>
+                <dgm:constr type="h" for="ch" forName="textparent_7" refType="h" refFor="ch" refForName="picture_7"/>
+                <dgm:constr type="l" for="ch" forName="textparent_7" refType="r" refFor="ch" refForName="picture_7"/>
+                <dgm:constr type="ctrY" for="ch" forName="textparent_7" refType="ctrY" refFor="ch" refForName="picture_7"/>
+                <dgm:constr type="primFontSz" for="des" forName="text_7" refType="primFontSz" refFor="des" refForName="text_2" op="equ"/>
+              </dgm:constrLst>
+            </dgm:if>
+            <dgm:else name="Name27">
+              <dgm:constrLst>
+                <dgm:constr type="h" for="ch" forName="picture_1" refType="h"/>
+                <dgm:constr type="w" for="ch" forName="picture_1" refType="h" refFor="ch" refForName="picture_1" op="equ"/>
+                <dgm:constr type="r" for="ch" forName="picture_1" refType="w"/>
+                <dgm:constr type="t" for="ch" forName="picture_1"/>
+                <dgm:constr type="w" for="ch" forName="text_1" refType="w" refFor="ch" refForName="picture_1" fact="0.64"/>
+                <dgm:constr type="h" for="ch" forName="text_1" refType="h" refFor="ch" refForName="picture_1" fact="0.33"/>
+                <dgm:constr type="l" for="ch" forName="text_1" refType="l" refFor="ch" refForName="picture_1"/>
+                <dgm:constr type="lOff" for="ch" forName="text_1" refType="w" refFor="ch" refForName="picture_1" fact="0.18"/>
+                <dgm:constr type="t" for="ch" forName="text_1" refType="h" refFor="ch" refForName="picture_1" fact="0.531"/>
+                <dgm:constr type="w" for="ch" forName="picture_2" refType="w" refFor="ch" refForName="picture_1" fact="0.15"/>
+                <dgm:constr type="h" for="ch" forName="picture_2" refType="h" refFor="ch" refForName="picture_1" fact="0.15"/>
+                <dgm:constr type="r" for="ch" forName="picture_2" refType="w"/>
+                <dgm:constr type="rOff" for="ch" forName="picture_2" refType="w" refFor="ch" refForName="picture_1" fact="-1.4363"/>
+                <dgm:constr type="ctrY" for="ch" forName="picture_2" refType="h" refFor="ch" refForName="picture_1" fact="0.075"/>
+                <dgm:constr type="r" for="ch" forName="line_2" refType="ctrX" refFor="ch" refForName="picture_1"/>
+                <dgm:constr type="h" for="ch" forName="line_2"/>
+                <dgm:constr type="l" for="ch" forName="line_2" refType="ctrX" refFor="ch" refForName="picture_2"/>
+                <dgm:constr type="ctrY" for="ch" forName="line_2" refType="ctrY" refFor="ch" refForName="picture_2"/>
+                <dgm:constr type="l" for="ch" forName="textparent_2"/>
+                <dgm:constr type="h" for="ch" forName="textparent_2" refType="h" refFor="ch" refForName="picture_2"/>
+                <dgm:constr type="r" for="ch" forName="textparent_2" refType="l" refFor="ch" refForName="picture_2"/>
+                <dgm:constr type="ctrY" for="ch" forName="textparent_2" refType="ctrY" refFor="ch" refForName="picture_2"/>
+                <dgm:constr type="primFontSz" for="des" forName="text_2" val="65"/>
+                <dgm:constr type="w" for="ch" forName="picture_3" refType="w" refFor="ch" refForName="picture_1" fact="0.15"/>
+                <dgm:constr type="h" for="ch" forName="picture_3" refType="h" refFor="ch" refForName="picture_1" fact="0.15"/>
+                <dgm:constr type="r" for="ch" forName="picture_3" refType="w"/>
+                <dgm:constr type="rOff" for="ch" forName="picture_3" refType="w" refFor="ch" refForName="picture_1" fact="-1.2898"/>
+                <dgm:constr type="ctrY" for="ch" forName="picture_3" refType="h" refFor="ch" refForName="picture_1" fact="0.227"/>
+                <dgm:constr type="r" for="ch" forName="line_3" refType="ctrX" refFor="ch" refForName="picture_1"/>
+                <dgm:constr type="h" for="ch" forName="line_3"/>
+                <dgm:constr type="l" for="ch" forName="line_3" refType="ctrX" refFor="ch" refForName="picture_3"/>
+                <dgm:constr type="ctrY" for="ch" forName="line_3" refType="ctrY" refFor="ch" refForName="picture_3"/>
+                <dgm:constr type="l" for="ch" forName="textparent_3"/>
+                <dgm:constr type="h" for="ch" forName="textparent_3" refType="h" refFor="ch" refForName="picture_3"/>
+                <dgm:constr type="r" for="ch" forName="textparent_3" refType="l" refFor="ch" refForName="picture_3"/>
+                <dgm:constr type="ctrY" for="ch" forName="textparent_3" refType="ctrY" refFor="ch" refForName="picture_3"/>
+                <dgm:constr type="primFontSz" for="des" forName="text_3" refType="primFontSz" refFor="des" refForName="text_2" op="equ"/>
+                <dgm:constr type="w" for="ch" forName="picture_4" refType="w" refFor="ch" refForName="picture_1" fact="0.15"/>
+                <dgm:constr type="h" for="ch" forName="picture_4" refType="h" refFor="ch" refForName="picture_1" fact="0.15"/>
+                <dgm:constr type="r" for="ch" forName="picture_4" refType="w"/>
+                <dgm:constr type="rOff" for="ch" forName="picture_4" refType="w" refFor="ch" refForName="picture_1" fact="-1.21"/>
+                <dgm:constr type="ctrY" for="ch" forName="picture_4" refType="h" refFor="ch" refForName="picture_1" fact="0.405"/>
+                <dgm:constr type="r" for="ch" forName="line_4" refType="ctrX" refFor="ch" refForName="picture_1"/>
+                <dgm:constr type="h" for="ch" forName="line_4"/>
+                <dgm:constr type="l" for="ch" forName="line_4" refType="ctrX" refFor="ch" refForName="picture_4"/>
+                <dgm:constr type="ctrY" for="ch" forName="line_4" refType="ctrY" refFor="ch" refForName="picture_4"/>
+                <dgm:constr type="l" for="ch" forName="textparent_4"/>
+                <dgm:constr type="h" for="ch" forName="textparent_4" refType="h" refFor="ch" refForName="picture_4"/>
+                <dgm:constr type="r" for="ch" forName="textparent_4" refType="l" refFor="ch" refForName="picture_4"/>
+                <dgm:constr type="ctrY" for="ch" forName="textparent_4" refType="ctrY" refFor="ch" refForName="picture_4"/>
+                <dgm:constr type="primFontSz" for="des" forName="text_4" refType="primFontSz" refFor="des" refForName="text_2" op="equ"/>
+                <dgm:constr type="w" for="ch" forName="picture_5" refType="w" refFor="ch" refForName="picture_1" fact="0.15"/>
+                <dgm:constr type="h" for="ch" forName="picture_5" refType="h" refFor="ch" refForName="picture_1" fact="0.15"/>
+                <dgm:constr type="r" for="ch" forName="picture_5" refType="w"/>
+                <dgm:constr type="rOff" for="ch" forName="picture_5" refType="w" refFor="ch" refForName="picture_1" fact="-1.21"/>
+                <dgm:constr type="ctrY" for="ch" forName="picture_5" refType="h" refFor="ch" refForName="picture_1" fact="0.595"/>
+                <dgm:constr type="r" for="ch" forName="line_5" refType="ctrX" refFor="ch" refForName="picture_1"/>
+                <dgm:constr type="h" for="ch" forName="line_5"/>
+                <dgm:constr type="l" for="ch" forName="line_5" refType="ctrX" refFor="ch" refForName="picture_5"/>
+                <dgm:constr type="ctrY" for="ch" forName="line_5" refType="ctrY" refFor="ch" refForName="picture_5"/>
+                <dgm:constr type="l" for="ch" forName="textparent_5"/>
+                <dgm:constr type="h" for="ch" forName="textparent_5" refType="h" refFor="ch" refForName="picture_5"/>
+                <dgm:constr type="r" for="ch" forName="textparent_5" refType="l" refFor="ch" refForName="picture_5"/>
+                <dgm:constr type="ctrY" for="ch" forName="textparent_5" refType="ctrY" refFor="ch" refForName="picture_5"/>
+                <dgm:constr type="primFontSz" for="des" forName="text_5" refType="primFontSz" refFor="des" refForName="text_2" op="equ"/>
+                <dgm:constr type="w" for="ch" forName="picture_6" refType="w" refFor="ch" refForName="picture_1" fact="0.15"/>
+                <dgm:constr type="h" for="ch" forName="picture_6" refType="h" refFor="ch" refForName="picture_1" fact="0.15"/>
+                <dgm:constr type="r" for="ch" forName="picture_6" refType="w"/>
+                <dgm:constr type="rOff" for="ch" forName="picture_6" refType="w" refFor="ch" refForName="picture_1" fact="-1.2898"/>
+                <dgm:constr type="ctrY" for="ch" forName="picture_6" refType="h" refFor="ch" refForName="picture_1" fact="0.773"/>
+                <dgm:constr type="r" for="ch" forName="line_6" refType="ctrX" refFor="ch" refForName="picture_1"/>
+                <dgm:constr type="h" for="ch" forName="line_6"/>
+                <dgm:constr type="l" for="ch" forName="line_6" refType="ctrX" refFor="ch" refForName="picture_6"/>
+                <dgm:constr type="ctrY" for="ch" forName="line_6" refType="ctrY" refFor="ch" refForName="picture_6"/>
+                <dgm:constr type="l" for="ch" forName="textparent_6"/>
+                <dgm:constr type="h" for="ch" forName="textparent_6" refType="h" refFor="ch" refForName="picture_6"/>
+                <dgm:constr type="r" for="ch" forName="textparent_6" refType="l" refFor="ch" refForName="picture_6"/>
+                <dgm:constr type="ctrY" for="ch" forName="textparent_6" refType="ctrY" refFor="ch" refForName="picture_6"/>
+                <dgm:constr type="primFontSz" for="des" forName="text_6" refType="primFontSz" refFor="des" refForName="text_2" op="equ"/>
+                <dgm:constr type="w" for="ch" forName="picture_7" refType="w" refFor="ch" refForName="picture_1" fact="0.15"/>
+                <dgm:constr type="h" for="ch" forName="picture_7" refType="h" refFor="ch" refForName="picture_1" fact="0.15"/>
+                <dgm:constr type="r" for="ch" forName="picture_7" refType="w"/>
+                <dgm:constr type="rOff" for="ch" forName="picture_7" refType="w" refFor="ch" refForName="picture_1" fact="-1.4363"/>
+                <dgm:constr type="ctrY" for="ch" forName="picture_7" refType="h" refFor="ch" refForName="picture_1" fact="0.925"/>
+                <dgm:constr type="r" for="ch" forName="line_7" refType="ctrX" refFor="ch" refForName="picture_1"/>
+                <dgm:constr type="h" for="ch" forName="line_7"/>
+                <dgm:constr type="l" for="ch" forName="line_7" refType="ctrX" refFor="ch" refForName="picture_7"/>
+                <dgm:constr type="ctrY" for="ch" forName="line_7" refType="ctrY" refFor="ch" refForName="picture_7"/>
+                <dgm:constr type="l" for="ch" forName="textparent_7"/>
+                <dgm:constr type="h" for="ch" forName="textparent_7" refType="h" refFor="ch" refForName="picture_7"/>
+                <dgm:constr type="r" for="ch" forName="textparent_7" refType="l" refFor="ch" refForName="picture_7"/>
+                <dgm:constr type="ctrY" for="ch" forName="textparent_7" refType="ctrY" refFor="ch" refForName="picture_7"/>
+                <dgm:constr type="primFontSz" for="des" forName="text_7" refType="primFontSz" refFor="des" refForName="text_2" op="equ"/>
+              </dgm:constrLst>
+            </dgm:else>
+          </dgm:choose>
+        </dgm:else>
+      </dgm:choose>
+      <dgm:forEach name="wrapper" axis="self" ptType="parTrans">
+        <dgm:forEach name="wrapper2" axis="self" ptType="sibTrans" st="2">
+          <dgm:forEach name="pictureRepeat" axis="self">
+            <dgm:layoutNode name="pictureRepeatNode" styleLbl="alignImgPlace1">
+              <dgm:alg type="sp"/>
+              <dgm:shape xmlns:r="http://schemas.openxmlformats.org/officeDocument/2006/relationships" type="ellipse" r:blip="" blipPhldr="1">
+                <dgm:adjLst/>
+              </dgm:shape>
+              <dgm:presOf axis="self"/>
+            </dgm:layoutNode>
+          </dgm:forEach>
+        </dgm:forEach>
+      </dgm:forEach>
+      <dgm:forEach name="Name28" axis="ch" ptType="sibTrans" hideLastTrans="0" cnt="1">
+        <dgm:layoutNode name="picture_1">
+          <dgm:alg type="sp"/>
+          <dgm:shape xmlns:r="http://schemas.openxmlformats.org/officeDocument/2006/relationships" r:blip="">
+            <dgm:adjLst/>
+          </dgm:shape>
+          <dgm:presOf/>
+          <dgm:constrLst/>
+          <dgm:forEach name="Name29" ref="pictureRepeat"/>
+        </dgm:layoutNode>
+      </dgm:forEach>
+      <dgm:forEach name="Name30" axis="ch" ptType="node" cnt="1">
+        <dgm:layoutNode name="text_1" styleLbl="node1">
+          <dgm:varLst>
+            <dgm:bulletEnabled val="1"/>
+          </dgm:varLst>
+          <dgm:alg type="tx">
+            <dgm:param type="txAnchorVert" val="b"/>
+            <dgm:param type="txAnchorVertCh" val="b"/>
+            <dgm:param type="parTxRTLAlign" val="r"/>
+            <dgm:param type="shpTxRTLAlignCh" val="r"/>
+          </dgm:alg>
+          <dgm:shape xmlns:r="http://schemas.openxmlformats.org/officeDocument/2006/relationships" type="rect" r:blip="" hideGeom="1">
+            <dgm:adjLst/>
+          </dgm:shape>
+          <dgm:presOf axis="desOrSelf" ptType="node"/>
+          <dgm:constrLst>
+            <dgm:constr type="primFontSz" val="65"/>
+            <dgm:constr type="lMarg"/>
+            <dgm:constr type="rMarg"/>
+            <dgm:constr type="tMarg"/>
+            <dgm:constr type="bMarg"/>
+          </dgm:constrLst>
+          <dgm:ruleLst>
+            <dgm:rule type="primFontSz" val="5" fact="NaN" max="NaN"/>
+          </dgm:ruleLst>
+        </dgm:layoutNode>
+      </dgm:forEach>
+      <dgm:forEach name="Name31" axis="ch" ptType="sibTrans" hideLastTrans="0" st="2" cnt="1">
+        <dgm:layoutNode name="picture_2">
+          <dgm:alg type="sp"/>
+          <dgm:shape xmlns:r="http://schemas.openxmlformats.org/officeDocument/2006/relationships" r:blip="">
+            <dgm:adjLst/>
+          </dgm:shape>
+          <dgm:presOf/>
+          <dgm:constrLst/>
+          <dgm:forEach name="Name32" ref="pictureRepeat"/>
+        </dgm:layoutNode>
+      </dgm:forEach>
+      <dgm:forEach name="Name33" axis="ch" ptType="node" st="2" cnt="1">
+        <dgm:layoutNode name="line_2" styleLbl="parChTrans1D1">
+          <dgm:alg type="sp"/>
+          <dgm:shape xmlns:r="http://schemas.openxmlformats.org/officeDocument/2006/relationships" type="line" r:blip="" zOrderOff="-100">
+            <dgm:adjLst/>
+          </dgm:shape>
+          <dgm:presOf/>
+        </dgm:layoutNode>
+        <dgm:layoutNode name="textparent_2">
+          <dgm:choose name="Name34">
+            <dgm:if name="Name35" func="var" arg="dir" op="equ" val="norm">
+              <dgm:alg type="lin">
+                <dgm:param type="horzAlign" val="l"/>
+              </dgm:alg>
+            </dgm:if>
+            <dgm:else name="Name36">
+              <dgm:alg type="lin">
+                <dgm:param type="horzAlign" val="r"/>
+              </dgm:alg>
+            </dgm:else>
+          </dgm:choose>
+          <dgm:shape xmlns:r="http://schemas.openxmlformats.org/officeDocument/2006/relationships" type="rect" r:blip="" hideGeom="1">
+            <dgm:adjLst/>
+          </dgm:shape>
+          <dgm:constrLst>
+            <dgm:constr type="userW" for="ch" forName="text_2" refType="w"/>
+            <dgm:constr type="h" for="ch" forName="text_2" refType="h"/>
+          </dgm:constrLst>
+          <dgm:presOf/>
+          <dgm:layoutNode name="text_2" styleLbl="revTx">
+            <dgm:varLst>
+              <dgm:bulletEnabled val="1"/>
+            </dgm:varLst>
+            <dgm:choose name="Name37">
+              <dgm:if name="Name38" func="var" arg="dir" op="equ" val="norm">
+                <dgm:alg type="tx">
+                  <dgm:param type="parTxLTRAlign" val="l"/>
+                  <dgm:param type="shpTxLTRAlignCh" val="l"/>
+                  <dgm:param type="parTxRTLAlign" val="r"/>
+                  <dgm:param type="shpTxRTLAlignCh" val="r"/>
+                </dgm:alg>
+              </dgm:if>
+              <dgm:else name="Name39">
+                <dgm:alg type="tx">
+                  <dgm:param type="parTxLTRAlign" val="r"/>
+                  <dgm:param type="shpTxLTRAlignCh" val="r"/>
+                  <dgm:param type="parTxRTLAlign" val="r"/>
+                  <dgm:param type="shpTxRTLAlignCh" val="r"/>
+                </dgm:alg>
+              </dgm:else>
+            </dgm:choose>
+            <dgm:shape xmlns:r="http://schemas.openxmlformats.org/officeDocument/2006/relationships" type="rect" r:blip="">
+              <dgm:adjLst/>
+            </dgm:shape>
+            <dgm:presOf axis="desOrSelf" ptType="node"/>
+            <dgm:constrLst>
+              <dgm:constr type="userW"/>
+              <dgm:constr type="w" refType="userW" fact="0.1"/>
+              <dgm:constr type="lMarg" refType="primFontSz" fact="0.3"/>
+              <dgm:constr type="rMarg" refType="primFontSz" fact="0.3"/>
+              <dgm:constr type="tMarg"/>
+              <dgm:constr type="bMarg"/>
+            </dgm:constrLst>
+            <dgm:ruleLst>
+              <dgm:rule type="w" val="NaN" fact="1" max="NaN"/>
+              <dgm:rule type="primFontSz" val="5" fact="NaN" max="NaN"/>
+            </dgm:ruleLst>
+          </dgm:layoutNode>
+        </dgm:layoutNode>
+      </dgm:forEach>
+      <dgm:forEach name="Name40" axis="ch" ptType="sibTrans" hideLastTrans="0" st="3" cnt="1">
+        <dgm:layoutNode name="picture_3">
+          <dgm:alg type="sp"/>
+          <dgm:shape xmlns:r="http://schemas.openxmlformats.org/officeDocument/2006/relationships" r:blip="">
+            <dgm:adjLst/>
+          </dgm:shape>
+          <dgm:presOf/>
+          <dgm:constrLst/>
+          <dgm:forEach name="Name41" ref="pictureRepeat"/>
+        </dgm:layoutNode>
+      </dgm:forEach>
+      <dgm:forEach name="Name42" axis="ch" ptType="node" st="3" cnt="1">
+        <dgm:layoutNode name="line_3" styleLbl="parChTrans1D1">
+          <dgm:alg type="sp"/>
+          <dgm:shape xmlns:r="http://schemas.openxmlformats.org/officeDocument/2006/relationships" type="line" r:blip="" zOrderOff="-100">
+            <dgm:adjLst/>
+          </dgm:shape>
+          <dgm:presOf/>
+        </dgm:layoutNode>
+        <dgm:layoutNode name="textparent_3">
+          <dgm:choose name="Name43">
+            <dgm:if name="Name44" func="var" arg="dir" op="equ" val="norm">
+              <dgm:alg type="lin">
+                <dgm:param type="horzAlign" val="l"/>
+              </dgm:alg>
+            </dgm:if>
+            <dgm:else name="Name45">
+              <dgm:alg type="lin">
+                <dgm:param type="horzAlign" val="r"/>
+              </dgm:alg>
+            </dgm:else>
+          </dgm:choose>
+          <dgm:shape xmlns:r="http://schemas.openxmlformats.org/officeDocument/2006/relationships" type="rect" r:blip="" hideGeom="1">
+            <dgm:adjLst/>
+          </dgm:shape>
+          <dgm:constrLst>
+            <dgm:constr type="userW" for="ch" forName="text_3" refType="w"/>
+            <dgm:constr type="h" for="ch" forName="text_3" refType="h"/>
+          </dgm:constrLst>
+          <dgm:presOf/>
+          <dgm:layoutNode name="text_3" styleLbl="revTx">
+            <dgm:varLst>
+              <dgm:bulletEnabled val="1"/>
+            </dgm:varLst>
+            <dgm:choose name="Name46">
+              <dgm:if name="Name47" func="var" arg="dir" op="equ" val="norm">
+                <dgm:alg type="tx">
+                  <dgm:param type="parTxLTRAlign" val="l"/>
+                  <dgm:param type="shpTxLTRAlignCh" val="l"/>
+                  <dgm:param type="parTxRTLAlign" val="r"/>
+                  <dgm:param type="shpTxRTLAlignCh" val="r"/>
+                </dgm:alg>
+              </dgm:if>
+              <dgm:else name="Name48">
+                <dgm:alg type="tx">
+                  <dgm:param type="parTxLTRAlign" val="r"/>
+                  <dgm:param type="shpTxLTRAlignCh" val="r"/>
+                  <dgm:param type="parTxRTLAlign" val="r"/>
+                  <dgm:param type="shpTxRTLAlignCh" val="r"/>
+                </dgm:alg>
+              </dgm:else>
+            </dgm:choose>
+            <dgm:shape xmlns:r="http://schemas.openxmlformats.org/officeDocument/2006/relationships" type="rect" r:blip="">
+              <dgm:adjLst/>
+            </dgm:shape>
+            <dgm:presOf axis="desOrSelf" ptType="node"/>
+            <dgm:constrLst>
+              <dgm:constr type="userW"/>
+              <dgm:constr type="w" refType="userW" fact="0.1"/>
+              <dgm:constr type="lMarg" refType="primFontSz" fact="0.3"/>
+              <dgm:constr type="rMarg" refType="primFontSz" fact="0.3"/>
+              <dgm:constr type="tMarg"/>
+              <dgm:constr type="bMarg"/>
+            </dgm:constrLst>
+            <dgm:ruleLst>
+              <dgm:rule type="w" val="NaN" fact="1" max="NaN"/>
+              <dgm:rule type="primFontSz" val="5" fact="NaN" max="NaN"/>
+            </dgm:ruleLst>
+          </dgm:layoutNode>
+        </dgm:layoutNode>
+      </dgm:forEach>
+      <dgm:forEach name="Name49" axis="ch" ptType="sibTrans" hideLastTrans="0" st="4" cnt="1">
+        <dgm:layoutNode name="picture_4">
+          <dgm:alg type="sp"/>
+          <dgm:shape xmlns:r="http://schemas.openxmlformats.org/officeDocument/2006/relationships" r:blip="">
+            <dgm:adjLst/>
+          </dgm:shape>
+          <dgm:presOf/>
+          <dgm:constrLst/>
+          <dgm:forEach name="Name50" ref="pictureRepeat"/>
+        </dgm:layoutNode>
+      </dgm:forEach>
+      <dgm:forEach name="Name51" axis="ch" ptType="node" st="4" cnt="1">
+        <dgm:layoutNode name="line_4" styleLbl="parChTrans1D1">
+          <dgm:alg type="sp"/>
+          <dgm:shape xmlns:r="http://schemas.openxmlformats.org/officeDocument/2006/relationships" type="line" r:blip="" zOrderOff="-100">
+            <dgm:adjLst/>
+          </dgm:shape>
+          <dgm:presOf/>
+        </dgm:layoutNode>
+        <dgm:layoutNode name="textparent_4">
+          <dgm:choose name="Name52">
+            <dgm:if name="Name53" func="var" arg="dir" op="equ" val="norm">
+              <dgm:alg type="lin">
+                <dgm:param type="horzAlign" val="l"/>
+              </dgm:alg>
+            </dgm:if>
+            <dgm:else name="Name54">
+              <dgm:alg type="lin">
+                <dgm:param type="horzAlign" val="r"/>
+              </dgm:alg>
+            </dgm:else>
+          </dgm:choose>
+          <dgm:shape xmlns:r="http://schemas.openxmlformats.org/officeDocument/2006/relationships" type="rect" r:blip="" hideGeom="1">
+            <dgm:adjLst/>
+          </dgm:shape>
+          <dgm:constrLst>
+            <dgm:constr type="userW" for="ch" forName="text_4" refType="w"/>
+            <dgm:constr type="h" for="ch" forName="text_4" refType="h"/>
+          </dgm:constrLst>
+          <dgm:presOf/>
+          <dgm:layoutNode name="text_4" styleLbl="revTx">
+            <dgm:varLst>
+              <dgm:bulletEnabled val="1"/>
+            </dgm:varLst>
+            <dgm:choose name="Name55">
+              <dgm:if name="Name56" func="var" arg="dir" op="equ" val="norm">
+                <dgm:alg type="tx">
+                  <dgm:param type="parTxLTRAlign" val="l"/>
+                  <dgm:param type="shpTxLTRAlignCh" val="l"/>
+                  <dgm:param type="parTxRTLAlign" val="r"/>
+                  <dgm:param type="shpTxRTLAlignCh" val="r"/>
+                </dgm:alg>
+              </dgm:if>
+              <dgm:else name="Name57">
+                <dgm:alg type="tx">
+                  <dgm:param type="parTxLTRAlign" val="r"/>
+                  <dgm:param type="shpTxLTRAlignCh" val="r"/>
+                  <dgm:param type="parTxRTLAlign" val="r"/>
+                  <dgm:param type="shpTxRTLAlignCh" val="r"/>
+                </dgm:alg>
+              </dgm:else>
+            </dgm:choose>
+            <dgm:shape xmlns:r="http://schemas.openxmlformats.org/officeDocument/2006/relationships" type="rect" r:blip="">
+              <dgm:adjLst/>
+            </dgm:shape>
+            <dgm:presOf axis="desOrSelf" ptType="node"/>
+            <dgm:constrLst>
+              <dgm:constr type="userW"/>
+              <dgm:constr type="w" refType="userW" fact="0.1"/>
+              <dgm:constr type="lMarg" refType="primFontSz" fact="0.3"/>
+              <dgm:constr type="rMarg" refType="primFontSz" fact="0.3"/>
+              <dgm:constr type="tMarg"/>
+              <dgm:constr type="bMarg"/>
+            </dgm:constrLst>
+            <dgm:ruleLst>
+              <dgm:rule type="w" val="NaN" fact="1" max="NaN"/>
+              <dgm:rule type="primFontSz" val="5" fact="NaN" max="NaN"/>
+            </dgm:ruleLst>
+          </dgm:layoutNode>
+        </dgm:layoutNode>
+      </dgm:forEach>
+      <dgm:forEach name="Name58" axis="ch" ptType="sibTrans" hideLastTrans="0" st="5" cnt="1">
+        <dgm:layoutNode name="picture_5">
+          <dgm:alg type="sp"/>
+          <dgm:shape xmlns:r="http://schemas.openxmlformats.org/officeDocument/2006/relationships" r:blip="">
+            <dgm:adjLst/>
+          </dgm:shape>
+          <dgm:presOf/>
+          <dgm:constrLst/>
+          <dgm:forEach name="Name59" ref="pictureRepeat"/>
+        </dgm:layoutNode>
+      </dgm:forEach>
+      <dgm:forEach name="Name60" axis="ch" ptType="node" st="5" cnt="1">
+        <dgm:layoutNode name="line_5" styleLbl="parChTrans1D1">
+          <dgm:alg type="sp"/>
+          <dgm:shape xmlns:r="http://schemas.openxmlformats.org/officeDocument/2006/relationships" type="line" r:blip="" zOrderOff="-100">
+            <dgm:adjLst/>
+          </dgm:shape>
+          <dgm:presOf/>
+        </dgm:layoutNode>
+        <dgm:layoutNode name="textparent_5">
+          <dgm:choose name="Name61">
+            <dgm:if name="Name62" func="var" arg="dir" op="equ" val="norm">
+              <dgm:alg type="lin">
+                <dgm:param type="horzAlign" val="l"/>
+              </dgm:alg>
+            </dgm:if>
+            <dgm:else name="Name63">
+              <dgm:alg type="lin">
+                <dgm:param type="horzAlign" val="r"/>
+              </dgm:alg>
+            </dgm:else>
+          </dgm:choose>
+          <dgm:shape xmlns:r="http://schemas.openxmlformats.org/officeDocument/2006/relationships" type="rect" r:blip="" hideGeom="1">
+            <dgm:adjLst/>
+          </dgm:shape>
+          <dgm:constrLst>
+            <dgm:constr type="userW" for="ch" forName="text_5" refType="w"/>
+            <dgm:constr type="h" for="ch" forName="text_5" refType="h"/>
+          </dgm:constrLst>
+          <dgm:presOf/>
+          <dgm:layoutNode name="text_5" styleLbl="revTx">
+            <dgm:varLst>
+              <dgm:bulletEnabled val="1"/>
+            </dgm:varLst>
+            <dgm:choose name="Name64">
+              <dgm:if name="Name65" func="var" arg="dir" op="equ" val="norm">
+                <dgm:alg type="tx">
+                  <dgm:param type="parTxLTRAlign" val="l"/>
+                  <dgm:param type="shpTxLTRAlignCh" val="l"/>
+                  <dgm:param type="parTxRTLAlign" val="r"/>
+                  <dgm:param type="shpTxRTLAlignCh" val="r"/>
+                </dgm:alg>
+              </dgm:if>
+              <dgm:else name="Name66">
+                <dgm:alg type="tx">
+                  <dgm:param type="parTxLTRAlign" val="r"/>
+                  <dgm:param type="shpTxLTRAlignCh" val="r"/>
+                  <dgm:param type="parTxRTLAlign" val="r"/>
+                  <dgm:param type="shpTxRTLAlignCh" val="r"/>
+                </dgm:alg>
+              </dgm:else>
+            </dgm:choose>
+            <dgm:shape xmlns:r="http://schemas.openxmlformats.org/officeDocument/2006/relationships" type="rect" r:blip="">
+              <dgm:adjLst/>
+            </dgm:shape>
+            <dgm:presOf axis="desOrSelf" ptType="node"/>
+            <dgm:constrLst>
+              <dgm:constr type="userW"/>
+              <dgm:constr type="w" refType="userW" fact="0.1"/>
+              <dgm:constr type="lMarg" refType="primFontSz" fact="0.3"/>
+              <dgm:constr type="rMarg" refType="primFontSz" fact="0.3"/>
+              <dgm:constr type="tMarg"/>
+              <dgm:constr type="bMarg"/>
+            </dgm:constrLst>
+            <dgm:ruleLst>
+              <dgm:rule type="w" val="NaN" fact="1" max="NaN"/>
+              <dgm:rule type="primFontSz" val="5" fact="NaN" max="NaN"/>
+            </dgm:ruleLst>
+          </dgm:layoutNode>
+        </dgm:layoutNode>
+      </dgm:forEach>
+      <dgm:forEach name="Name67" axis="ch" ptType="sibTrans" hideLastTrans="0" st="6" cnt="1">
+        <dgm:layoutNode name="picture_6">
+          <dgm:alg type="sp"/>
+          <dgm:shape xmlns:r="http://schemas.openxmlformats.org/officeDocument/2006/relationships" r:blip="">
+            <dgm:adjLst/>
+          </dgm:shape>
+          <dgm:presOf/>
+          <dgm:constrLst/>
+          <dgm:forEach name="Name68" ref="pictureRepeat"/>
+        </dgm:layoutNode>
+      </dgm:forEach>
+      <dgm:forEach name="Name69" axis="ch" ptType="node" st="6" cnt="1">
+        <dgm:layoutNode name="line_6" styleLbl="parChTrans1D1">
+          <dgm:alg type="sp"/>
+          <dgm:shape xmlns:r="http://schemas.openxmlformats.org/officeDocument/2006/relationships" type="line" r:blip="" zOrderOff="-100">
+            <dgm:adjLst/>
+          </dgm:shape>
+          <dgm:presOf/>
+        </dgm:layoutNode>
+        <dgm:layoutNode name="textparent_6">
+          <dgm:choose name="Name70">
+            <dgm:if name="Name71" func="var" arg="dir" op="equ" val="norm">
+              <dgm:alg type="lin">
+                <dgm:param type="horzAlign" val="l"/>
+              </dgm:alg>
+            </dgm:if>
+            <dgm:else name="Name72">
+              <dgm:alg type="lin">
+                <dgm:param type="horzAlign" val="r"/>
+              </dgm:alg>
+            </dgm:else>
+          </dgm:choose>
+          <dgm:shape xmlns:r="http://schemas.openxmlformats.org/officeDocument/2006/relationships" type="rect" r:blip="" hideGeom="1">
+            <dgm:adjLst/>
+          </dgm:shape>
+          <dgm:constrLst>
+            <dgm:constr type="userW" for="ch" forName="text_6" refType="w"/>
+            <dgm:constr type="h" for="ch" forName="text_6" refType="h"/>
+          </dgm:constrLst>
+          <dgm:presOf/>
+          <dgm:layoutNode name="text_6" styleLbl="revTx">
+            <dgm:varLst>
+              <dgm:bulletEnabled val="1"/>
+            </dgm:varLst>
+            <dgm:choose name="Name73">
+              <dgm:if name="Name74" func="var" arg="dir" op="equ" val="norm">
+                <dgm:alg type="tx">
+                  <dgm:param type="parTxLTRAlign" val="l"/>
+                  <dgm:param type="shpTxLTRAlignCh" val="l"/>
+                  <dgm:param type="parTxRTLAlign" val="r"/>
+                  <dgm:param type="shpTxRTLAlignCh" val="r"/>
+                </dgm:alg>
+              </dgm:if>
+              <dgm:else name="Name75">
+                <dgm:alg type="tx">
+                  <dgm:param type="parTxLTRAlign" val="r"/>
+                  <dgm:param type="shpTxLTRAlignCh" val="r"/>
+                  <dgm:param type="parTxRTLAlign" val="r"/>
+                  <dgm:param type="shpTxRTLAlignCh" val="r"/>
+                </dgm:alg>
+              </dgm:else>
+            </dgm:choose>
+            <dgm:shape xmlns:r="http://schemas.openxmlformats.org/officeDocument/2006/relationships" type="rect" r:blip="">
+              <dgm:adjLst/>
+            </dgm:shape>
+            <dgm:presOf axis="desOrSelf" ptType="node"/>
+            <dgm:constrLst>
+              <dgm:constr type="userW"/>
+              <dgm:constr type="w" refType="userW" fact="0.1"/>
+              <dgm:constr type="lMarg" refType="primFontSz" fact="0.3"/>
+              <dgm:constr type="rMarg" refType="primFontSz" fact="0.3"/>
+              <dgm:constr type="tMarg"/>
+              <dgm:constr type="bMarg"/>
+            </dgm:constrLst>
+            <dgm:ruleLst>
+              <dgm:rule type="w" val="NaN" fact="1" max="NaN"/>
+              <dgm:rule type="primFontSz" val="5" fact="NaN" max="NaN"/>
+            </dgm:ruleLst>
+          </dgm:layoutNode>
+        </dgm:layoutNode>
+      </dgm:forEach>
+      <dgm:forEach name="Name76" axis="ch" ptType="sibTrans" hideLastTrans="0" st="7" cnt="1">
+        <dgm:layoutNode name="picture_7">
+          <dgm:alg type="sp"/>
+          <dgm:shape xmlns:r="http://schemas.openxmlformats.org/officeDocument/2006/relationships" r:blip="">
+            <dgm:adjLst/>
+          </dgm:shape>
+          <dgm:presOf/>
+          <dgm:constrLst/>
+          <dgm:forEach name="Name77" ref="pictureRepeat"/>
+        </dgm:layoutNode>
+      </dgm:forEach>
+      <dgm:forEach name="Name78" axis="ch" ptType="node" st="7" cnt="1">
+        <dgm:layoutNode name="line_7" styleLbl="parChTrans1D1">
+          <dgm:alg type="sp"/>
+          <dgm:shape xmlns:r="http://schemas.openxmlformats.org/officeDocument/2006/relationships" type="line" r:blip="" zOrderOff="-100">
+            <dgm:adjLst/>
+          </dgm:shape>
+          <dgm:presOf/>
+        </dgm:layoutNode>
+        <dgm:layoutNode name="textparent_7">
+          <dgm:choose name="Name79">
+            <dgm:if name="Name80" func="var" arg="dir" op="equ" val="norm">
+              <dgm:alg type="lin">
+                <dgm:param type="horzAlign" val="l"/>
+              </dgm:alg>
+            </dgm:if>
+            <dgm:else name="Name81">
+              <dgm:alg type="lin">
+                <dgm:param type="horzAlign" val="r"/>
+              </dgm:alg>
+            </dgm:else>
+          </dgm:choose>
+          <dgm:shape xmlns:r="http://schemas.openxmlformats.org/officeDocument/2006/relationships" type="rect" r:blip="" hideGeom="1">
+            <dgm:adjLst/>
+          </dgm:shape>
+          <dgm:constrLst>
+            <dgm:constr type="userW" for="ch" forName="text_7" refType="w"/>
+            <dgm:constr type="h" for="ch" forName="text_7" refType="h"/>
+          </dgm:constrLst>
+          <dgm:presOf/>
+          <dgm:layoutNode name="text_7" styleLbl="revTx">
+            <dgm:varLst>
+              <dgm:bulletEnabled val="1"/>
+            </dgm:varLst>
+            <dgm:choose name="Name82">
+              <dgm:if name="Name83" func="var" arg="dir" op="equ" val="norm">
+                <dgm:alg type="tx">
+                  <dgm:param type="parTxLTRAlign" val="l"/>
+                  <dgm:param type="shpTxLTRAlignCh" val="l"/>
+                  <dgm:param type="parTxRTLAlign" val="r"/>
+                  <dgm:param type="shpTxRTLAlignCh" val="r"/>
+                </dgm:alg>
+              </dgm:if>
+              <dgm:else name="Name84">
+                <dgm:alg type="tx">
+                  <dgm:param type="parTxLTRAlign" val="r"/>
+                  <dgm:param type="shpTxLTRAlignCh" val="r"/>
+                  <dgm:param type="parTxRTLAlign" val="r"/>
+                  <dgm:param type="shpTxRTLAlignCh" val="r"/>
+                </dgm:alg>
+              </dgm:else>
+            </dgm:choose>
+            <dgm:shape xmlns:r="http://schemas.openxmlformats.org/officeDocument/2006/relationships" type="rect" r:blip="">
+              <dgm:adjLst/>
+            </dgm:shape>
+            <dgm:presOf axis="desOrSelf" ptType="node"/>
+            <dgm:constrLst>
+              <dgm:constr type="userW"/>
+              <dgm:constr type="w" refType="userW" fact="0.1"/>
+              <dgm:constr type="lMarg" refType="primFontSz" fact="0.3"/>
+              <dgm:constr type="rMarg" refType="primFontSz" fact="0.3"/>
+              <dgm:constr type="tMarg"/>
+              <dgm:constr type="bMarg"/>
+            </dgm:constrLst>
+            <dgm:ruleLst>
+              <dgm:rule type="w" val="NaN" fact="1" max="NaN"/>
+              <dgm:rule type="primFontSz" val="5" fact="NaN" max="NaN"/>
+            </dgm:ruleLst>
+          </dgm:layoutNode>
+        </dgm:layoutNode>
+      </dgm:forEach>
+    </dgm:layoutNode>
+  </dgm:layoutNode>
+</dgm:layoutDef>
+</file>
+
+<file path=ppt/diagrams/quickStyle1.xml><?xml version="1.0" encoding="utf-8"?>
+<dgm:styleDef xmlns:dgm="http://schemas.openxmlformats.org/drawingml/2006/diagram" xmlns:a="http://schemas.openxmlformats.org/drawingml/2006/main" uniqueId="urn:microsoft.com/office/officeart/2005/8/quickstyle/simple1">
+  <dgm:title val=""/>
+  <dgm:desc val=""/>
+  <dgm:catLst>
+    <dgm:cat type="simple" pri="10100"/>
+  </dgm:catLst>
+  <dgm:scene3d>
+    <a:camera prst="orthographicFront"/>
+    <a:lightRig rig="threePt" dir="t"/>
+  </dgm:scene3d>
+  <dgm:styleLbl name="node0">
+    <dgm:scene3d>
+      <a:camera prst="orthographicFront"/>
+      <a:lightRig rig="threePt" dir="t"/>
+    </dgm:scene3d>
+    <dgm:sp3d/>
+    <dgm:txPr/>
+    <dgm:style>
+      <a:lnRef idx="2">
+        <a:scrgbClr r="0" g="0" b="0"/>
+      </a:lnRef>
+      <a:fillRef idx="1">
+        <a:scrgbClr r="0" g="0" b="0"/>
+      </a:fillRef>
+      <a:effectRef idx="0">
+        <a:scrgbClr r="0" g="0" b="0"/>
+      </a:effectRef>
+      <a:fontRef idx="minor">
+        <a:schemeClr val="lt1"/>
+      </a:fontRef>
+    </dgm:style>
+  </dgm:styleLbl>
+  <dgm:styleLbl name="lnNode1">
+    <dgm:scene3d>
+      <a:camera prst="orthographicFront"/>
+      <a:lightRig rig="threePt" dir="t"/>
+    </dgm:scene3d>
+    <dgm:sp3d/>
+    <dgm:txPr/>
+    <dgm:style>
+      <a:lnRef idx="2">
+        <a:scrgbClr r="0" g="0" b="0"/>
+      </a:lnRef>
+      <a:fillRef idx="1">
+        <a:scrgbClr r="0" g="0" b="0"/>
+      </a:fillRef>
+      <a:effectRef idx="0">
+        <a:scrgbClr r="0" g="0" b="0"/>
+      </a:effectRef>
+      <a:fontRef idx="minor">
+        <a:schemeClr val="lt1"/>
+      </a:fontRef>
+    </dgm:style>
+  </dgm:styleLbl>
+  <dgm:styleLbl name="vennNode1">
+    <dgm:scene3d>
+      <a:camera prst="orthographicFront"/>
+      <a:lightRig rig="threePt" dir="t"/>
+    </dgm:scene3d>
+    <dgm:sp3d/>
+    <dgm:txPr/>
+    <dgm:style>
+      <a:lnRef idx="2">
+        <a:scrgbClr r="0" g="0" b="0"/>
+      </a:lnRef>
+      <a:fillRef idx="1">
+        <a:scrgbClr r="0" g="0" b="0"/>
+      </a:fillRef>
+      <a:effectRef idx="0">
+        <a:scrgbClr r="0" g="0" b="0"/>
+      </a:effectRef>
+      <a:fontRef idx="minor">
+        <a:schemeClr val="tx1"/>
+      </a:fontRef>
+    </dgm:style>
+  </dgm:styleLbl>
+  <dgm:styleLbl name="alignNode1">
+    <dgm:scene3d>
+      <a:camera prst="orthographicFront"/>
+      <a:lightRig rig="threePt" dir="t"/>
+    </dgm:scene3d>
+    <dgm:sp3d/>
+    <dgm:txPr/>
+    <dgm:style>
+      <a:lnRef idx="2">
+        <a:scrgbClr r="0" g="0" b="0"/>
+      </a:lnRef>
+      <a:fillRef idx="1">
+        <a:scrgbClr r="0" g="0" b="0"/>
+      </a:fillRef>
+      <a:effectRef idx="0">
+        <a:scrgbClr r="0" g="0" b="0"/>
+      </a:effectRef>
+      <a:fontRef idx="minor">
+        <a:schemeClr val="lt1"/>
+      </a:fontRef>
+    </dgm:style>
+  </dgm:styleLbl>
+  <dgm:styleLbl name="node1">
+    <dgm:scene3d>
+      <a:camera prst="orthographicFront"/>
+      <a:lightRig rig="threePt" dir="t"/>
+    </dgm:scene3d>
+    <dgm:sp3d/>
+    <dgm:txPr/>
+    <dgm:style>
+      <a:lnRef idx="2">
+        <a:scrgbClr r="0" g="0" b="0"/>
+      </a:lnRef>
+      <a:fillRef idx="1">
+        <a:scrgbClr r="0" g="0" b="0"/>
+      </a:fillRef>
+      <a:effectRef idx="0">
+        <a:scrgbClr r="0" g="0" b="0"/>
+      </a:effectRef>
+      <a:fontRef idx="minor">
+        <a:schemeClr val="lt1"/>
+      </a:fontRef>
+    </dgm:style>
+  </dgm:styleLbl>
+  <dgm:styleLbl name="node2">
+    <dgm:scene3d>
+      <a:camera prst="orthographicFront"/>
+      <a:lightRig rig="threePt" dir="t"/>
+    </dgm:scene3d>
+    <dgm:sp3d/>
+    <dgm:txPr/>
+    <dgm:style>
+      <a:lnRef idx="2">
+        <a:scrgbClr r="0" g="0" b="0"/>
+      </a:lnRef>
+      <a:fillRef idx="1">
+        <a:scrgbClr r="0" g="0" b="0"/>
+      </a:fillRef>
+      <a:effectRef idx="0">
+        <a:scrgbClr r="0" g="0" b="0"/>
+      </a:effectRef>
+      <a:fontRef idx="minor">
+        <a:schemeClr val="lt1"/>
+      </a:fontRef>
+    </dgm:style>
+  </dgm:styleLbl>
+  <dgm:styleLbl name="node3">
+    <dgm:scene3d>
+      <a:camera prst="orthographicFront"/>
+      <a:lightRig rig="threePt" dir="t"/>
+    </dgm:scene3d>
+    <dgm:sp3d/>
+    <dgm:txPr/>
+    <dgm:style>
+      <a:lnRef idx="2">
+        <a:scrgbClr r="0" g="0" b="0"/>
+      </a:lnRef>
+      <a:fillRef idx="1">
+        <a:scrgbClr r="0" g="0" b="0"/>
+      </a:fillRef>
+      <a:effectRef idx="0">
+        <a:scrgbClr r="0" g="0" b="0"/>
+      </a:effectRef>
+      <a:fontRef idx="minor">
+        <a:schemeClr val="lt1"/>
+      </a:fontRef>
+    </dgm:style>
+  </dgm:styleLbl>
+  <dgm:styleLbl name="node4">
+    <dgm:scene3d>
+      <a:camera prst="orthographicFront"/>
+      <a:lightRig rig="threePt" dir="t"/>
+    </dgm:scene3d>
+    <dgm:sp3d/>
+    <dgm:txPr/>
+    <dgm:style>
+      <a:lnRef idx="2">
+        <a:scrgbClr r="0" g="0" b="0"/>
+      </a:lnRef>
+      <a:fillRef idx="1">
+        <a:scrgbClr r="0" g="0" b="0"/>
+      </a:fillRef>
+      <a:effectRef idx="0">
+        <a:scrgbClr r="0" g="0" b="0"/>
+      </a:effectRef>
+      <a:fontRef idx="minor">
+        <a:schemeClr val="lt1"/>
+      </a:fontRef>
+    </dgm:style>
+  </dgm:styleLbl>
+  <dgm:styleLbl name="fgImgPlace1">
+    <dgm:scene3d>
+      <a:camera prst="orthographicFront"/>
+      <a:lightRig rig="threePt" dir="t"/>
+    </dgm:scene3d>
+    <dgm:sp3d/>
+    <dgm:txPr/>
+    <dgm:style>
+      <a:lnRef idx="2">
+        <a:scrgbClr r="0" g="0" b="0"/>
+      </a:lnRef>
+      <a:fillRef idx="1">
+        <a:scrgbClr r="0" g="0" b="0"/>
+      </a:fillRef>
+      <a:effectRef idx="0">
+        <a:scrgbClr r="0" g="0" b="0"/>
+      </a:effectRef>
+      <a:fontRef idx="minor"/>
+    </dgm:style>
+  </dgm:styleLbl>
+  <dgm:styleLbl name="alignImgPlace1">
+    <dgm:scene3d>
+      <a:camera prst="orthographicFront"/>
+      <a:lightRig rig="threePt" dir="t"/>
+    </dgm:scene3d>
+    <dgm:sp3d/>
+    <dgm:txPr/>
+    <dgm:style>
+      <a:lnRef idx="2">
+        <a:scrgbClr r="0" g="0" b="0"/>
+      </a:lnRef>
+      <a:fillRef idx="1">
+        <a:scrgbClr r="0" g="0" b="0"/>
+      </a:fillRef>
+      <a:effectRef idx="0">
+        <a:scrgbClr r="0" g="0" b="0"/>
+      </a:effectRef>
+      <a:fontRef idx="minor"/>
+    </dgm:style>
+  </dgm:styleLbl>
+  <dgm:styleLbl name="bgImgPlace1">
+    <dgm:scene3d>
+      <a:camera prst="orthographicFront"/>
+      <a:lightRig rig="threePt" dir="t"/>
+    </dgm:scene3d>
+    <dgm:sp3d/>
+    <dgm:txPr/>
+    <dgm:style>
+      <a:lnRef idx="2">
+        <a:scrgbClr r="0" g="0" b="0"/>
+      </a:lnRef>
+      <a:fillRef idx="1">
+        <a:scrgbClr r="0" g="0" b="0"/>
+      </a:fillRef>
+      <a:effectRef idx="0">
+        <a:scrgbClr r="0" g="0" b="0"/>
+      </a:effectRef>
+      <a:fontRef idx="minor"/>
+    </dgm:style>
+  </dgm:styleLbl>
+  <dgm:styleLbl name="sibTrans2D1">
+    <dgm:scene3d>
+      <a:camera prst="orthographicFront"/>
+      <a:lightRig rig="threePt" dir="t"/>
+    </dgm:scene3d>
+    <dgm:sp3d/>
+    <dgm:txPr/>
+    <dgm:style>
+      <a:lnRef idx="0">
+        <a:scrgbClr r="0" g="0" b="0"/>
+      </a:lnRef>
+      <a:fillRef idx="1">
+        <a:scrgbClr r="0" g="0" b="0"/>
+      </a:fillRef>
+      <a:effectRef idx="0">
+        <a:scrgbClr r="0" g="0" b="0"/>
+      </a:effectRef>
+      <a:fontRef idx="minor">
+        <a:schemeClr val="lt1"/>
+      </a:fontRef>
+    </dgm:style>
+  </dgm:styleLbl>
+  <dgm:styleLbl name="fgSibTrans2D1">
+    <dgm:scene3d>
+      <a:camera prst="orthographicFront"/>
+      <a:lightRig rig="threePt" dir="t"/>
+    </dgm:scene3d>
+    <dgm:sp3d/>
+    <dgm:txPr/>
+    <dgm:style>
+      <a:lnRef idx="0">
+        <a:scrgbClr r="0" g="0" b="0"/>
+      </a:lnRef>
+      <a:fillRef idx="1">
+        <a:scrgbClr r="0" g="0" b="0"/>
+      </a:fillRef>
+      <a:effectRef idx="0">
+        <a:scrgbClr r="0" g="0" b="0"/>
+      </a:effectRef>
+      <a:fontRef idx="minor">
+        <a:schemeClr val="lt1"/>
+      </a:fontRef>
+    </dgm:style>
+  </dgm:styleLbl>
+  <dgm:styleLbl name="bgSibTrans2D1">
+    <dgm:scene3d>
+      <a:camera prst="orthographicFront"/>
+      <a:lightRig rig="threePt" dir="t"/>
+    </dgm:scene3d>
+    <dgm:sp3d/>
+    <dgm:txPr/>
+    <dgm:style>
+      <a:lnRef idx="0">
+        <a:scrgbClr r="0" g="0" b="0"/>
+      </a:lnRef>
+      <a:fillRef idx="1">
+        <a:scrgbClr r="0" g="0" b="0"/>
+      </a:fillRef>
+      <a:effectRef idx="0">
+        <a:scrgbClr r="0" g="0" b="0"/>
+      </a:effectRef>
+      <a:fontRef idx="minor">
+        <a:schemeClr val="lt1"/>
+      </a:fontRef>
+    </dgm:style>
+  </dgm:styleLbl>
+  <dgm:styleLbl name="sibTrans1D1">
+    <dgm:scene3d>
+      <a:camera prst="orthographicFront"/>
+      <a:lightRig rig="threePt" dir="t"/>
+    </dgm:scene3d>
+    <dgm:sp3d/>
+    <dgm:txPr/>
+    <dgm:style>
+      <a:lnRef idx="1">
+        <a:scrgbClr r="0" g="0" b="0"/>
+      </a:lnRef>
+      <a:fillRef idx="0">
+        <a:scrgbClr r="0" g="0" b="0"/>
+      </a:fillRef>
+      <a:effectRef idx="0">
+        <a:scrgbClr r="0" g="0" b="0"/>
+      </a:effectRef>
+      <a:fontRef idx="minor"/>
+    </dgm:style>
+  </dgm:styleLbl>
+  <dgm:styleLbl name="callout">
+    <dgm:scene3d>
+      <a:camera prst="orthographicFront"/>
+      <a:lightRig rig="threePt" dir="t"/>
+    </dgm:scene3d>
+    <dgm:sp3d/>
+    <dgm:txPr/>
+    <dgm:style>
+      <a:lnRef idx="2">
+        <a:scrgbClr r="0" g="0" b="0"/>
+      </a:lnRef>
+      <a:fillRef idx="1">
+        <a:scrgbClr r="0" g="0" b="0"/>
+      </a:fillRef>
+      <a:effectRef idx="0">
+        <a:scrgbClr r="0" g="0" b="0"/>
+      </a:effectRef>
+      <a:fontRef idx="minor"/>
+    </dgm:style>
+  </dgm:styleLbl>
+  <dgm:styleLbl name="asst0">
+    <dgm:scene3d>
+      <a:camera prst="orthographicFront"/>
+      <a:lightRig rig="threePt" dir="t"/>
+    </dgm:scene3d>
+    <dgm:sp3d/>
+    <dgm:txPr/>
+    <dgm:style>
+      <a:lnRef idx="2">
+        <a:scrgbClr r="0" g="0" b="0"/>
+      </a:lnRef>
+      <a:fillRef idx="1">
+        <a:scrgbClr r="0" g="0" b="0"/>
+      </a:fillRef>
+      <a:effectRef idx="0">
+        <a:scrgbClr r="0" g="0" b="0"/>
+      </a:effectRef>
+      <a:fontRef idx="minor">
+        <a:schemeClr val="lt1"/>
+      </a:fontRef>
+    </dgm:style>
+  </dgm:styleLbl>
+  <dgm:styleLbl name="asst1">
+    <dgm:scene3d>
+      <a:camera prst="orthographicFront"/>
+      <a:lightRig rig="threePt" dir="t"/>
+    </dgm:scene3d>
+    <dgm:sp3d/>
+    <dgm:txPr/>
+    <dgm:style>
+      <a:lnRef idx="2">
+        <a:scrgbClr r="0" g="0" b="0"/>
+      </a:lnRef>
+      <a:fillRef idx="1">
+        <a:scrgbClr r="0" g="0" b="0"/>
+      </a:fillRef>
+      <a:effectRef idx="0">
+        <a:scrgbClr r="0" g="0" b="0"/>
+      </a:effectRef>
+      <a:fontRef idx="minor">
+        <a:schemeClr val="lt1"/>
+      </a:fontRef>
+    </dgm:style>
+  </dgm:styleLbl>
+  <dgm:styleLbl name="asst2">
+    <dgm:scene3d>
+      <a:camera prst="orthographicFront"/>
+      <a:lightRig rig="threePt" dir="t"/>
+    </dgm:scene3d>
+    <dgm:sp3d/>
+    <dgm:txPr/>
+    <dgm:style>
+      <a:lnRef idx="2">
+        <a:scrgbClr r="0" g="0" b="0"/>
+      </a:lnRef>
+      <a:fillRef idx="1">
+        <a:scrgbClr r="0" g="0" b="0"/>
+      </a:fillRef>
+      <a:effectRef idx="0">
+        <a:scrgbClr r="0" g="0" b="0"/>
+      </a:effectRef>
+      <a:fontRef idx="minor">
+        <a:schemeClr val="lt1"/>
+      </a:fontRef>
+    </dgm:style>
+  </dgm:styleLbl>
+  <dgm:styleLbl name="asst3">
+    <dgm:scene3d>
+      <a:camera prst="orthographicFront"/>
+      <a:lightRig rig="threePt" dir="t"/>
+    </dgm:scene3d>
+    <dgm:sp3d/>
+    <dgm:txPr/>
+    <dgm:style>
+      <a:lnRef idx="2">
+        <a:scrgbClr r="0" g="0" b="0"/>
+      </a:lnRef>
+      <a:fillRef idx="1">
+        <a:scrgbClr r="0" g="0" b="0"/>
+      </a:fillRef>
+      <a:effectRef idx="0">
+        <a:scrgbClr r="0" g="0" b="0"/>
+      </a:effectRef>
+      <a:fontRef idx="minor">
+        <a:schemeClr val="lt1"/>
+      </a:fontRef>
+    </dgm:style>
+  </dgm:styleLbl>
+  <dgm:styleLbl name="asst4">
+    <dgm:scene3d>
+      <a:camera prst="orthographicFront"/>
+      <a:lightRig rig="threePt" dir="t"/>
+    </dgm:scene3d>
+    <dgm:sp3d/>
+    <dgm:txPr/>
+    <dgm:style>
+      <a:lnRef idx="2">
+        <a:scrgbClr r="0" g="0" b="0"/>
+      </a:lnRef>
+      <a:fillRef idx="1">
+        <a:scrgbClr r="0" g="0" b="0"/>
+      </a:fillRef>
+      <a:effectRef idx="0">
+        <a:scrgbClr r="0" g="0" b="0"/>
+      </a:effectRef>
+      <a:fontRef idx="minor">
+        <a:schemeClr val="lt1"/>
+      </a:fontRef>
+    </dgm:style>
+  </dgm:styleLbl>
+  <dgm:styleLbl name="parChTrans2D1">
+    <dgm:scene3d>
+      <a:camera prst="orthographicFront"/>
+      <a:lightRig rig="threePt" dir="t"/>
+    </dgm:scene3d>
+    <dgm:sp3d/>
+    <dgm:txPr/>
+    <dgm:style>
+      <a:lnRef idx="2">
+        <a:scrgbClr r="0" g="0" b="0"/>
+      </a:lnRef>
+      <a:fillRef idx="1">
+        <a:scrgbClr r="0" g="0" b="0"/>
+      </a:fillRef>
+      <a:effectRef idx="0">
+        <a:scrgbClr r="0" g="0" b="0"/>
+      </a:effectRef>
+      <a:fontRef idx="minor">
+        <a:schemeClr val="lt1"/>
+      </a:fontRef>
+    </dgm:style>
+  </dgm:styleLbl>
+  <dgm:styleLbl name="parChTrans2D2">
+    <dgm:scene3d>
+      <a:camera prst="orthographicFront"/>
+      <a:lightRig rig="threePt" dir="t"/>
+    </dgm:scene3d>
+    <dgm:sp3d/>
+    <dgm:txPr/>
+    <dgm:style>
+      <a:lnRef idx="2">
+        <a:scrgbClr r="0" g="0" b="0"/>
+      </a:lnRef>
+      <a:fillRef idx="1">
+        <a:scrgbClr r="0" g="0" b="0"/>
+      </a:fillRef>
+      <a:effectRef idx="0">
+        <a:scrgbClr r="0" g="0" b="0"/>
+      </a:effectRef>
+      <a:fontRef idx="minor">
+        <a:schemeClr val="lt1"/>
+      </a:fontRef>
+    </dgm:style>
+  </dgm:styleLbl>
+  <dgm:styleLbl name="parChTrans2D3">
+    <dgm:scene3d>
+      <a:camera prst="orthographicFront"/>
+      <a:lightRig rig="threePt" dir="t"/>
+    </dgm:scene3d>
+    <dgm:sp3d/>
+    <dgm:txPr/>
+    <dgm:style>
+      <a:lnRef idx="2">
+        <a:scrgbClr r="0" g="0" b="0"/>
+      </a:lnRef>
+      <a:fillRef idx="1">
+        <a:scrgbClr r="0" g="0" b="0"/>
+      </a:fillRef>
+      <a:effectRef idx="0">
+        <a:scrgbClr r="0" g="0" b="0"/>
+      </a:effectRef>
+      <a:fontRef idx="minor">
+        <a:schemeClr val="lt1"/>
+      </a:fontRef>
+    </dgm:style>
+  </dgm:styleLbl>
+  <dgm:styleLbl name="parChTrans2D4">
+    <dgm:scene3d>
+      <a:camera prst="orthographicFront"/>
+      <a:lightRig rig="threePt" dir="t"/>
+    </dgm:scene3d>
+    <dgm:sp3d/>
+    <dgm:txPr/>
+    <dgm:style>
+      <a:lnRef idx="2">
+        <a:scrgbClr r="0" g="0" b="0"/>
+      </a:lnRef>
+      <a:fillRef idx="1">
+        <a:scrgbClr r="0" g="0" b="0"/>
+      </a:fillRef>
+      <a:effectRef idx="0">
+        <a:scrgbClr r="0" g="0" b="0"/>
+      </a:effectRef>
+      <a:fontRef idx="minor">
+        <a:schemeClr val="lt1"/>
+      </a:fontRef>
+    </dgm:style>
+  </dgm:styleLbl>
+  <dgm:styleLbl name="parChTrans1D1">
+    <dgm:scene3d>
+      <a:camera prst="orthographicFront"/>
+      <a:lightRig rig="threePt" dir="t"/>
+    </dgm:scene3d>
+    <dgm:sp3d/>
+    <dgm:txPr/>
+    <dgm:style>
+      <a:lnRef idx="2">
+        <a:scrgbClr r="0" g="0" b="0"/>
+      </a:lnRef>
+      <a:fillRef idx="0">
+        <a:scrgbClr r="0" g="0" b="0"/>
+      </a:fillRef>
+      <a:effectRef idx="0">
+        <a:scrgbClr r="0" g="0" b="0"/>
+      </a:effectRef>
+      <a:fontRef idx="minor"/>
+    </dgm:style>
+  </dgm:styleLbl>
+  <dgm:styleLbl name="parChTrans1D2">
+    <dgm:scene3d>
+      <a:camera prst="orthographicFront"/>
+      <a:lightRig rig="threePt" dir="t"/>
+    </dgm:scene3d>
+    <dgm:sp3d/>
+    <dgm:txPr/>
+    <dgm:style>
+      <a:lnRef idx="2">
+        <a:scrgbClr r="0" g="0" b="0"/>
+      </a:lnRef>
+      <a:fillRef idx="0">
+        <a:scrgbClr r="0" g="0" b="0"/>
+      </a:fillRef>
+      <a:effectRef idx="0">
+        <a:scrgbClr r="0" g="0" b="0"/>
+      </a:effectRef>
+      <a:fontRef idx="minor"/>
+    </dgm:style>
+  </dgm:styleLbl>
+  <dgm:styleLbl name="parChTrans1D3">
+    <dgm:scene3d>
+      <a:camera prst="orthographicFront"/>
+      <a:lightRig rig="threePt" dir="t"/>
+    </dgm:scene3d>
+    <dgm:sp3d/>
+    <dgm:txPr/>
+    <dgm:style>
+      <a:lnRef idx="2">
+        <a:scrgbClr r="0" g="0" b="0"/>
+      </a:lnRef>
+      <a:fillRef idx="0">
+        <a:scrgbClr r="0" g="0" b="0"/>
+      </a:fillRef>
+      <a:effectRef idx="0">
+        <a:scrgbClr r="0" g="0" b="0"/>
+      </a:effectRef>
+      <a:fontRef idx="minor"/>
+    </dgm:style>
+  </dgm:styleLbl>
+  <dgm:styleLbl name="parChTrans1D4">
+    <dgm:scene3d>
+      <a:camera prst="orthographicFront"/>
+      <a:lightRig rig="threePt" dir="t"/>
+    </dgm:scene3d>
+    <dgm:sp3d/>
+    <dgm:txPr/>
+    <dgm:style>
+      <a:lnRef idx="2">
+        <a:scrgbClr r="0" g="0" b="0"/>
+      </a:lnRef>
+      <a:fillRef idx="0">
+        <a:scrgbClr r="0" g="0" b="0"/>
+      </a:fillRef>
+      <a:effectRef idx="0">
+        <a:scrgbClr r="0" g="0" b="0"/>
+      </a:effectRef>
+      <a:fontRef idx="minor"/>
+    </dgm:style>
+  </dgm:styleLbl>
+  <dgm:styleLbl name="fgAcc1">
+    <dgm:scene3d>
+      <a:camera prst="orthographicFront"/>
+      <a:lightRig rig="threePt" dir="t"/>
+    </dgm:scene3d>
+    <dgm:sp3d/>
+    <dgm:txPr/>
+    <dgm:style>
+      <a:lnRef idx="2">
+        <a:scrgbClr r="0" g="0" b="0"/>
+      </a:lnRef>
+      <a:fillRef idx="1">
+        <a:scrgbClr r="0" g="0" b="0"/>
+      </a:fillRef>
+      <a:effectRef idx="0">
+        <a:scrgbClr r="0" g="0" b="0"/>
+      </a:effectRef>
+      <a:fontRef idx="minor"/>
+    </dgm:style>
+  </dgm:styleLbl>
+  <dgm:styleLbl name="conFgAcc1">
+    <dgm:scene3d>
+      <a:camera prst="orthographicFront"/>
+      <a:lightRig rig="threePt" dir="t"/>
+    </dgm:scene3d>
+    <dgm:sp3d/>
+    <dgm:txPr/>
+    <dgm:style>
+      <a:lnRef idx="2">
+        <a:scrgbClr r="0" g="0" b="0"/>
+      </a:lnRef>
+      <a:fillRef idx="1">
+        <a:scrgbClr r="0" g="0" b="0"/>
+      </a:fillRef>
+      <a:effectRef idx="0">
+        <a:scrgbClr r="0" g="0" b="0"/>
+      </a:effectRef>
+      <a:fontRef idx="minor"/>
+    </dgm:style>
+  </dgm:styleLbl>
+  <dgm:styleLbl name="alignAcc1">
+    <dgm:scene3d>
+      <a:camera prst="orthographicFront"/>
+      <a:lightRig rig="threePt" dir="t"/>
+    </dgm:scene3d>
+    <dgm:sp3d/>
+    <dgm:txPr/>
+    <dgm:style>
+      <a:lnRef idx="2">
+        <a:scrgbClr r="0" g="0" b="0"/>
+      </a:lnRef>
+      <a:fillRef idx="1">
+        <a:scrgbClr r="0" g="0" b="0"/>
+      </a:fillRef>
+      <a:effectRef idx="0">
+        <a:scrgbClr r="0" g="0" b="0"/>
+      </a:effectRef>
+      <a:fontRef idx="minor"/>
+    </dgm:style>
+  </dgm:styleLbl>
+  <dgm:styleLbl name="trAlignAcc1">
+    <dgm:scene3d>
+      <a:camera prst="orthographicFront"/>
+      <a:lightRig rig="threePt" dir="t"/>
+    </dgm:scene3d>
+    <dgm:sp3d/>
+    <dgm:txPr/>
+    <dgm:style>
+      <a:lnRef idx="1">
+        <a:scrgbClr r="0" g="0" b="0"/>
+      </a:lnRef>
+      <a:fillRef idx="1">
+        <a:scrgbClr r="0" g="0" b="0"/>
+      </a:fillRef>
+      <a:effectRef idx="0">
+        <a:scrgbClr r="0" g="0" b="0"/>
+      </a:effectRef>
+      <a:fontRef idx="minor"/>
+    </dgm:style>
+  </dgm:styleLbl>
+  <dgm:styleLbl name="bgAcc1">
+    <dgm:scene3d>
+      <a:camera prst="orthographicFront"/>
+      <a:lightRig rig="threePt" dir="t"/>
+    </dgm:scene3d>
+    <dgm:sp3d/>
+    <dgm:txPr/>
+    <dgm:style>
+      <a:lnRef idx="2">
+        <a:scrgbClr r="0" g="0" b="0"/>
+      </a:lnRef>
+      <a:fillRef idx="1">
+        <a:scrgbClr r="0" g="0" b="0"/>
+      </a:fillRef>
+      <a:effectRef idx="0">
+        <a:scrgbClr r="0" g="0" b="0"/>
+      </a:effectRef>
+      <a:fontRef idx="minor"/>
+    </dgm:style>
+  </dgm:styleLbl>
+  <dgm:styleLbl name="solidFgAcc1">
+    <dgm:scene3d>
+      <a:camera prst="orthographicFront"/>
+      <a:lightRig rig="threePt" dir="t"/>
+    </dgm:scene3d>
+    <dgm:sp3d/>
+    <dgm:txPr/>
+    <dgm:style>
+      <a:lnRef idx="2">
+        <a:scrgbClr r="0" g="0" b="0"/>
+      </a:lnRef>
+      <a:fillRef idx="1">
+        <a:scrgbClr r="0" g="0" b="0"/>
+      </a:fillRef>
+      <a:effectRef idx="0">
+        <a:scrgbClr r="0" g="0" b="0"/>
+      </a:effectRef>
+      <a:fontRef idx="minor"/>
+    </dgm:style>
+  </dgm:styleLbl>
+  <dgm:styleLbl name="solidAlignAcc1">
+    <dgm:scene3d>
+      <a:camera prst="orthographicFront"/>
+      <a:lightRig rig="threePt" dir="t"/>
+    </dgm:scene3d>
+    <dgm:sp3d/>
+    <dgm:txPr/>
+    <dgm:style>
+      <a:lnRef idx="2">
+        <a:scrgbClr r="0" g="0" b="0"/>
+      </a:lnRef>
+      <a:fillRef idx="1">
+        <a:scrgbClr r="0" g="0" b="0"/>
+      </a:fillRef>
+      <a:effectRef idx="0">
+        <a:scrgbClr r="0" g="0" b="0"/>
+      </a:effectRef>
+      <a:fontRef idx="minor"/>
+    </dgm:style>
+  </dgm:styleLbl>
+  <dgm:styleLbl name="solidBgAcc1">
+    <dgm:scene3d>
+      <a:camera prst="orthographicFront"/>
+      <a:lightRig rig="threePt" dir="t"/>
+    </dgm:scene3d>
+    <dgm:sp3d/>
+    <dgm:txPr/>
+    <dgm:style>
+      <a:lnRef idx="2">
+        <a:scrgbClr r="0" g="0" b="0"/>
+      </a:lnRef>
+      <a:fillRef idx="1">
+        <a:scrgbClr r="0" g="0" b="0"/>
+      </a:fillRef>
+      <a:effectRef idx="0">
+        <a:scrgbClr r="0" g="0" b="0"/>
+      </a:effectRef>
+      <a:fontRef idx="minor"/>
+    </dgm:style>
+  </dgm:styleLbl>
+  <dgm:styleLbl name="fgAccFollowNode1">
+    <dgm:scene3d>
+      <a:camera prst="orthographicFront"/>
+      <a:lightRig rig="threePt" dir="t"/>
+    </dgm:scene3d>
+    <dgm:sp3d/>
+    <dgm:txPr/>
+    <dgm:style>
+      <a:lnRef idx="2">
+        <a:scrgbClr r="0" g="0" b="0"/>
+      </a:lnRef>
+      <a:fillRef idx="1">
+        <a:scrgbClr r="0" g="0" b="0"/>
+      </a:fillRef>
+      <a:effectRef idx="0">
+        <a:scrgbClr r="0" g="0" b="0"/>
+      </a:effectRef>
+      <a:fontRef idx="minor"/>
+    </dgm:style>
+  </dgm:styleLbl>
+  <dgm:styleLbl name="alignAccFollowNode1">
+    <dgm:scene3d>
+      <a:camera prst="orthographicFront"/>
+      <a:lightRig rig="threePt" dir="t"/>
+    </dgm:scene3d>
+    <dgm:sp3d/>
+    <dgm:txPr/>
+    <dgm:style>
+      <a:lnRef idx="2">
+        <a:scrgbClr r="0" g="0" b="0"/>
+      </a:lnRef>
+      <a:fillRef idx="1">
+        <a:scrgbClr r="0" g="0" b="0"/>
+      </a:fillRef>
+      <a:effectRef idx="0">
+        <a:scrgbClr r="0" g="0" b="0"/>
+      </a:effectRef>
+      <a:fontRef idx="minor"/>
+    </dgm:style>
+  </dgm:styleLbl>
+  <dgm:styleLbl name="bgAccFollowNode1">
+    <dgm:scene3d>
+      <a:camera prst="orthographicFront"/>
+      <a:lightRig rig="threePt" dir="t"/>
+    </dgm:scene3d>
+    <dgm:sp3d/>
+    <dgm:txPr/>
+    <dgm:style>
+      <a:lnRef idx="2">
+        <a:scrgbClr r="0" g="0" b="0"/>
+      </a:lnRef>
+      <a:fillRef idx="1">
+        <a:scrgbClr r="0" g="0" b="0"/>
+      </a:fillRef>
+      <a:effectRef idx="0">
+        <a:scrgbClr r="0" g="0" b="0"/>
+      </a:effectRef>
+      <a:fontRef idx="minor"/>
+    </dgm:style>
+  </dgm:styleLbl>
+  <dgm:styleLbl name="fgAcc0">
+    <dgm:scene3d>
+      <a:camera prst="orthographicFront"/>
+      <a:lightRig rig="threePt" dir="t"/>
+    </dgm:scene3d>
+    <dgm:sp3d/>
+    <dgm:txPr/>
+    <dgm:style>
+      <a:lnRef idx="2">
+        <a:scrgbClr r="0" g="0" b="0"/>
+      </a:lnRef>
+      <a:fillRef idx="1">
+        <a:scrgbClr r="0" g="0" b="0"/>
+      </a:fillRef>
+      <a:effectRef idx="0">
+        <a:scrgbClr r="0" g="0" b="0"/>
+      </a:effectRef>
+      <a:fontRef idx="minor"/>
+    </dgm:style>
+  </dgm:styleLbl>
+  <dgm:styleLbl name="fgAcc2">
+    <dgm:scene3d>
+      <a:camera prst="orthographicFront"/>
+      <a:lightRig rig="threePt" dir="t"/>
+    </dgm:scene3d>
+    <dgm:sp3d/>
+    <dgm:txPr/>
+    <dgm:style>
+      <a:lnRef idx="2">
+        <a:scrgbClr r="0" g="0" b="0"/>
+      </a:lnRef>
+      <a:fillRef idx="1">
+        <a:scrgbClr r="0" g="0" b="0"/>
+      </a:fillRef>
+      <a:effectRef idx="0">
+        <a:scrgbClr r="0" g="0" b="0"/>
+      </a:effectRef>
+      <a:fontRef idx="minor"/>
+    </dgm:style>
+  </dgm:styleLbl>
+  <dgm:styleLbl name="fgAcc3">
+    <dgm:scene3d>
+      <a:camera prst="orthographicFront"/>
+      <a:lightRig rig="threePt" dir="t"/>
+    </dgm:scene3d>
+    <dgm:sp3d/>
+    <dgm:txPr/>
+    <dgm:style>
+      <a:lnRef idx="2">
+        <a:scrgbClr r="0" g="0" b="0"/>
+      </a:lnRef>
+      <a:fillRef idx="1">
+        <a:scrgbClr r="0" g="0" b="0"/>
+      </a:fillRef>
+      <a:effectRef idx="0">
+        <a:scrgbClr r="0" g="0" b="0"/>
+      </a:effectRef>
+      <a:fontRef idx="minor"/>
+    </dgm:style>
+  </dgm:styleLbl>
+  <dgm:styleLbl name="fgAcc4">
+    <dgm:scene3d>
+      <a:camera prst="orthographicFront"/>
+      <a:lightRig rig="threePt" dir="t"/>
+    </dgm:scene3d>
+    <dgm:sp3d/>
+    <dgm:txPr/>
+    <dgm:style>
+      <a:lnRef idx="2">
+        <a:scrgbClr r="0" g="0" b="0"/>
+      </a:lnRef>
+      <a:fillRef idx="1">
+        <a:scrgbClr r="0" g="0" b="0"/>
+      </a:fillRef>
+      <a:effectRef idx="0">
+        <a:scrgbClr r="0" g="0" b="0"/>
+      </a:effectRef>
+      <a:fontRef idx="minor"/>
+    </dgm:style>
+  </dgm:styleLbl>
+  <dgm:styleLbl name="bgShp">
+    <dgm:scene3d>
+      <a:camera prst="orthographicFront"/>
+      <a:lightRig rig="threePt" dir="t"/>
+    </dgm:scene3d>
+    <dgm:sp3d/>
+    <dgm:txPr/>
+    <dgm:style>
+      <a:lnRef idx="0">
+        <a:scrgbClr r="0" g="0" b="0"/>
+      </a:lnRef>
+      <a:fillRef idx="1">
+        <a:scrgbClr r="0" g="0" b="0"/>
+      </a:fillRef>
+      <a:effectRef idx="0">
+        <a:scrgbClr r="0" g="0" b="0"/>
+      </a:effectRef>
+      <a:fontRef idx="minor"/>
+    </dgm:style>
+  </dgm:styleLbl>
+  <dgm:styleLbl name="dkBgShp">
+    <dgm:scene3d>
+      <a:camera prst="orthographicFront"/>
+      <a:lightRig rig="threePt" dir="t"/>
+    </dgm:scene3d>
+    <dgm:sp3d/>
+    <dgm:txPr/>
+    <dgm:style>
+      <a:lnRef idx="0">
+        <a:scrgbClr r="0" g="0" b="0"/>
+      </a:lnRef>
+      <a:fillRef idx="1">
+        <a:scrgbClr r="0" g="0" b="0"/>
+      </a:fillRef>
+      <a:effectRef idx="0">
+        <a:scrgbClr r="0" g="0" b="0"/>
+      </a:effectRef>
+      <a:fontRef idx="minor"/>
+    </dgm:style>
+  </dgm:styleLbl>
+  <dgm:styleLbl name="trBgShp">
+    <dgm:scene3d>
+      <a:camera prst="orthographicFront"/>
+      <a:lightRig rig="threePt" dir="t"/>
+    </dgm:scene3d>
+    <dgm:sp3d/>
+    <dgm:txPr/>
+    <dgm:style>
+      <a:lnRef idx="0">
+        <a:scrgbClr r="0" g="0" b="0"/>
+      </a:lnRef>
+      <a:fillRef idx="1">
+        <a:scrgbClr r="0" g="0" b="0"/>
+      </a:fillRef>
+      <a:effectRef idx="0">
+        <a:scrgbClr r="0" g="0" b="0"/>
+      </a:effectRef>
+      <a:fontRef idx="minor"/>
+    </dgm:style>
+  </dgm:styleLbl>
+  <dgm:styleLbl name="fgShp">
+    <dgm:scene3d>
+      <a:camera prst="orthographicFront"/>
+      <a:lightRig rig="threePt" dir="t"/>
+    </dgm:scene3d>
+    <dgm:sp3d/>
+    <dgm:txPr/>
+    <dgm:style>
+      <a:lnRef idx="2">
+        <a:scrgbClr r="0" g="0" b="0"/>
+      </a:lnRef>
+      <a:fillRef idx="1">
+        <a:scrgbClr r="0" g="0" b="0"/>
+      </a:fillRef>
+      <a:effectRef idx="0">
+        <a:scrgbClr r="0" g="0" b="0"/>
+      </a:effectRef>
+      <a:fontRef idx="minor"/>
+    </dgm:style>
+  </dgm:styleLbl>
+  <dgm:styleLbl name="revTx">
+    <dgm:scene3d>
+      <a:camera prst="orthographicFront"/>
+      <a:lightRig rig="threePt" dir="t"/>
+    </dgm:scene3d>
+    <dgm:sp3d/>
+    <dgm:txPr/>
+    <dgm:style>
+      <a:lnRef idx="0">
+        <a:scrgbClr r="0" g="0" b="0"/>
+      </a:lnRef>
+      <a:fillRef idx="0">
+        <a:scrgbClr r="0" g="0" b="0"/>
+      </a:fillRef>
+      <a:effectRef idx="0">
+        <a:scrgbClr r="0" g="0" b="0"/>
+      </a:effectRef>
+      <a:fontRef idx="minor"/>
+    </dgm:style>
+  </dgm:styleLbl>
+</dgm:styleDef>
+</file>
+
 <file path=ppt/handoutMasters/handoutMaster1.xml><?xml version="1.0" encoding="utf-8"?>
 <p:handoutMaster xmlns:a="http://schemas.openxmlformats.org/drawingml/2006/main" xmlns:r="http://schemas.openxmlformats.org/officeDocument/2006/relationships" xmlns:p="http://schemas.openxmlformats.org/presentationml/2006/main">
   <p:cSld>
@@ -219,7 +3682,7 @@
           <a:p>
             <a:fld id="{A9568A8C-5078-453D-A2BA-21B70F012FAE}" type="datetimeFigureOut">
               <a:rPr lang="es-MX" smtClean="0"/>
-              <a:t>05/02/2019</a:t>
+              <a:t>12/05/2020</a:t>
             </a:fld>
             <a:endParaRPr lang="es-MX"/>
           </a:p>
@@ -396,7 +3859,7 @@
           <a:p>
             <a:fld id="{43ABFB70-1CBC-4CCC-AA6A-FF6B025EEFC0}" type="datetimeFigureOut">
               <a:rPr lang="es-MX" smtClean="0"/>
-              <a:t>05/02/2019</a:t>
+              <a:t>12/05/2020</a:t>
             </a:fld>
             <a:endParaRPr lang="es-MX"/>
           </a:p>
@@ -1485,7 +4948,7 @@
           <a:p>
             <a:fld id="{E3C5DF8C-EA6C-4135-8636-DF6579452800}" type="datetime1">
               <a:rPr lang="es-MX" smtClean="0"/>
-              <a:t>05/02/2019</a:t>
+              <a:t>12/05/2020</a:t>
             </a:fld>
             <a:endParaRPr lang="es-MX"/>
           </a:p>
@@ -1685,7 +5148,7 @@
           <a:p>
             <a:fld id="{078AA330-093E-4A64-84B6-CA589C3B85B5}" type="datetime1">
               <a:rPr lang="es-MX" smtClean="0"/>
-              <a:t>05/02/2019</a:t>
+              <a:t>12/05/2020</a:t>
             </a:fld>
             <a:endParaRPr lang="es-MX"/>
           </a:p>
@@ -1895,7 +5358,7 @@
           <a:p>
             <a:fld id="{B0699084-EAA4-4474-B20D-5AE88F0657A5}" type="datetime1">
               <a:rPr lang="es-MX" smtClean="0"/>
-              <a:t>05/02/2019</a:t>
+              <a:t>12/05/2020</a:t>
             </a:fld>
             <a:endParaRPr lang="es-MX"/>
           </a:p>
@@ -2095,7 +5558,7 @@
           <a:p>
             <a:fld id="{07AE10F1-15BD-4539-B1BF-D0147C10D5E8}" type="datetime1">
               <a:rPr lang="es-MX" smtClean="0"/>
-              <a:t>05/02/2019</a:t>
+              <a:t>12/05/2020</a:t>
             </a:fld>
             <a:endParaRPr lang="es-MX"/>
           </a:p>
@@ -2371,7 +5834,7 @@
           <a:p>
             <a:fld id="{72BAC10F-92FB-4E4A-B410-1D1DB0C26AD0}" type="datetime1">
               <a:rPr lang="es-MX" smtClean="0"/>
-              <a:t>05/02/2019</a:t>
+              <a:t>12/05/2020</a:t>
             </a:fld>
             <a:endParaRPr lang="es-MX"/>
           </a:p>
@@ -2639,7 +6102,7 @@
           <a:p>
             <a:fld id="{648B52CC-FE6F-4507-AFEB-67DE034BD2D9}" type="datetime1">
               <a:rPr lang="es-MX" smtClean="0"/>
-              <a:t>05/02/2019</a:t>
+              <a:t>12/05/2020</a:t>
             </a:fld>
             <a:endParaRPr lang="es-MX"/>
           </a:p>
@@ -3054,7 +6517,7 @@
           <a:p>
             <a:fld id="{6273F187-1517-4970-AD1B-2CFF7FB9C47B}" type="datetime1">
               <a:rPr lang="es-MX" smtClean="0"/>
-              <a:t>05/02/2019</a:t>
+              <a:t>12/05/2020</a:t>
             </a:fld>
             <a:endParaRPr lang="es-MX"/>
           </a:p>
@@ -3196,7 +6659,7 @@
           <a:p>
             <a:fld id="{6E5137A5-A7B0-4F43-A0E5-2A75310D18C7}" type="datetime1">
               <a:rPr lang="es-MX" smtClean="0"/>
-              <a:t>05/02/2019</a:t>
+              <a:t>12/05/2020</a:t>
             </a:fld>
             <a:endParaRPr lang="es-MX"/>
           </a:p>
@@ -3309,7 +6772,7 @@
           <a:p>
             <a:fld id="{C2954AA3-D3C8-4DF5-81AC-7136ED9BF505}" type="datetime1">
               <a:rPr lang="es-MX" smtClean="0"/>
-              <a:t>05/02/2019</a:t>
+              <a:t>12/05/2020</a:t>
             </a:fld>
             <a:endParaRPr lang="es-MX"/>
           </a:p>
@@ -3622,7 +7085,7 @@
           <a:p>
             <a:fld id="{84E5DD29-EF64-4F27-B071-AEC57630620F}" type="datetime1">
               <a:rPr lang="es-MX" smtClean="0"/>
-              <a:t>05/02/2019</a:t>
+              <a:t>12/05/2020</a:t>
             </a:fld>
             <a:endParaRPr lang="es-MX"/>
           </a:p>
@@ -3911,7 +7374,7 @@
           <a:p>
             <a:fld id="{2133846C-CF58-4330-89F4-9F5013D2B881}" type="datetime1">
               <a:rPr lang="es-MX" smtClean="0"/>
-              <a:t>05/02/2019</a:t>
+              <a:t>12/05/2020</a:t>
             </a:fld>
             <a:endParaRPr lang="es-MX"/>
           </a:p>
@@ -4163,7 +7626,7 @@
           <a:p>
             <a:fld id="{1C56CC49-1072-4973-9F81-18A2E915E0E6}" type="datetime1">
               <a:rPr lang="es-MX" smtClean="0"/>
-              <a:t>05/02/2019</a:t>
+              <a:t>12/05/2020</a:t>
             </a:fld>
             <a:endParaRPr lang="es-MX"/>
           </a:p>
@@ -7983,7 +11446,7 @@
               <a:rPr lang="es-MX" dirty="0">
                 <a:latin typeface="Berlin Sans FB" pitchFamily="34" charset="0"/>
               </a:rPr>
-              <a:t>Se cumplieron todos los alcances, excepto la facturación y control de mobiliario de laboratorio clínico. Ver Anexo 1.</a:t>
+              <a:t>Se cumplieron todos los alcances control de mobiliario de laboratorio clínico. Ver Anexo 1.</a:t>
             </a:r>
             <a:endParaRPr lang="es-SV" dirty="0">
               <a:latin typeface="Berlin Sans FB" pitchFamily="34" charset="0"/>
@@ -8405,7 +11868,7 @@
         </p:nvGrpSpPr>
         <p:grpSpPr>
           <a:xfrm>
-            <a:off x="7364850" y="2047257"/>
+            <a:off x="7427480" y="2047257"/>
             <a:ext cx="1412866" cy="1412866"/>
             <a:chOff x="4676146" y="1876673"/>
             <a:chExt cx="2068470" cy="2068470"/>
@@ -8793,7 +12256,7 @@
         </p:nvGrpSpPr>
         <p:grpSpPr>
           <a:xfrm>
-            <a:off x="8556780" y="3825454"/>
+            <a:off x="6382953" y="3876504"/>
             <a:ext cx="1412866" cy="1412866"/>
             <a:chOff x="8190411" y="3167014"/>
             <a:chExt cx="1561740" cy="1561740"/>
@@ -8920,7 +12383,7 @@
         </p:nvGrpSpPr>
         <p:grpSpPr>
           <a:xfrm>
-            <a:off x="2271906" y="3825455"/>
+            <a:off x="2222354" y="3773927"/>
             <a:ext cx="1412866" cy="1412866"/>
             <a:chOff x="4075610" y="4441560"/>
             <a:chExt cx="1567543" cy="1567543"/>
@@ -9073,7 +12536,7 @@
         </p:blipFill>
         <p:spPr bwMode="auto">
           <a:xfrm>
-            <a:off x="5201907" y="3707716"/>
+            <a:off x="4099617" y="3656187"/>
             <a:ext cx="1648344" cy="1648344"/>
           </a:xfrm>
           <a:prstGeom prst="rect">
@@ -9098,6 +12561,34 @@
           </a:extLst>
         </p:spPr>
       </p:pic>
+      <p:graphicFrame>
+        <p:nvGraphicFramePr>
+          <p:cNvPr id="3" name="Diagrama 2">
+            <a:extLst>
+              <a:ext uri="{FF2B5EF4-FFF2-40B4-BE49-F238E27FC236}">
+                <a16:creationId xmlns:a16="http://schemas.microsoft.com/office/drawing/2014/main" id="{BB8F28E8-3EB7-40D5-8308-F1FAB6AD5295}"/>
+              </a:ext>
+            </a:extLst>
+          </p:cNvPr>
+          <p:cNvGraphicFramePr/>
+          <p:nvPr>
+            <p:extLst>
+              <p:ext uri="{D42A27DB-BD31-4B8C-83A1-F6EECF244321}">
+                <p14:modId xmlns:p14="http://schemas.microsoft.com/office/powerpoint/2010/main" val="3457996344"/>
+              </p:ext>
+            </p:extLst>
+          </p:nvPr>
+        </p:nvGraphicFramePr>
+        <p:xfrm>
+          <a:off x="7870516" y="3611473"/>
+          <a:ext cx="2713977" cy="1648344"/>
+        </p:xfrm>
+        <a:graphic>
+          <a:graphicData uri="http://schemas.openxmlformats.org/drawingml/2006/diagram">
+            <dgm:relIds xmlns:dgm="http://schemas.openxmlformats.org/drawingml/2006/diagram" xmlns:r="http://schemas.openxmlformats.org/officeDocument/2006/relationships" r:dm="rId12" r:lo="rId13" r:qs="rId14" r:cs="rId15"/>
+          </a:graphicData>
+        </a:graphic>
+      </p:graphicFrame>
     </p:spTree>
     <p:extLst>
       <p:ext uri="{BB962C8B-B14F-4D97-AF65-F5344CB8AC3E}">

--- a/Documentos/Presentaciones/Anteproyecto 18.pptx
+++ b/Documentos/Presentaciones/Anteproyecto 18.pptx
@@ -968,6 +968,13 @@
     <dgm:pt modelId="{9456CF55-7020-46D2-86A8-6B532C001B74}" type="pres">
       <dgm:prSet presAssocID="{8EB53633-DEB8-432B-B455-B0B357D5DEC9}" presName="pictureRepeatNode" presStyleLbl="alignImgPlace1" presStyleIdx="0" presStyleCnt="1" custScaleX="104445" custScaleY="106575" custLinFactNeighborX="-818" custLinFactNeighborY="4524"/>
       <dgm:spPr/>
+      <dgm:t>
+        <a:bodyPr/>
+        <a:lstStyle/>
+        <a:p>
+          <a:endParaRPr lang="es-ES"/>
+        </a:p>
+      </dgm:t>
     </dgm:pt>
     <dgm:pt modelId="{6EEF4B0E-7253-49AB-84B2-740AC1765410}" type="pres">
       <dgm:prSet presAssocID="{5B97A30F-B7B6-487D-B88C-49C661669F41}" presName="text_1" presStyleLbl="node1" presStyleIdx="0" presStyleCnt="0">
@@ -976,13 +983,20 @@
         </dgm:presLayoutVars>
       </dgm:prSet>
       <dgm:spPr/>
+      <dgm:t>
+        <a:bodyPr/>
+        <a:lstStyle/>
+        <a:p>
+          <a:endParaRPr lang="es-ES"/>
+        </a:p>
+      </dgm:t>
     </dgm:pt>
   </dgm:ptLst>
   <dgm:cxnLst>
-    <dgm:cxn modelId="{FF10C31F-773A-4FD8-898C-D885215B73F6}" srcId="{A482EFC8-6CAD-4D15-A66E-4659C71089B7}" destId="{5B97A30F-B7B6-487D-B88C-49C661669F41}" srcOrd="0" destOrd="0" parTransId="{E8A9DBF6-9915-4274-979C-276A45240B0A}" sibTransId="{8EB53633-DEB8-432B-B455-B0B357D5DEC9}"/>
+    <dgm:cxn modelId="{D88E5B75-F707-457B-B2FB-234FEA67838C}" type="presOf" srcId="{5B97A30F-B7B6-487D-B88C-49C661669F41}" destId="{6EEF4B0E-7253-49AB-84B2-740AC1765410}" srcOrd="0" destOrd="0" presId="urn:microsoft.com/office/officeart/2008/layout/CircularPictureCallout"/>
     <dgm:cxn modelId="{6E50A838-518F-4105-AE47-FA98942FCE46}" type="presOf" srcId="{8EB53633-DEB8-432B-B455-B0B357D5DEC9}" destId="{9456CF55-7020-46D2-86A8-6B532C001B74}" srcOrd="0" destOrd="0" presId="urn:microsoft.com/office/officeart/2008/layout/CircularPictureCallout"/>
     <dgm:cxn modelId="{36AD366E-23A1-4988-833F-9932ED17FCC9}" type="presOf" srcId="{A482EFC8-6CAD-4D15-A66E-4659C71089B7}" destId="{676D9D90-EAD5-4E13-B93D-A5E97BB69165}" srcOrd="0" destOrd="0" presId="urn:microsoft.com/office/officeart/2008/layout/CircularPictureCallout"/>
-    <dgm:cxn modelId="{D88E5B75-F707-457B-B2FB-234FEA67838C}" type="presOf" srcId="{5B97A30F-B7B6-487D-B88C-49C661669F41}" destId="{6EEF4B0E-7253-49AB-84B2-740AC1765410}" srcOrd="0" destOrd="0" presId="urn:microsoft.com/office/officeart/2008/layout/CircularPictureCallout"/>
+    <dgm:cxn modelId="{FF10C31F-773A-4FD8-898C-D885215B73F6}" srcId="{A482EFC8-6CAD-4D15-A66E-4659C71089B7}" destId="{5B97A30F-B7B6-487D-B88C-49C661669F41}" srcOrd="0" destOrd="0" parTransId="{E8A9DBF6-9915-4274-979C-276A45240B0A}" sibTransId="{8EB53633-DEB8-432B-B455-B0B357D5DEC9}"/>
     <dgm:cxn modelId="{E3304A03-1322-414C-A685-822DE31B7D13}" type="presParOf" srcId="{676D9D90-EAD5-4E13-B93D-A5E97BB69165}" destId="{3F8D0E0B-9372-441D-9411-0D76E7B43CDC}" srcOrd="0" destOrd="0" presId="urn:microsoft.com/office/officeart/2008/layout/CircularPictureCallout"/>
     <dgm:cxn modelId="{A8A89564-F281-4FB0-85B8-9EACE2DBFD24}" type="presParOf" srcId="{3F8D0E0B-9372-441D-9411-0D76E7B43CDC}" destId="{D79DB301-B570-4A11-A10C-A59C60F5C8F8}" srcOrd="0" destOrd="0" presId="urn:microsoft.com/office/officeart/2008/layout/CircularPictureCallout"/>
     <dgm:cxn modelId="{B6699659-56F6-47E7-A83E-675336C2FA8C}" type="presParOf" srcId="{D79DB301-B570-4A11-A10C-A59C60F5C8F8}" destId="{9456CF55-7020-46D2-86A8-6B532C001B74}" srcOrd="0" destOrd="0" presId="urn:microsoft.com/office/officeart/2008/layout/CircularPictureCallout"/>
@@ -1107,7 +1121,7 @@
         </a:bodyPr>
         <a:lstStyle/>
         <a:p>
-          <a:pPr marL="0" lvl="0" indent="0" algn="ctr" defTabSz="577850">
+          <a:pPr lvl="0" algn="ctr" defTabSz="577850">
             <a:lnSpc>
               <a:spcPct val="90000"/>
             </a:lnSpc>
@@ -1117,12 +1131,11 @@
             <a:spcAft>
               <a:spcPct val="35000"/>
             </a:spcAft>
-            <a:buNone/>
           </a:pPr>
           <a:endParaRPr lang="es-MX" sz="1300" kern="1200" dirty="0"/>
         </a:p>
         <a:p>
-          <a:pPr marL="0" lvl="0" indent="0" algn="ctr" defTabSz="577850">
+          <a:pPr lvl="0" algn="ctr" defTabSz="577850">
             <a:lnSpc>
               <a:spcPct val="90000"/>
             </a:lnSpc>
@@ -1132,7 +1145,6 @@
             <a:spcAft>
               <a:spcPct val="35000"/>
             </a:spcAft>
-            <a:buNone/>
           </a:pPr>
           <a:endParaRPr lang="es-MX" sz="1300" kern="1200" dirty="0"/>
         </a:p>
@@ -3682,7 +3694,7 @@
           <a:p>
             <a:fld id="{A9568A8C-5078-453D-A2BA-21B70F012FAE}" type="datetimeFigureOut">
               <a:rPr lang="es-MX" smtClean="0"/>
-              <a:t>12/05/2020</a:t>
+              <a:t>13/05/2020</a:t>
             </a:fld>
             <a:endParaRPr lang="es-MX"/>
           </a:p>
@@ -3859,7 +3871,7 @@
           <a:p>
             <a:fld id="{43ABFB70-1CBC-4CCC-AA6A-FF6B025EEFC0}" type="datetimeFigureOut">
               <a:rPr lang="es-MX" smtClean="0"/>
-              <a:t>12/05/2020</a:t>
+              <a:t>13/05/2020</a:t>
             </a:fld>
             <a:endParaRPr lang="es-MX"/>
           </a:p>
@@ -4948,7 +4960,7 @@
           <a:p>
             <a:fld id="{E3C5DF8C-EA6C-4135-8636-DF6579452800}" type="datetime1">
               <a:rPr lang="es-MX" smtClean="0"/>
-              <a:t>12/05/2020</a:t>
+              <a:t>13/05/2020</a:t>
             </a:fld>
             <a:endParaRPr lang="es-MX"/>
           </a:p>
@@ -5148,7 +5160,7 @@
           <a:p>
             <a:fld id="{078AA330-093E-4A64-84B6-CA589C3B85B5}" type="datetime1">
               <a:rPr lang="es-MX" smtClean="0"/>
-              <a:t>12/05/2020</a:t>
+              <a:t>13/05/2020</a:t>
             </a:fld>
             <a:endParaRPr lang="es-MX"/>
           </a:p>
@@ -5358,7 +5370,7 @@
           <a:p>
             <a:fld id="{B0699084-EAA4-4474-B20D-5AE88F0657A5}" type="datetime1">
               <a:rPr lang="es-MX" smtClean="0"/>
-              <a:t>12/05/2020</a:t>
+              <a:t>13/05/2020</a:t>
             </a:fld>
             <a:endParaRPr lang="es-MX"/>
           </a:p>
@@ -5558,7 +5570,7 @@
           <a:p>
             <a:fld id="{07AE10F1-15BD-4539-B1BF-D0147C10D5E8}" type="datetime1">
               <a:rPr lang="es-MX" smtClean="0"/>
-              <a:t>12/05/2020</a:t>
+              <a:t>13/05/2020</a:t>
             </a:fld>
             <a:endParaRPr lang="es-MX"/>
           </a:p>
@@ -5834,7 +5846,7 @@
           <a:p>
             <a:fld id="{72BAC10F-92FB-4E4A-B410-1D1DB0C26AD0}" type="datetime1">
               <a:rPr lang="es-MX" smtClean="0"/>
-              <a:t>12/05/2020</a:t>
+              <a:t>13/05/2020</a:t>
             </a:fld>
             <a:endParaRPr lang="es-MX"/>
           </a:p>
@@ -6102,7 +6114,7 @@
           <a:p>
             <a:fld id="{648B52CC-FE6F-4507-AFEB-67DE034BD2D9}" type="datetime1">
               <a:rPr lang="es-MX" smtClean="0"/>
-              <a:t>12/05/2020</a:t>
+              <a:t>13/05/2020</a:t>
             </a:fld>
             <a:endParaRPr lang="es-MX"/>
           </a:p>
@@ -6517,7 +6529,7 @@
           <a:p>
             <a:fld id="{6273F187-1517-4970-AD1B-2CFF7FB9C47B}" type="datetime1">
               <a:rPr lang="es-MX" smtClean="0"/>
-              <a:t>12/05/2020</a:t>
+              <a:t>13/05/2020</a:t>
             </a:fld>
             <a:endParaRPr lang="es-MX"/>
           </a:p>
@@ -6659,7 +6671,7 @@
           <a:p>
             <a:fld id="{6E5137A5-A7B0-4F43-A0E5-2A75310D18C7}" type="datetime1">
               <a:rPr lang="es-MX" smtClean="0"/>
-              <a:t>12/05/2020</a:t>
+              <a:t>13/05/2020</a:t>
             </a:fld>
             <a:endParaRPr lang="es-MX"/>
           </a:p>
@@ -6772,7 +6784,7 @@
           <a:p>
             <a:fld id="{C2954AA3-D3C8-4DF5-81AC-7136ED9BF505}" type="datetime1">
               <a:rPr lang="es-MX" smtClean="0"/>
-              <a:t>12/05/2020</a:t>
+              <a:t>13/05/2020</a:t>
             </a:fld>
             <a:endParaRPr lang="es-MX"/>
           </a:p>
@@ -7085,7 +7097,7 @@
           <a:p>
             <a:fld id="{84E5DD29-EF64-4F27-B071-AEC57630620F}" type="datetime1">
               <a:rPr lang="es-MX" smtClean="0"/>
-              <a:t>12/05/2020</a:t>
+              <a:t>13/05/2020</a:t>
             </a:fld>
             <a:endParaRPr lang="es-MX"/>
           </a:p>
@@ -7374,7 +7386,7 @@
           <a:p>
             <a:fld id="{2133846C-CF58-4330-89F4-9F5013D2B881}" type="datetime1">
               <a:rPr lang="es-MX" smtClean="0"/>
-              <a:t>12/05/2020</a:t>
+              <a:t>13/05/2020</a:t>
             </a:fld>
             <a:endParaRPr lang="es-MX"/>
           </a:p>
@@ -7626,7 +7638,7 @@
           <a:p>
             <a:fld id="{1C56CC49-1072-4973-9F81-18A2E915E0E6}" type="datetime1">
               <a:rPr lang="es-MX" smtClean="0"/>
-              <a:t>12/05/2020</a:t>
+              <a:t>13/05/2020</a:t>
             </a:fld>
             <a:endParaRPr lang="es-MX"/>
           </a:p>
@@ -8328,7 +8340,7 @@
           <a:blip r:embed="rId3">
             <a:extLst>
               <a:ext uri="{96DAC541-7B7A-43D3-8B79-37D633B846F1}">
-                <asvg:svgBlip xmlns:asvg="http://schemas.microsoft.com/office/drawing/2016/SVG/main" r:embed="rId4"/>
+                <asvg:svgBlip xmlns:asvg="http://schemas.microsoft.com/office/drawing/2016/SVG/main" xmlns="" r:embed="rId4"/>
               </a:ext>
             </a:extLst>
           </a:blip>
@@ -8382,7 +8394,7 @@
         </p:blipFill>
         <p:spPr bwMode="auto">
           <a:xfrm>
-            <a:off x="3585360" y="2830089"/>
+            <a:off x="3356760" y="2830089"/>
             <a:ext cx="1080000" cy="1080000"/>
           </a:xfrm>
           <a:prstGeom prst="rect">
@@ -8422,7 +8434,7 @@
           <p:nvPr/>
         </p:nvPicPr>
         <p:blipFill>
-          <a:blip r:embed="rId6">
+          <a:blip r:embed="rId6" cstate="hqprint">
             <a:extLst>
               <a:ext uri="{28A0092B-C50C-407E-A947-70E740481C1C}">
                 <a14:useLocalDpi xmlns:a14="http://schemas.microsoft.com/office/drawing/2010/main" val="0"/>
@@ -8524,7 +8536,7 @@
         </p:blipFill>
         <p:spPr bwMode="auto">
           <a:xfrm>
-            <a:off x="5401281" y="2808518"/>
+            <a:off x="5172681" y="2833918"/>
             <a:ext cx="1080000" cy="1080000"/>
           </a:xfrm>
           <a:prstGeom prst="rect">
@@ -8606,7 +8618,7 @@
         </p:nvSpPr>
         <p:spPr>
           <a:xfrm>
-            <a:off x="5395297" y="3977742"/>
+            <a:off x="5166697" y="4003142"/>
             <a:ext cx="1091967" cy="400110"/>
           </a:xfrm>
           <a:prstGeom prst="rect">
@@ -8702,7 +8714,7 @@
         </p:nvSpPr>
         <p:spPr>
           <a:xfrm>
-            <a:off x="5395297" y="3528478"/>
+            <a:off x="5166697" y="3553878"/>
             <a:ext cx="360000" cy="360040"/>
           </a:xfrm>
           <a:prstGeom prst="ellipse">
@@ -8755,7 +8767,7 @@
         </p:nvSpPr>
         <p:spPr>
           <a:xfrm>
-            <a:off x="3585360" y="3528478"/>
+            <a:off x="3255160" y="3528478"/>
             <a:ext cx="360000" cy="360040"/>
           </a:xfrm>
           <a:prstGeom prst="ellipse">
@@ -8808,7 +8820,7 @@
         </p:nvSpPr>
         <p:spPr>
           <a:xfrm>
-            <a:off x="3576177" y="4010989"/>
+            <a:off x="3347577" y="4010989"/>
             <a:ext cx="1098378" cy="400110"/>
           </a:xfrm>
           <a:prstGeom prst="rect">
@@ -8852,7 +8864,7 @@
           <p:nvPr/>
         </p:nvPicPr>
         <p:blipFill>
-          <a:blip r:embed="rId8">
+          <a:blip r:embed="rId8" cstate="hqprint">
             <a:extLst>
               <a:ext uri="{28A0092B-C50C-407E-A947-70E740481C1C}">
                 <a14:useLocalDpi xmlns:a14="http://schemas.microsoft.com/office/drawing/2010/main" val="0"/>
@@ -9005,7 +9017,7 @@
           <p:nvPr/>
         </p:nvPicPr>
         <p:blipFill>
-          <a:blip r:embed="rId9">
+          <a:blip r:embed="rId9" cstate="hqprint">
             <a:extLst>
               <a:ext uri="{28A0092B-C50C-407E-A947-70E740481C1C}">
                 <a14:useLocalDpi xmlns:a14="http://schemas.microsoft.com/office/drawing/2010/main" val="0"/>
@@ -9838,7 +9850,7 @@
           <a:blip r:embed="rId3">
             <a:extLst>
               <a:ext uri="{96DAC541-7B7A-43D3-8B79-37D633B846F1}">
-                <asvg:svgBlip xmlns:asvg="http://schemas.microsoft.com/office/drawing/2016/SVG/main" r:embed="rId4"/>
+                <asvg:svgBlip xmlns:asvg="http://schemas.microsoft.com/office/drawing/2016/SVG/main" xmlns="" r:embed="rId4"/>
               </a:ext>
             </a:extLst>
           </a:blip>
@@ -10135,7 +10147,7 @@
             <a:blip r:embed="rId6">
               <a:extLst>
                 <a:ext uri="{96DAC541-7B7A-43D3-8B79-37D633B846F1}">
-                  <asvg:svgBlip xmlns:asvg="http://schemas.microsoft.com/office/drawing/2016/SVG/main" r:embed="rId7"/>
+                  <asvg:svgBlip xmlns:asvg="http://schemas.microsoft.com/office/drawing/2016/SVG/main" xmlns="" r:embed="rId7"/>
                 </a:ext>
               </a:extLst>
             </a:blip>
@@ -11446,7 +11458,19 @@
               <a:rPr lang="es-MX" dirty="0">
                 <a:latin typeface="Berlin Sans FB" pitchFamily="34" charset="0"/>
               </a:rPr>
-              <a:t>Se cumplieron todos los alcances control de mobiliario de laboratorio clínico. Ver Anexo 1.</a:t>
+              <a:t>Se cumplieron todos los </a:t>
+            </a:r>
+            <a:r>
+              <a:rPr lang="es-MX" dirty="0" smtClean="0">
+                <a:latin typeface="Berlin Sans FB" pitchFamily="34" charset="0"/>
+              </a:rPr>
+              <a:t>alcances excepto el control </a:t>
+            </a:r>
+            <a:r>
+              <a:rPr lang="es-MX" dirty="0">
+                <a:latin typeface="Berlin Sans FB" pitchFamily="34" charset="0"/>
+              </a:rPr>
+              <a:t>de mobiliario de laboratorio clínico. Ver Anexo 1.</a:t>
             </a:r>
             <a:endParaRPr lang="es-SV" dirty="0">
               <a:latin typeface="Berlin Sans FB" pitchFamily="34" charset="0"/>
@@ -11511,7 +11535,7 @@
           <p:nvPr/>
         </p:nvPicPr>
         <p:blipFill>
-          <a:blip r:embed="rId3">
+          <a:blip r:embed="rId3" cstate="hqprint">
             <a:extLst>
               <a:ext uri="{28A0092B-C50C-407E-A947-70E740481C1C}">
                 <a14:useLocalDpi xmlns:a14="http://schemas.microsoft.com/office/drawing/2010/main" val="0"/>
@@ -11693,7 +11717,7 @@
             <p:nvPr/>
           </p:nvPicPr>
           <p:blipFill>
-            <a:blip r:embed="rId4">
+            <a:blip r:embed="rId4" cstate="hqprint">
               <a:biLevel thresh="25000"/>
               <a:extLst>
                 <a:ext uri="{28A0092B-C50C-407E-A947-70E740481C1C}">
@@ -11821,7 +11845,7 @@
             <p:nvPr/>
           </p:nvPicPr>
           <p:blipFill>
-            <a:blip r:embed="rId5">
+            <a:blip r:embed="rId5" cstate="hqprint">
               <a:extLst>
                 <a:ext uri="{28A0092B-C50C-407E-A947-70E740481C1C}">
                   <a14:useLocalDpi xmlns:a14="http://schemas.microsoft.com/office/drawing/2010/main" val="0"/>
@@ -11948,7 +11972,7 @@
             <p:nvPr/>
           </p:nvPicPr>
           <p:blipFill>
-            <a:blip r:embed="rId6">
+            <a:blip r:embed="rId6" cstate="hqprint">
               <a:extLst>
                 <a:ext uri="{28A0092B-C50C-407E-A947-70E740481C1C}">
                   <a14:useLocalDpi xmlns:a14="http://schemas.microsoft.com/office/drawing/2010/main" val="0"/>
@@ -12202,7 +12226,7 @@
             <p:nvPr/>
           </p:nvPicPr>
           <p:blipFill>
-            <a:blip r:embed="rId8">
+            <a:blip r:embed="rId8" cstate="hqprint">
               <a:duotone>
                 <a:schemeClr val="accent1">
                   <a:shade val="45000"/>
@@ -12336,7 +12360,7 @@
             <p:nvPr/>
           </p:nvPicPr>
           <p:blipFill>
-            <a:blip r:embed="rId9">
+            <a:blip r:embed="rId9" cstate="hqprint">
               <a:extLst>
                 <a:ext uri="{28A0092B-C50C-407E-A947-70E740481C1C}">
                   <a14:useLocalDpi xmlns:a14="http://schemas.microsoft.com/office/drawing/2010/main" val="0"/>
@@ -12463,7 +12487,7 @@
             <p:nvPr/>
           </p:nvPicPr>
           <p:blipFill>
-            <a:blip r:embed="rId10">
+            <a:blip r:embed="rId10" cstate="hqprint">
               <a:clrChange>
                 <a:clrFrom>
                   <a:srgbClr val="FFFFFF"/>
@@ -13040,7 +13064,7 @@
           <p:nvPr/>
         </p:nvPicPr>
         <p:blipFill>
-          <a:blip r:embed="rId3">
+          <a:blip r:embed="rId3" cstate="hqprint">
             <a:extLst>
               <a:ext uri="{28A0092B-C50C-407E-A947-70E740481C1C}">
                 <a14:useLocalDpi xmlns:a14="http://schemas.microsoft.com/office/drawing/2010/main" val="0"/>
@@ -13160,7 +13184,7 @@
                 <a14:useLocalDpi xmlns:a14="http://schemas.microsoft.com/office/drawing/2010/main" val="0"/>
               </a:ext>
               <a:ext uri="{96DAC541-7B7A-43D3-8B79-37D633B846F1}">
-                <asvg:svgBlip xmlns:asvg="http://schemas.microsoft.com/office/drawing/2016/SVG/main" r:embed="rId5"/>
+                <asvg:svgBlip xmlns:asvg="http://schemas.microsoft.com/office/drawing/2016/SVG/main" xmlns="" r:embed="rId5"/>
               </a:ext>
             </a:extLst>
           </a:blip>
